--- a/物理实验技能.pptx
+++ b/物理实验技能.pptx
@@ -21,17 +21,11 @@
     <p:sldId id="284" r:id="rId15"/>
     <p:sldId id="285" r:id="rId16"/>
     <p:sldId id="267" r:id="rId17"/>
-    <p:sldId id="268" r:id="rId18"/>
+    <p:sldId id="286" r:id="rId18"/>
     <p:sldId id="269" r:id="rId19"/>
     <p:sldId id="270" r:id="rId20"/>
-    <p:sldId id="271" r:id="rId21"/>
-    <p:sldId id="272" r:id="rId22"/>
-    <p:sldId id="273" r:id="rId23"/>
-    <p:sldId id="274" r:id="rId24"/>
-    <p:sldId id="275" r:id="rId25"/>
-    <p:sldId id="276" r:id="rId26"/>
-    <p:sldId id="277" r:id="rId27"/>
-    <p:sldId id="278" r:id="rId28"/>
+    <p:sldId id="277" r:id="rId21"/>
+    <p:sldId id="278" r:id="rId22"/>
   </p:sldIdLst>
   <p:sldSz cx="11557000" cy="6502400"/>
   <p:notesSz cx="6858000" cy="9144000"/>
@@ -6790,7 +6784,7 @@
         <p:spPr>
           <a:xfrm>
             <a:off x="821267" y="2635808"/>
-            <a:ext cx="7785465" cy="369332"/>
+            <a:ext cx="8228535" cy="369332"/>
           </a:xfrm>
           <a:prstGeom prst="rect">
             <a:avLst/>
@@ -6804,12 +6798,80 @@
           <a:lstStyle/>
           <a:p>
             <a:r>
+              <a:rPr lang="zh-CN" altLang="en-US" dirty="0">
+                <a:solidFill>
+                  <a:srgbClr val="0070C0"/>
+                </a:solidFill>
+              </a:rPr>
+              <a:t>理论推导</a:t>
+            </a:r>
+            <a:r>
               <a:rPr lang="zh-CN" altLang="en-US" dirty="0"/>
-              <a:t>理论上可以将多个因素赋予一个变量，方便计算；但是必须要对应实验结果</a:t>
+              <a:t>可以将多个因素赋予一个变量，方便计算；但是必须要对应实验结果</a:t>
             </a:r>
           </a:p>
         </p:txBody>
       </p:sp>
+      <p:pic>
+        <p:nvPicPr>
+          <p:cNvPr id="3" name="图片 2">
+            <a:extLst>
+              <a:ext uri="{FF2B5EF4-FFF2-40B4-BE49-F238E27FC236}">
+                <a16:creationId xmlns:a16="http://schemas.microsoft.com/office/drawing/2014/main" id="{7DF5CDDB-037A-4FC2-A1BF-2FC0747F0C40}"/>
+              </a:ext>
+            </a:extLst>
+          </p:cNvPr>
+          <p:cNvPicPr>
+            <a:picLocks noChangeAspect="1"/>
+          </p:cNvPicPr>
+          <p:nvPr/>
+        </p:nvPicPr>
+        <p:blipFill>
+          <a:blip r:embed="rId3"/>
+          <a:stretch>
+            <a:fillRect/>
+          </a:stretch>
+        </p:blipFill>
+        <p:spPr>
+          <a:xfrm>
+            <a:off x="733707" y="3285038"/>
+            <a:ext cx="4354919" cy="2626082"/>
+          </a:xfrm>
+          <a:prstGeom prst="rect">
+            <a:avLst/>
+          </a:prstGeom>
+        </p:spPr>
+      </p:pic>
+      <p:pic>
+        <p:nvPicPr>
+          <p:cNvPr id="4" name="图片 3">
+            <a:extLst>
+              <a:ext uri="{FF2B5EF4-FFF2-40B4-BE49-F238E27FC236}">
+                <a16:creationId xmlns:a16="http://schemas.microsoft.com/office/drawing/2014/main" id="{56E26B37-D0C4-43D1-B594-0E8A66B30357}"/>
+              </a:ext>
+            </a:extLst>
+          </p:cNvPr>
+          <p:cNvPicPr>
+            <a:picLocks noChangeAspect="1"/>
+          </p:cNvPicPr>
+          <p:nvPr/>
+        </p:nvPicPr>
+        <p:blipFill>
+          <a:blip r:embed="rId4"/>
+          <a:stretch>
+            <a:fillRect/>
+          </a:stretch>
+        </p:blipFill>
+        <p:spPr>
+          <a:xfrm>
+            <a:off x="6159499" y="3251200"/>
+            <a:ext cx="4354919" cy="2645845"/>
+          </a:xfrm>
+          <a:prstGeom prst="rect">
+            <a:avLst/>
+          </a:prstGeom>
+        </p:spPr>
+      </p:pic>
     </p:spTree>
   </p:cSld>
   <p:clrMapOvr>
@@ -7025,6 +7087,476 @@
 <file path=ppt/slides/slide17.xml><?xml version="1.0" encoding="utf-8"?>
 <p:sld xmlns:a="http://schemas.openxmlformats.org/drawingml/2006/main" xmlns:r="http://schemas.openxmlformats.org/officeDocument/2006/relationships" xmlns:p="http://schemas.openxmlformats.org/presentationml/2006/main">
   <p:cSld>
+    <p:spTree>
+      <p:nvGrpSpPr>
+        <p:cNvPr id="1" name=""/>
+        <p:cNvGrpSpPr/>
+        <p:nvPr/>
+      </p:nvGrpSpPr>
+      <p:grpSpPr>
+        <a:xfrm>
+          <a:off x="0" y="0"/>
+          <a:ext cx="0" cy="0"/>
+          <a:chOff x="0" y="0"/>
+          <a:chExt cx="0" cy="0"/>
+        </a:xfrm>
+      </p:grpSpPr>
+      <p:pic>
+        <p:nvPicPr>
+          <p:cNvPr id="143" name="Picture 1"/>
+          <p:cNvPicPr>
+            <a:picLocks noChangeAspect="1"/>
+          </p:cNvPicPr>
+          <p:nvPr/>
+        </p:nvPicPr>
+        <p:blipFill>
+          <a:blip r:embed="rId2"/>
+          <a:stretch>
+            <a:fillRect/>
+          </a:stretch>
+        </p:blipFill>
+        <p:spPr>
+          <a:xfrm>
+            <a:off x="4041902" y="486156"/>
+            <a:ext cx="3472786" cy="820414"/>
+          </a:xfrm>
+          <a:prstGeom prst="rect">
+            <a:avLst/>
+          </a:prstGeom>
+        </p:spPr>
+      </p:pic>
+      <p:sp>
+        <p:nvSpPr>
+          <p:cNvPr id="144" name="TextBox 2"/>
+          <p:cNvSpPr txBox="1"/>
+          <p:nvPr/>
+        </p:nvSpPr>
+        <p:spPr>
+          <a:xfrm>
+            <a:off x="4266438" y="776224"/>
+            <a:ext cx="2854008" cy="369332"/>
+          </a:xfrm>
+          <a:prstGeom prst="rect">
+            <a:avLst/>
+          </a:prstGeom>
+        </p:spPr>
+        <p:txBody>
+          <a:bodyPr lIns="0" tIns="0" rIns="0" bIns="0" rtlCol="0" anchor="t">
+            <a:spAutoFit/>
+          </a:bodyPr>
+          <a:lstStyle/>
+          <a:p>
+            <a:pPr algn="ctr" latinLnBrk="1"/>
+            <a:r>
+              <a:rPr lang="zh-CN" altLang="en-US" sz="2400" dirty="0">
+                <a:solidFill>
+                  <a:srgbClr val="FF0000"/>
+                </a:solidFill>
+                <a:latin typeface="Microsoft YaHei"/>
+                <a:ea typeface="Microsoft YaHei"/>
+              </a:rPr>
+              <a:t>实验和理论验证</a:t>
+            </a:r>
+            <a:endParaRPr lang="en-US" altLang="zh-CN" sz="1200" dirty="0">
+              <a:solidFill>
+                <a:srgbClr val="FF0000"/>
+              </a:solidFill>
+            </a:endParaRPr>
+          </a:p>
+        </p:txBody>
+      </p:sp>
+      <p:sp>
+        <p:nvSpPr>
+          <p:cNvPr id="2" name="文本框 1">
+            <a:extLst>
+              <a:ext uri="{FF2B5EF4-FFF2-40B4-BE49-F238E27FC236}">
+                <a16:creationId xmlns:a16="http://schemas.microsoft.com/office/drawing/2014/main" id="{B791171A-4D75-4043-A00A-B0351FF94B6B}"/>
+              </a:ext>
+            </a:extLst>
+          </p:cNvPr>
+          <p:cNvSpPr txBox="1"/>
+          <p:nvPr/>
+        </p:nvSpPr>
+        <p:spPr>
+          <a:xfrm>
+            <a:off x="825500" y="1955800"/>
+            <a:ext cx="4171335" cy="400110"/>
+          </a:xfrm>
+          <a:prstGeom prst="rect">
+            <a:avLst/>
+          </a:prstGeom>
+          <a:noFill/>
+        </p:spPr>
+        <p:txBody>
+          <a:bodyPr wrap="none" rtlCol="0">
+            <a:spAutoFit/>
+          </a:bodyPr>
+          <a:lstStyle/>
+          <a:p>
+            <a:r>
+              <a:rPr lang="zh-CN" altLang="en-US" sz="2000" b="1" dirty="0">
+                <a:solidFill>
+                  <a:srgbClr val="FF0000"/>
+                </a:solidFill>
+              </a:rPr>
+              <a:t>方法： 控制变量法 （理论和实验）</a:t>
+            </a:r>
+          </a:p>
+        </p:txBody>
+      </p:sp>
+      <p:sp>
+        <p:nvSpPr>
+          <p:cNvPr id="52" name="文本框 51">
+            <a:extLst>
+              <a:ext uri="{FF2B5EF4-FFF2-40B4-BE49-F238E27FC236}">
+                <a16:creationId xmlns:a16="http://schemas.microsoft.com/office/drawing/2014/main" id="{075A66F7-13D0-4CAA-BA85-6858430B4FEF}"/>
+              </a:ext>
+            </a:extLst>
+          </p:cNvPr>
+          <p:cNvSpPr txBox="1"/>
+          <p:nvPr/>
+        </p:nvSpPr>
+        <p:spPr>
+          <a:xfrm>
+            <a:off x="821267" y="2635808"/>
+            <a:ext cx="7563289" cy="369332"/>
+          </a:xfrm>
+          <a:prstGeom prst="rect">
+            <a:avLst/>
+          </a:prstGeom>
+          <a:noFill/>
+        </p:spPr>
+        <p:txBody>
+          <a:bodyPr wrap="none" rtlCol="0">
+            <a:spAutoFit/>
+          </a:bodyPr>
+          <a:lstStyle/>
+          <a:p>
+            <a:r>
+              <a:rPr lang="zh-CN" altLang="en-US" dirty="0">
+                <a:solidFill>
+                  <a:srgbClr val="0070C0"/>
+                </a:solidFill>
+              </a:rPr>
+              <a:t>实验验证</a:t>
+            </a:r>
+            <a:r>
+              <a:rPr lang="zh-CN" altLang="en-US" dirty="0"/>
+              <a:t>验证尽可能多的影响参数对目标的影响规律，补充以及验证理论</a:t>
+            </a:r>
+          </a:p>
+        </p:txBody>
+      </p:sp>
+      <p:pic>
+        <p:nvPicPr>
+          <p:cNvPr id="5" name="图片 4">
+            <a:extLst>
+              <a:ext uri="{FF2B5EF4-FFF2-40B4-BE49-F238E27FC236}">
+                <a16:creationId xmlns:a16="http://schemas.microsoft.com/office/drawing/2014/main" id="{62D6939C-550F-40B5-ADBC-9956B0A24F6C}"/>
+              </a:ext>
+            </a:extLst>
+          </p:cNvPr>
+          <p:cNvPicPr>
+            <a:picLocks noChangeAspect="1"/>
+          </p:cNvPicPr>
+          <p:nvPr/>
+        </p:nvPicPr>
+        <p:blipFill>
+          <a:blip r:embed="rId3"/>
+          <a:stretch>
+            <a:fillRect/>
+          </a:stretch>
+        </p:blipFill>
+        <p:spPr>
+          <a:xfrm>
+            <a:off x="214549" y="3428740"/>
+            <a:ext cx="3050552" cy="2065478"/>
+          </a:xfrm>
+          <a:prstGeom prst="rect">
+            <a:avLst/>
+          </a:prstGeom>
+        </p:spPr>
+      </p:pic>
+      <p:pic>
+        <p:nvPicPr>
+          <p:cNvPr id="6" name="图片 5">
+            <a:extLst>
+              <a:ext uri="{FF2B5EF4-FFF2-40B4-BE49-F238E27FC236}">
+                <a16:creationId xmlns:a16="http://schemas.microsoft.com/office/drawing/2014/main" id="{A4E06018-164A-4F12-82BA-BF71481B03D4}"/>
+              </a:ext>
+            </a:extLst>
+          </p:cNvPr>
+          <p:cNvPicPr>
+            <a:picLocks noChangeAspect="1"/>
+          </p:cNvPicPr>
+          <p:nvPr/>
+        </p:nvPicPr>
+        <p:blipFill>
+          <a:blip r:embed="rId4"/>
+          <a:stretch>
+            <a:fillRect/>
+          </a:stretch>
+        </p:blipFill>
+        <p:spPr>
+          <a:xfrm>
+            <a:off x="6262638" y="3428740"/>
+            <a:ext cx="4963223" cy="2065478"/>
+          </a:xfrm>
+          <a:prstGeom prst="rect">
+            <a:avLst/>
+          </a:prstGeom>
+        </p:spPr>
+      </p:pic>
+      <p:pic>
+        <p:nvPicPr>
+          <p:cNvPr id="7" name="图片 6">
+            <a:extLst>
+              <a:ext uri="{FF2B5EF4-FFF2-40B4-BE49-F238E27FC236}">
+                <a16:creationId xmlns:a16="http://schemas.microsoft.com/office/drawing/2014/main" id="{80BC3CCD-27B4-4CDF-B869-35EDD1579240}"/>
+              </a:ext>
+            </a:extLst>
+          </p:cNvPr>
+          <p:cNvPicPr>
+            <a:picLocks noChangeAspect="1"/>
+          </p:cNvPicPr>
+          <p:nvPr/>
+        </p:nvPicPr>
+        <p:blipFill>
+          <a:blip r:embed="rId5"/>
+          <a:stretch>
+            <a:fillRect/>
+          </a:stretch>
+        </p:blipFill>
+        <p:spPr>
+          <a:xfrm>
+            <a:off x="3393897" y="3428740"/>
+            <a:ext cx="2743110" cy="2065478"/>
+          </a:xfrm>
+          <a:prstGeom prst="rect">
+            <a:avLst/>
+          </a:prstGeom>
+        </p:spPr>
+      </p:pic>
+    </p:spTree>
+    <p:extLst>
+      <p:ext uri="{BB962C8B-B14F-4D97-AF65-F5344CB8AC3E}">
+        <p14:creationId xmlns:p14="http://schemas.microsoft.com/office/powerpoint/2010/main" val="1308737889"/>
+      </p:ext>
+    </p:extLst>
+  </p:cSld>
+  <p:clrMapOvr>
+    <a:masterClrMapping/>
+  </p:clrMapOvr>
+  <p:transition spd="slow">
+    <p14:prism xmlns:p14="http://schemas.microsoft.com/office/powerpoint/2010/main" dir="u" isInverted="1"/>
+  </p:transition>
+  <p:timing>
+    <p:tnLst>
+      <p:par>
+        <p:cTn id="1" dur="indefinite" restart="never" nodeType="tmRoot">
+          <p:childTnLst>
+            <p:seq concurrent="1" nextAc="seek">
+              <p:cTn id="2" dur="indefinite" nodeType="mainSeq">
+                <p:childTnLst>
+                  <p:par>
+                    <p:cTn id="3" fill="hold">
+                      <p:stCondLst>
+                        <p:cond delay="indefinite"/>
+                        <p:cond evt="onBegin" delay="0">
+                          <p:tn val="2"/>
+                        </p:cond>
+                      </p:stCondLst>
+                      <p:childTnLst>
+                        <p:par>
+                          <p:cTn id="4" fill="hold">
+                            <p:stCondLst>
+                              <p:cond delay="0"/>
+                            </p:stCondLst>
+                            <p:childTnLst>
+                              <p:par>
+                                <p:cTn id="5" presetID="2" presetClass="entr" presetSubtype="1" fill="hold" grpId="0" nodeType="withEffect">
+                                  <p:stCondLst>
+                                    <p:cond delay="0"/>
+                                  </p:stCondLst>
+                                  <p:childTnLst>
+                                    <p:set>
+                                      <p:cBhvr>
+                                        <p:cTn id="6" dur="1" fill="hold">
+                                          <p:stCondLst>
+                                            <p:cond delay="0"/>
+                                          </p:stCondLst>
+                                        </p:cTn>
+                                        <p:tgtEl>
+                                          <p:spTgt spid="143"/>
+                                        </p:tgtEl>
+                                        <p:attrNameLst>
+                                          <p:attrName>style.visibility</p:attrName>
+                                        </p:attrNameLst>
+                                      </p:cBhvr>
+                                      <p:to>
+                                        <p:strVal val="visible"/>
+                                      </p:to>
+                                    </p:set>
+                                    <p:anim calcmode="lin" valueType="num">
+                                      <p:cBhvr additive="base">
+                                        <p:cTn id="7" dur="1000" fill="hold"/>
+                                        <p:tgtEl>
+                                          <p:spTgt spid="143"/>
+                                        </p:tgtEl>
+                                        <p:attrNameLst>
+                                          <p:attrName>ppt_x</p:attrName>
+                                        </p:attrNameLst>
+                                      </p:cBhvr>
+                                      <p:tavLst>
+                                        <p:tav tm="0">
+                                          <p:val>
+                                            <p:strVal val="#ppt_x"/>
+                                          </p:val>
+                                        </p:tav>
+                                        <p:tav tm="100000">
+                                          <p:val>
+                                            <p:strVal val="#ppt_x"/>
+                                          </p:val>
+                                        </p:tav>
+                                      </p:tavLst>
+                                    </p:anim>
+                                    <p:anim calcmode="lin" valueType="num">
+                                      <p:cBhvr additive="base">
+                                        <p:cTn id="8" dur="1000" fill="hold"/>
+                                        <p:tgtEl>
+                                          <p:spTgt spid="143"/>
+                                        </p:tgtEl>
+                                        <p:attrNameLst>
+                                          <p:attrName>ppt_y</p:attrName>
+                                        </p:attrNameLst>
+                                      </p:cBhvr>
+                                      <p:tavLst>
+                                        <p:tav tm="0">
+                                          <p:val>
+                                            <p:strVal val="0-#ppt_h/2"/>
+                                          </p:val>
+                                        </p:tav>
+                                        <p:tav tm="100000">
+                                          <p:val>
+                                            <p:strVal val="#ppt_y"/>
+                                          </p:val>
+                                        </p:tav>
+                                      </p:tavLst>
+                                    </p:anim>
+                                  </p:childTnLst>
+                                </p:cTn>
+                              </p:par>
+                              <p:par>
+                                <p:cTn id="9" presetID="2" presetClass="entr" presetSubtype="1" fill="hold" grpId="0" nodeType="withEffect">
+                                  <p:stCondLst>
+                                    <p:cond delay="0"/>
+                                  </p:stCondLst>
+                                  <p:childTnLst>
+                                    <p:set>
+                                      <p:cBhvr>
+                                        <p:cTn id="10" dur="1" fill="hold">
+                                          <p:stCondLst>
+                                            <p:cond delay="0"/>
+                                          </p:stCondLst>
+                                        </p:cTn>
+                                        <p:tgtEl>
+                                          <p:spTgt spid="144"/>
+                                        </p:tgtEl>
+                                        <p:attrNameLst>
+                                          <p:attrName>style.visibility</p:attrName>
+                                        </p:attrNameLst>
+                                      </p:cBhvr>
+                                      <p:to>
+                                        <p:strVal val="visible"/>
+                                      </p:to>
+                                    </p:set>
+                                    <p:anim calcmode="lin" valueType="num">
+                                      <p:cBhvr additive="base">
+                                        <p:cTn id="11" dur="1000" fill="hold"/>
+                                        <p:tgtEl>
+                                          <p:spTgt spid="144"/>
+                                        </p:tgtEl>
+                                        <p:attrNameLst>
+                                          <p:attrName>ppt_x</p:attrName>
+                                        </p:attrNameLst>
+                                      </p:cBhvr>
+                                      <p:tavLst>
+                                        <p:tav tm="0">
+                                          <p:val>
+                                            <p:strVal val="#ppt_x"/>
+                                          </p:val>
+                                        </p:tav>
+                                        <p:tav tm="100000">
+                                          <p:val>
+                                            <p:strVal val="#ppt_x"/>
+                                          </p:val>
+                                        </p:tav>
+                                      </p:tavLst>
+                                    </p:anim>
+                                    <p:anim calcmode="lin" valueType="num">
+                                      <p:cBhvr additive="base">
+                                        <p:cTn id="12" dur="1000" fill="hold"/>
+                                        <p:tgtEl>
+                                          <p:spTgt spid="144"/>
+                                        </p:tgtEl>
+                                        <p:attrNameLst>
+                                          <p:attrName>ppt_y</p:attrName>
+                                        </p:attrNameLst>
+                                      </p:cBhvr>
+                                      <p:tavLst>
+                                        <p:tav tm="0">
+                                          <p:val>
+                                            <p:strVal val="0-#ppt_h/2"/>
+                                          </p:val>
+                                        </p:tav>
+                                        <p:tav tm="100000">
+                                          <p:val>
+                                            <p:strVal val="#ppt_y"/>
+                                          </p:val>
+                                        </p:tav>
+                                      </p:tavLst>
+                                    </p:anim>
+                                  </p:childTnLst>
+                                </p:cTn>
+                              </p:par>
+                            </p:childTnLst>
+                          </p:cTn>
+                        </p:par>
+                      </p:childTnLst>
+                    </p:cTn>
+                  </p:par>
+                </p:childTnLst>
+              </p:cTn>
+              <p:prevCondLst>
+                <p:cond evt="onPrev" delay="0">
+                  <p:tgtEl>
+                    <p:sldTgt/>
+                  </p:tgtEl>
+                </p:cond>
+              </p:prevCondLst>
+              <p:nextCondLst>
+                <p:cond evt="onNext" delay="0">
+                  <p:tgtEl>
+                    <p:sldTgt/>
+                  </p:tgtEl>
+                </p:cond>
+              </p:nextCondLst>
+            </p:seq>
+          </p:childTnLst>
+        </p:cTn>
+      </p:par>
+    </p:tnLst>
+    <p:bldLst>
+      <p:bldP spid="143" grpId="0" animBg="1"/>
+      <p:bldP spid="144" grpId="0"/>
+    </p:bldLst>
+  </p:timing>
+</p:sld>
+</file>
+
+<file path=ppt/slides/slide18.xml><?xml version="1.0" encoding="utf-8"?>
+<p:sld xmlns:a="http://schemas.openxmlformats.org/drawingml/2006/main" xmlns:r="http://schemas.openxmlformats.org/officeDocument/2006/relationships" xmlns:p="http://schemas.openxmlformats.org/presentationml/2006/main">
+  <p:cSld>
     <p:bg>
       <p:bgPr>
         <a:solidFill>
@@ -7049,7 +7581,7 @@
       </p:grpSpPr>
       <p:pic>
         <p:nvPicPr>
-          <p:cNvPr id="192" name="Picture 1"/>
+          <p:cNvPr id="197" name="Picture 1"/>
           <p:cNvPicPr>
             <a:picLocks noChangeAspect="1"/>
           </p:cNvPicPr>
@@ -7063,17 +7595,63 @@
         </p:blipFill>
         <p:spPr>
           <a:xfrm>
-            <a:off x="4374769" y="814578"/>
-            <a:ext cx="3243915" cy="3704754"/>
+            <a:off x="4025900" y="482600"/>
+            <a:ext cx="3472786" cy="820414"/>
           </a:xfrm>
           <a:prstGeom prst="rect">
             <a:avLst/>
           </a:prstGeom>
         </p:spPr>
       </p:pic>
+      <p:sp>
+        <p:nvSpPr>
+          <p:cNvPr id="198" name="TextBox 2"/>
+          <p:cNvSpPr txBox="1"/>
+          <p:nvPr/>
+        </p:nvSpPr>
+        <p:spPr>
+          <a:xfrm>
+            <a:off x="4627033" y="775589"/>
+            <a:ext cx="2833751" cy="369332"/>
+          </a:xfrm>
+          <a:prstGeom prst="rect">
+            <a:avLst/>
+          </a:prstGeom>
+        </p:spPr>
+        <p:txBody>
+          <a:bodyPr lIns="0" tIns="0" rIns="0" bIns="0" rtlCol="0" anchor="t">
+            <a:spAutoFit/>
+          </a:bodyPr>
+          <a:lstStyle/>
+          <a:p>
+            <a:pPr latinLnBrk="1"/>
+            <a:r>
+              <a:rPr lang="zh-CN" altLang="en-US" sz="2400" dirty="0">
+                <a:solidFill>
+                  <a:srgbClr val="FF0000"/>
+                </a:solidFill>
+                <a:latin typeface="Microsoft YaHei"/>
+                <a:ea typeface="Microsoft YaHei"/>
+              </a:rPr>
+              <a:t>误差分析及结论</a:t>
+            </a:r>
+            <a:endParaRPr lang="en-US" altLang="zh-CN" sz="1200" dirty="0">
+              <a:solidFill>
+                <a:srgbClr val="FF0000"/>
+              </a:solidFill>
+            </a:endParaRPr>
+          </a:p>
+        </p:txBody>
+      </p:sp>
       <p:pic>
         <p:nvPicPr>
-          <p:cNvPr id="193" name="Picture 2"/>
+          <p:cNvPr id="2" name="图片 1">
+            <a:extLst>
+              <a:ext uri="{FF2B5EF4-FFF2-40B4-BE49-F238E27FC236}">
+                <a16:creationId xmlns:a16="http://schemas.microsoft.com/office/drawing/2014/main" id="{0668B8FA-507E-458A-8FB2-7ADE8F85E204}"/>
+              </a:ext>
+            </a:extLst>
+          </p:cNvPr>
           <p:cNvPicPr>
             <a:picLocks noChangeAspect="1"/>
           </p:cNvPicPr>
@@ -7087,99 +7665,14 @@
         </p:blipFill>
         <p:spPr>
           <a:xfrm>
-            <a:off x="2889250" y="5138674"/>
-            <a:ext cx="5778500" cy="434018"/>
+            <a:off x="1995626" y="1508686"/>
+            <a:ext cx="7533333" cy="4485714"/>
           </a:xfrm>
           <a:prstGeom prst="rect">
             <a:avLst/>
           </a:prstGeom>
         </p:spPr>
       </p:pic>
-      <p:pic>
-        <p:nvPicPr>
-          <p:cNvPr id="194" name="Picture 3"/>
-          <p:cNvPicPr>
-            <a:picLocks noChangeAspect="1"/>
-          </p:cNvPicPr>
-          <p:nvPr/>
-        </p:nvPicPr>
-        <p:blipFill>
-          <a:blip r:embed="rId4"/>
-          <a:stretch>
-            <a:fillRect/>
-          </a:stretch>
-        </p:blipFill>
-        <p:spPr>
-          <a:xfrm>
-            <a:off x="3105277" y="3244850"/>
-            <a:ext cx="1351331" cy="1092940"/>
-          </a:xfrm>
-          <a:prstGeom prst="rect">
-            <a:avLst/>
-          </a:prstGeom>
-        </p:spPr>
-      </p:pic>
-      <p:grpSp>
-        <p:nvGrpSpPr>
-          <p:cNvPr id="195" name="Group 4"/>
-          <p:cNvGrpSpPr/>
-          <p:nvPr/>
-        </p:nvGrpSpPr>
-        <p:grpSpPr>
-          <a:xfrm>
-            <a:off x="4546346" y="4896485"/>
-            <a:ext cx="3001708" cy="533400"/>
-            <a:chOff x="4546346" y="4896485"/>
-            <a:chExt cx="3001708" cy="533400"/>
-          </a:xfrm>
-        </p:grpSpPr>
-        <p:sp>
-          <p:nvSpPr>
-            <p:cNvPr id="196" name="TextBox 195"/>
-            <p:cNvSpPr txBox="1"/>
-            <p:nvPr/>
-          </p:nvSpPr>
-          <p:spPr>
-            <a:xfrm>
-              <a:off x="4546346" y="4896485"/>
-              <a:ext cx="3001708" cy="533400"/>
-            </a:xfrm>
-            <a:prstGeom prst="rect">
-              <a:avLst/>
-            </a:prstGeom>
-          </p:spPr>
-          <p:txBody>
-            <a:bodyPr lIns="0" tIns="0" rIns="0" bIns="0" rtlCol="0" anchor="t">
-              <a:spAutoFit/>
-            </a:bodyPr>
-            <a:lstStyle/>
-            <a:p>
-              <a:pPr algn="ctr" latinLnBrk="1"/>
-              <a:r>
-                <a:rPr lang="en-US" sz="3000">
-                  <a:solidFill>
-                    <a:srgbClr val="000000"/>
-                  </a:solidFill>
-                  <a:latin typeface="Microsoft YaHei"/>
-                  <a:ea typeface="Microsoft YaHei"/>
-                </a:rPr>
-                <a:t>遗留问题</a:t>
-              </a:r>
-              <a:r>
-                <a:rPr lang="en-US" sz="3000">
-                  <a:solidFill>
-                    <a:srgbClr val="9DC3E6"/>
-                  </a:solidFill>
-                  <a:latin typeface="Microsoft YaHei"/>
-                  <a:ea typeface="Microsoft YaHei"/>
-                </a:rPr>
-                <a:t>探讨</a:t>
-              </a:r>
-              <a:endParaRPr lang="en-US" sz="1100"/>
-            </a:p>
-          </p:txBody>
-        </p:sp>
-      </p:grpSp>
     </p:spTree>
   </p:cSld>
   <p:clrMapOvr>
@@ -7225,7 +7718,7 @@
                                           </p:stCondLst>
                                         </p:cTn>
                                         <p:tgtEl>
-                                          <p:spTgt spid="192"/>
+                                          <p:spTgt spid="197"/>
                                         </p:tgtEl>
                                         <p:attrNameLst>
                                           <p:attrName>style.visibility</p:attrName>
@@ -7239,7 +7732,7 @@
                                       <p:cBhvr>
                                         <p:cTn id="7" dur="1000"/>
                                         <p:tgtEl>
-                                          <p:spTgt spid="192"/>
+                                          <p:spTgt spid="197"/>
                                         </p:tgtEl>
                                       </p:cBhvr>
                                     </p:animEffect>
@@ -7260,7 +7753,7 @@
                                           </p:stCondLst>
                                         </p:cTn>
                                         <p:tgtEl>
-                                          <p:spTgt spid="193"/>
+                                          <p:spTgt spid="198"/>
                                         </p:tgtEl>
                                         <p:attrNameLst>
                                           <p:attrName>style.visibility</p:attrName>
@@ -7274,77 +7767,7 @@
                                       <p:cBhvr>
                                         <p:cTn id="10" dur="1000"/>
                                         <p:tgtEl>
-                                          <p:spTgt spid="193"/>
-                                        </p:tgtEl>
-                                      </p:cBhvr>
-                                    </p:animEffect>
-                                  </p:childTnLst>
-                                </p:cTn>
-                              </p:par>
-                              <p:par>
-                                <p:cTn id="11" presetID="10" presetClass="entr" presetSubtype="0" fill="hold" grpId="0" nodeType="withEffect">
-                                  <p:stCondLst>
-                                    <p:cond delay="0"/>
-                                  </p:stCondLst>
-                                  <p:childTnLst>
-                                    <p:set>
-                                      <p:cBhvr>
-                                        <p:cTn id="12" dur="1" fill="hold">
-                                          <p:stCondLst>
-                                            <p:cond delay="0"/>
-                                          </p:stCondLst>
-                                        </p:cTn>
-                                        <p:tgtEl>
-                                          <p:spTgt spid="194"/>
-                                        </p:tgtEl>
-                                        <p:attrNameLst>
-                                          <p:attrName>style.visibility</p:attrName>
-                                        </p:attrNameLst>
-                                      </p:cBhvr>
-                                      <p:to>
-                                        <p:strVal val="visible"/>
-                                      </p:to>
-                                    </p:set>
-                                    <p:animEffect transition="in" filter="fade">
-                                      <p:cBhvr>
-                                        <p:cTn id="13" dur="1000"/>
-                                        <p:tgtEl>
-                                          <p:spTgt spid="194"/>
-                                        </p:tgtEl>
-                                      </p:cBhvr>
-                                    </p:animEffect>
-                                  </p:childTnLst>
-                                </p:cTn>
-                              </p:par>
-                              <p:par>
-                                <p:cTn id="14" presetID="10" presetClass="entr" presetSubtype="0" fill="hold" grpId="0" nodeType="withEffect">
-                                  <p:stCondLst>
-                                    <p:cond delay="0"/>
-                                  </p:stCondLst>
-                                  <p:childTnLst>
-                                    <p:set>
-                                      <p:cBhvr>
-                                        <p:cTn id="15" dur="1" fill="hold">
-                                          <p:stCondLst>
-                                            <p:cond delay="0"/>
-                                          </p:stCondLst>
-                                        </p:cTn>
-                                        <p:tgtEl>
-                                          <p:spTgt spid="195"/>
-                                        </p:tgtEl>
-                                        <p:attrNameLst>
-                                          <p:attrName>style.visibility</p:attrName>
-                                        </p:attrNameLst>
-                                      </p:cBhvr>
-                                      <p:to>
-                                        <p:strVal val="visible"/>
-                                      </p:to>
-                                    </p:set>
-                                    <p:animEffect transition="in" filter="fade">
-                                      <p:cBhvr>
-                                        <p:cTn id="16" dur="1000"/>
-                                        <p:tgtEl>
-                                          <p:spTgt spid="195"/>
+                                          <p:spTgt spid="198"/>
                                         </p:tgtEl>
                                       </p:cBhvr>
                                     </p:animEffect>
@@ -7379,16 +7802,14 @@
       </p:par>
     </p:tnLst>
     <p:bldLst>
-      <p:bldP spid="192" grpId="0" animBg="1"/>
-      <p:bldP spid="193" grpId="0" animBg="1"/>
-      <p:bldP spid="194" grpId="0" animBg="1"/>
-      <p:bldP spid="195" grpId="0" animBg="1"/>
+      <p:bldP spid="197" grpId="0" animBg="1"/>
+      <p:bldP spid="198" grpId="0"/>
     </p:bldLst>
   </p:timing>
 </p:sld>
 </file>
 
-<file path=ppt/slides/slide18.xml><?xml version="1.0" encoding="utf-8"?>
+<file path=ppt/slides/slide19.xml><?xml version="1.0" encoding="utf-8"?>
 <p:sld xmlns:a="http://schemas.openxmlformats.org/drawingml/2006/main" xmlns:r="http://schemas.openxmlformats.org/officeDocument/2006/relationships" xmlns:p="http://schemas.openxmlformats.org/presentationml/2006/main">
   <p:cSld>
     <p:bg>
@@ -7415,7 +7836,7 @@
       </p:grpSpPr>
       <p:pic>
         <p:nvPicPr>
-          <p:cNvPr id="197" name="Picture 1"/>
+          <p:cNvPr id="224" name="Picture 1"/>
           <p:cNvPicPr>
             <a:picLocks noChangeAspect="1"/>
           </p:cNvPicPr>
@@ -7429,7 +7850,7 @@
         </p:blipFill>
         <p:spPr>
           <a:xfrm>
-            <a:off x="4025900" y="482600"/>
+            <a:off x="4041902" y="486156"/>
             <a:ext cx="3472786" cy="820414"/>
           </a:xfrm>
           <a:prstGeom prst="rect">
@@ -7439,14 +7860,14 @@
       </p:pic>
       <p:sp>
         <p:nvSpPr>
-          <p:cNvPr id="198" name="TextBox 2"/>
+          <p:cNvPr id="225" name="TextBox 2"/>
           <p:cNvSpPr txBox="1"/>
           <p:nvPr/>
         </p:nvSpPr>
         <p:spPr>
           <a:xfrm>
-            <a:off x="4246372" y="775589"/>
-            <a:ext cx="2833751" cy="406400"/>
+            <a:off x="4266438" y="776224"/>
+            <a:ext cx="2822575" cy="353943"/>
           </a:xfrm>
           <a:prstGeom prst="rect">
             <a:avLst/>
@@ -7460,22 +7881,22 @@
           <a:p>
             <a:pPr algn="ctr" latinLnBrk="1"/>
             <a:r>
-              <a:rPr lang="en-US" sz="2300">
+              <a:rPr lang="zh-CN" altLang="en-US" sz="2300" dirty="0">
                 <a:solidFill>
                   <a:srgbClr val="000000"/>
                 </a:solidFill>
                 <a:latin typeface="Microsoft YaHei"/>
                 <a:ea typeface="Microsoft YaHei"/>
               </a:rPr>
-              <a:t>在这里填写标题</a:t>
-            </a:r>
-            <a:endParaRPr lang="en-US" sz="1100"/>
+              <a:t>总结</a:t>
+            </a:r>
+            <a:endParaRPr lang="en-US" sz="1100" dirty="0"/>
           </a:p>
         </p:txBody>
       </p:sp>
       <p:pic>
         <p:nvPicPr>
-          <p:cNvPr id="199" name="Picture 3"/>
+          <p:cNvPr id="226" name="Picture 3"/>
           <p:cNvPicPr>
             <a:picLocks noChangeAspect="1"/>
           </p:cNvPicPr>
@@ -7489,161 +7910,85 @@
         </p:blipFill>
         <p:spPr>
           <a:xfrm>
-            <a:off x="1130300" y="2120900"/>
-            <a:ext cx="3883827" cy="3186588"/>
+            <a:off x="2920619" y="4677410"/>
+            <a:ext cx="1342758" cy="882382"/>
           </a:xfrm>
           <a:prstGeom prst="rect">
             <a:avLst/>
           </a:prstGeom>
         </p:spPr>
       </p:pic>
-      <p:sp>
-        <p:nvSpPr>
-          <p:cNvPr id="200" name="TextBox 4"/>
-          <p:cNvSpPr txBox="1"/>
-          <p:nvPr/>
-        </p:nvSpPr>
-        <p:spPr>
-          <a:xfrm>
-            <a:off x="5880100" y="2032000"/>
-            <a:ext cx="574421" cy="533400"/>
-          </a:xfrm>
-          <a:prstGeom prst="rect">
-            <a:avLst/>
-          </a:prstGeom>
-        </p:spPr>
-        <p:txBody>
-          <a:bodyPr lIns="0" tIns="0" rIns="0" bIns="0" rtlCol="0" anchor="t">
-            <a:spAutoFit/>
-          </a:bodyPr>
-          <a:lstStyle/>
-          <a:p>
-            <a:pPr algn="ctr" latinLnBrk="1"/>
-            <a:r>
-              <a:rPr lang="en-US" sz="3000" b="1">
-                <a:solidFill>
-                  <a:srgbClr val="000000"/>
-                </a:solidFill>
-                <a:latin typeface="Microsoft YaHei"/>
-                <a:ea typeface="Microsoft YaHei"/>
-              </a:rPr>
-              <a:t>01</a:t>
-            </a:r>
-            <a:endParaRPr lang="en-US" sz="1100"/>
-          </a:p>
-        </p:txBody>
-      </p:sp>
-      <p:sp>
-        <p:nvSpPr>
-          <p:cNvPr id="201" name="TextBox 5"/>
-          <p:cNvSpPr txBox="1"/>
-          <p:nvPr/>
-        </p:nvSpPr>
-        <p:spPr>
-          <a:xfrm>
-            <a:off x="5892800" y="2971800"/>
-            <a:ext cx="555244" cy="533400"/>
-          </a:xfrm>
-          <a:prstGeom prst="rect">
-            <a:avLst/>
-          </a:prstGeom>
-        </p:spPr>
-        <p:txBody>
-          <a:bodyPr lIns="0" tIns="0" rIns="0" bIns="0" rtlCol="0" anchor="t">
-            <a:spAutoFit/>
-          </a:bodyPr>
-          <a:lstStyle/>
-          <a:p>
-            <a:pPr algn="ctr" latinLnBrk="1"/>
-            <a:r>
-              <a:rPr lang="en-US" sz="3000" b="1">
-                <a:solidFill>
-                  <a:srgbClr val="000000"/>
-                </a:solidFill>
-                <a:latin typeface="Microsoft YaHei"/>
-                <a:ea typeface="Microsoft YaHei"/>
-              </a:rPr>
-              <a:t>02</a:t>
-            </a:r>
-            <a:endParaRPr lang="en-US" sz="1100"/>
-          </a:p>
-        </p:txBody>
-      </p:sp>
-      <p:sp>
-        <p:nvSpPr>
-          <p:cNvPr id="202" name="TextBox 6"/>
-          <p:cNvSpPr txBox="1"/>
-          <p:nvPr/>
-        </p:nvSpPr>
-        <p:spPr>
-          <a:xfrm>
-            <a:off x="5892800" y="3898900"/>
-            <a:ext cx="655701" cy="533400"/>
-          </a:xfrm>
-          <a:prstGeom prst="rect">
-            <a:avLst/>
-          </a:prstGeom>
-        </p:spPr>
-        <p:txBody>
-          <a:bodyPr lIns="0" tIns="0" rIns="0" bIns="0" rtlCol="0" anchor="t">
-            <a:spAutoFit/>
-          </a:bodyPr>
-          <a:lstStyle/>
-          <a:p>
-            <a:pPr algn="ctr" latinLnBrk="1"/>
-            <a:r>
-              <a:rPr lang="en-US" sz="3000" b="1">
-                <a:solidFill>
-                  <a:srgbClr val="000000"/>
-                </a:solidFill>
-                <a:latin typeface="Microsoft YaHei"/>
-                <a:ea typeface="Microsoft YaHei"/>
-              </a:rPr>
-              <a:t>03</a:t>
-            </a:r>
-            <a:endParaRPr lang="en-US" sz="1100"/>
-          </a:p>
-        </p:txBody>
-      </p:sp>
-      <p:sp>
-        <p:nvSpPr>
-          <p:cNvPr id="203" name="TextBox 7"/>
-          <p:cNvSpPr txBox="1"/>
-          <p:nvPr/>
-        </p:nvSpPr>
-        <p:spPr>
-          <a:xfrm>
-            <a:off x="5892800" y="4800600"/>
-            <a:ext cx="589026" cy="533400"/>
-          </a:xfrm>
-          <a:prstGeom prst="rect">
-            <a:avLst/>
-          </a:prstGeom>
-        </p:spPr>
-        <p:txBody>
-          <a:bodyPr lIns="0" tIns="0" rIns="0" bIns="0" rtlCol="0" anchor="t">
-            <a:spAutoFit/>
-          </a:bodyPr>
-          <a:lstStyle/>
-          <a:p>
-            <a:pPr algn="ctr" latinLnBrk="1"/>
-            <a:r>
-              <a:rPr lang="en-US" sz="3000" b="1">
-                <a:solidFill>
-                  <a:srgbClr val="000000"/>
-                </a:solidFill>
-                <a:latin typeface="Microsoft YaHei"/>
-                <a:ea typeface="Microsoft YaHei"/>
-              </a:rPr>
-              <a:t>04</a:t>
-            </a:r>
-            <a:endParaRPr lang="en-US" sz="1100"/>
-          </a:p>
-        </p:txBody>
-      </p:sp>
       <p:pic>
         <p:nvPicPr>
-          <p:cNvPr id="204" name="Picture 8"/>
+          <p:cNvPr id="227" name="Picture 4"/>
+          <p:cNvPicPr>
+            <a:picLocks noChangeAspect="1"/>
+          </p:cNvPicPr>
+          <p:nvPr/>
+        </p:nvPicPr>
+        <p:blipFill>
+          <a:blip r:embed="rId3"/>
+          <a:stretch>
+            <a:fillRect/>
+          </a:stretch>
+        </p:blipFill>
+        <p:spPr>
+          <a:xfrm>
+            <a:off x="4400677" y="3406775"/>
+            <a:ext cx="2092590" cy="1375119"/>
+          </a:xfrm>
+          <a:prstGeom prst="rect">
+            <a:avLst/>
+          </a:prstGeom>
+        </p:spPr>
+      </p:pic>
+      <p:pic>
+        <p:nvPicPr>
+          <p:cNvPr id="228" name="Picture 5"/>
+          <p:cNvPicPr>
+            <a:picLocks noChangeAspect="1"/>
+          </p:cNvPicPr>
+          <p:nvPr/>
+        </p:nvPicPr>
+        <p:blipFill>
+          <a:blip r:embed="rId3"/>
+          <a:stretch>
+            <a:fillRect/>
+          </a:stretch>
+        </p:blipFill>
+        <p:spPr>
+          <a:xfrm>
+            <a:off x="3203194" y="3128899"/>
+            <a:ext cx="868456" cy="570695"/>
+          </a:xfrm>
+          <a:prstGeom prst="rect">
+            <a:avLst/>
+          </a:prstGeom>
+          <a:solidFill>
+            <a:schemeClr val="accent2"/>
+          </a:solidFill>
+          <a:ln>
+            <a:noFill/>
+          </a:ln>
+        </p:spPr>
+        <p:style>
+          <a:lnRef idx="0">
+            <a:scrgbClr r="0" g="0" b="0"/>
+          </a:lnRef>
+          <a:fillRef idx="0">
+            <a:scrgbClr r="0" g="0" b="0"/>
+          </a:fillRef>
+          <a:effectRef idx="0">
+            <a:scrgbClr r="0" g="0" b="0"/>
+          </a:effectRef>
+          <a:fontRef idx="minor">
+            <a:schemeClr val="lt1"/>
+          </a:fontRef>
+        </p:style>
+      </p:pic>
+      <p:pic>
+        <p:nvPicPr>
+          <p:cNvPr id="229" name="Picture 6"/>
           <p:cNvPicPr>
             <a:picLocks noChangeAspect="1"/>
           </p:cNvPicPr>
@@ -7656,9 +8001,9 @@
           </a:stretch>
         </p:blipFill>
         <p:spPr>
-          <a:xfrm rot="5400000">
-            <a:off x="6731000" y="1968500"/>
-            <a:ext cx="518883" cy="627558"/>
+          <a:xfrm>
+            <a:off x="4861433" y="2084324"/>
+            <a:ext cx="1671210" cy="1096883"/>
           </a:xfrm>
           <a:prstGeom prst="rect">
             <a:avLst/>
@@ -7667,14 +8012,14 @@
       </p:pic>
       <p:sp>
         <p:nvSpPr>
-          <p:cNvPr id="205" name="TextBox 9"/>
+          <p:cNvPr id="230" name="TextBox 7"/>
           <p:cNvSpPr txBox="1"/>
           <p:nvPr/>
         </p:nvSpPr>
         <p:spPr>
           <a:xfrm>
-            <a:off x="6553200" y="2120900"/>
-            <a:ext cx="846138" cy="355600"/>
+            <a:off x="2970911" y="4930013"/>
+            <a:ext cx="744347" cy="355600"/>
           </a:xfrm>
           <a:prstGeom prst="rect">
             <a:avLst/>
@@ -7695,46 +8040,22 @@
                 <a:latin typeface="Microsoft YaHei"/>
                 <a:ea typeface="Microsoft YaHei"/>
               </a:rPr>
-              <a:t>标题</a:t>
+              <a:t>38</a:t>
             </a:r>
             <a:endParaRPr lang="en-US" sz="1100"/>
           </a:p>
         </p:txBody>
       </p:sp>
-      <p:pic>
-        <p:nvPicPr>
-          <p:cNvPr id="206" name="Picture 10"/>
-          <p:cNvPicPr>
-            <a:picLocks noChangeAspect="1"/>
-          </p:cNvPicPr>
-          <p:nvPr/>
-        </p:nvPicPr>
-        <p:blipFill>
-          <a:blip r:embed="rId4"/>
-          <a:stretch>
-            <a:fillRect/>
-          </a:stretch>
-        </p:blipFill>
-        <p:spPr>
-          <a:xfrm rot="5400000">
-            <a:off x="6743700" y="2895600"/>
-            <a:ext cx="518883" cy="627558"/>
-          </a:xfrm>
-          <a:prstGeom prst="rect">
-            <a:avLst/>
-          </a:prstGeom>
-        </p:spPr>
-      </p:pic>
       <p:sp>
         <p:nvSpPr>
-          <p:cNvPr id="207" name="TextBox 11"/>
+          <p:cNvPr id="231" name="TextBox 8"/>
           <p:cNvSpPr txBox="1"/>
           <p:nvPr/>
         </p:nvSpPr>
         <p:spPr>
           <a:xfrm>
-            <a:off x="6553200" y="3060700"/>
-            <a:ext cx="887730" cy="355600"/>
+            <a:off x="4634484" y="3719322"/>
+            <a:ext cx="966660" cy="711200"/>
           </a:xfrm>
           <a:prstGeom prst="rect">
             <a:avLst/>
@@ -7748,53 +8069,29 @@
           <a:p>
             <a:pPr algn="ctr" latinLnBrk="1"/>
             <a:r>
-              <a:rPr lang="en-US" sz="2000" b="1">
+              <a:rPr lang="en-US" sz="4000" b="1">
                 <a:solidFill>
                   <a:srgbClr val="000000"/>
                 </a:solidFill>
                 <a:latin typeface="Microsoft YaHei"/>
                 <a:ea typeface="Microsoft YaHei"/>
               </a:rPr>
-              <a:t>标题</a:t>
+              <a:t>46</a:t>
             </a:r>
             <a:endParaRPr lang="en-US" sz="1100"/>
           </a:p>
         </p:txBody>
       </p:sp>
-      <p:pic>
-        <p:nvPicPr>
-          <p:cNvPr id="208" name="Picture 12"/>
-          <p:cNvPicPr>
-            <a:picLocks noChangeAspect="1"/>
-          </p:cNvPicPr>
-          <p:nvPr/>
-        </p:nvPicPr>
-        <p:blipFill>
-          <a:blip r:embed="rId4"/>
-          <a:stretch>
-            <a:fillRect/>
-          </a:stretch>
-        </p:blipFill>
-        <p:spPr>
-          <a:xfrm rot="5400000">
-            <a:off x="6743700" y="3835400"/>
-            <a:ext cx="518883" cy="627558"/>
-          </a:xfrm>
-          <a:prstGeom prst="rect">
-            <a:avLst/>
-          </a:prstGeom>
-        </p:spPr>
-      </p:pic>
       <p:sp>
         <p:nvSpPr>
-          <p:cNvPr id="209" name="TextBox 13"/>
+          <p:cNvPr id="232" name="TextBox 9"/>
           <p:cNvSpPr txBox="1"/>
           <p:nvPr/>
         </p:nvSpPr>
         <p:spPr>
           <a:xfrm>
-            <a:off x="6565900" y="4000500"/>
-            <a:ext cx="874903" cy="355600"/>
+            <a:off x="3061589" y="3259582"/>
+            <a:ext cx="845629" cy="285750"/>
           </a:xfrm>
           <a:prstGeom prst="rect">
             <a:avLst/>
@@ -7808,53 +8105,29 @@
           <a:p>
             <a:pPr algn="ctr" latinLnBrk="1"/>
             <a:r>
-              <a:rPr lang="en-US" sz="2000" b="1">
+              <a:rPr lang="en-US" sz="1600" b="1">
                 <a:solidFill>
                   <a:srgbClr val="000000"/>
                 </a:solidFill>
                 <a:latin typeface="Microsoft YaHei"/>
                 <a:ea typeface="Microsoft YaHei"/>
               </a:rPr>
-              <a:t>标题</a:t>
+              <a:t>17</a:t>
             </a:r>
             <a:endParaRPr lang="en-US" sz="1100"/>
           </a:p>
         </p:txBody>
       </p:sp>
-      <p:pic>
-        <p:nvPicPr>
-          <p:cNvPr id="210" name="Picture 14"/>
-          <p:cNvPicPr>
-            <a:picLocks noChangeAspect="1"/>
-          </p:cNvPicPr>
-          <p:nvPr/>
-        </p:nvPicPr>
-        <p:blipFill>
-          <a:blip r:embed="rId4"/>
-          <a:stretch>
-            <a:fillRect/>
-          </a:stretch>
-        </p:blipFill>
-        <p:spPr>
-          <a:xfrm rot="5400000">
-            <a:off x="6731000" y="4737100"/>
-            <a:ext cx="518883" cy="627558"/>
-          </a:xfrm>
-          <a:prstGeom prst="rect">
-            <a:avLst/>
-          </a:prstGeom>
-        </p:spPr>
-      </p:pic>
       <p:sp>
         <p:nvSpPr>
-          <p:cNvPr id="211" name="TextBox 15"/>
+          <p:cNvPr id="233" name="TextBox 10"/>
           <p:cNvSpPr txBox="1"/>
           <p:nvPr/>
         </p:nvSpPr>
         <p:spPr>
           <a:xfrm>
-            <a:off x="6553200" y="4902200"/>
-            <a:ext cx="845376" cy="355600"/>
+            <a:off x="4851400" y="2273300"/>
+            <a:ext cx="1024446" cy="622300"/>
           </a:xfrm>
           <a:prstGeom prst="rect">
             <a:avLst/>
@@ -7868,319 +8141,163 @@
           <a:p>
             <a:pPr algn="ctr" latinLnBrk="1"/>
             <a:r>
-              <a:rPr lang="en-US" sz="2000" b="1">
+              <a:rPr lang="en-US" sz="3500" b="1">
                 <a:solidFill>
                   <a:srgbClr val="000000"/>
                 </a:solidFill>
                 <a:latin typeface="Microsoft YaHei"/>
                 <a:ea typeface="Microsoft YaHei"/>
               </a:rPr>
-              <a:t>标题</a:t>
+              <a:t>22</a:t>
             </a:r>
             <a:endParaRPr lang="en-US" sz="1100"/>
           </a:p>
         </p:txBody>
       </p:sp>
-      <p:grpSp>
-        <p:nvGrpSpPr>
-          <p:cNvPr id="212" name="Group 16"/>
-          <p:cNvGrpSpPr/>
-          <p:nvPr/>
-        </p:nvGrpSpPr>
-        <p:grpSpPr>
-          <a:xfrm>
-            <a:off x="7454900" y="2057400"/>
-            <a:ext cx="2819649" cy="455612"/>
-            <a:chOff x="7454900" y="2057400"/>
-            <a:chExt cx="2819649" cy="455612"/>
-          </a:xfrm>
-        </p:grpSpPr>
-        <p:sp>
-          <p:nvSpPr>
-            <p:cNvPr id="213" name="TextBox 212"/>
-            <p:cNvSpPr txBox="1"/>
-            <p:nvPr/>
-          </p:nvSpPr>
-          <p:spPr>
-            <a:xfrm>
-              <a:off x="7454900" y="2057400"/>
-              <a:ext cx="2208149" cy="355600"/>
-            </a:xfrm>
-            <a:prstGeom prst="rect">
-              <a:avLst/>
-            </a:prstGeom>
-          </p:spPr>
-          <p:txBody>
-            <a:bodyPr lIns="0" tIns="0" rIns="0" bIns="0" rtlCol="0" anchor="t">
-              <a:spAutoFit/>
-            </a:bodyPr>
-            <a:lstStyle/>
-            <a:p>
-              <a:pPr algn="ctr" latinLnBrk="1"/>
-              <a:r>
-                <a:rPr lang="en-US" sz="2000" b="1">
-                  <a:solidFill>
-                    <a:srgbClr val="000000"/>
-                  </a:solidFill>
-                  <a:latin typeface="Microsoft YaHei"/>
-                  <a:ea typeface="Microsoft YaHei"/>
-                </a:rPr>
-                <a:t>在这里输入内容</a:t>
-              </a:r>
-              <a:endParaRPr lang="en-US" sz="1100"/>
-            </a:p>
-          </p:txBody>
-        </p:sp>
-        <p:pic>
-          <p:nvPicPr>
-            <p:cNvPr id="214" name="Picture 213"/>
-            <p:cNvPicPr>
-              <a:picLocks noChangeAspect="1"/>
-            </p:cNvPicPr>
-            <p:nvPr/>
-          </p:nvPicPr>
-          <p:blipFill>
-            <a:blip r:embed="rId5"/>
-            <a:stretch>
-              <a:fillRect/>
-            </a:stretch>
-          </p:blipFill>
-          <p:spPr>
-            <a:xfrm>
-              <a:off x="7505700" y="2476500"/>
-              <a:ext cx="2768849" cy="36512"/>
-            </a:xfrm>
-            <a:prstGeom prst="rect">
-              <a:avLst/>
-            </a:prstGeom>
-          </p:spPr>
-        </p:pic>
-      </p:grpSp>
-      <p:grpSp>
-        <p:nvGrpSpPr>
-          <p:cNvPr id="215" name="Group 17"/>
-          <p:cNvGrpSpPr/>
-          <p:nvPr/>
-        </p:nvGrpSpPr>
-        <p:grpSpPr>
-          <a:xfrm>
-            <a:off x="7454900" y="2959100"/>
-            <a:ext cx="2819649" cy="455612"/>
-            <a:chOff x="7454900" y="2959100"/>
-            <a:chExt cx="2819649" cy="455612"/>
-          </a:xfrm>
-        </p:grpSpPr>
-        <p:sp>
-          <p:nvSpPr>
-            <p:cNvPr id="216" name="TextBox 215"/>
-            <p:cNvSpPr txBox="1"/>
-            <p:nvPr/>
-          </p:nvSpPr>
-          <p:spPr>
-            <a:xfrm>
-              <a:off x="7454900" y="2959100"/>
-              <a:ext cx="2180971" cy="355600"/>
-            </a:xfrm>
-            <a:prstGeom prst="rect">
-              <a:avLst/>
-            </a:prstGeom>
-          </p:spPr>
-          <p:txBody>
-            <a:bodyPr lIns="0" tIns="0" rIns="0" bIns="0" rtlCol="0" anchor="t">
-              <a:spAutoFit/>
-            </a:bodyPr>
-            <a:lstStyle/>
-            <a:p>
-              <a:pPr algn="ctr" latinLnBrk="1"/>
-              <a:r>
-                <a:rPr lang="en-US" sz="2000" b="1">
-                  <a:solidFill>
-                    <a:srgbClr val="000000"/>
-                  </a:solidFill>
-                  <a:latin typeface="Microsoft YaHei"/>
-                  <a:ea typeface="Microsoft YaHei"/>
-                </a:rPr>
-                <a:t>在这里输入内容</a:t>
-              </a:r>
-              <a:endParaRPr lang="en-US" sz="1100"/>
-            </a:p>
-          </p:txBody>
-        </p:sp>
-        <p:pic>
-          <p:nvPicPr>
-            <p:cNvPr id="217" name="Picture 216"/>
-            <p:cNvPicPr>
-              <a:picLocks noChangeAspect="1"/>
-            </p:cNvPicPr>
-            <p:nvPr/>
-          </p:nvPicPr>
-          <p:blipFill>
-            <a:blip r:embed="rId5"/>
-            <a:stretch>
-              <a:fillRect/>
-            </a:stretch>
-          </p:blipFill>
-          <p:spPr>
-            <a:xfrm>
-              <a:off x="7505700" y="3378200"/>
-              <a:ext cx="2768849" cy="36512"/>
-            </a:xfrm>
-            <a:prstGeom prst="rect">
-              <a:avLst/>
-            </a:prstGeom>
-          </p:spPr>
-        </p:pic>
-      </p:grpSp>
-      <p:grpSp>
-        <p:nvGrpSpPr>
-          <p:cNvPr id="218" name="Group 18"/>
-          <p:cNvGrpSpPr/>
-          <p:nvPr/>
-        </p:nvGrpSpPr>
-        <p:grpSpPr>
-          <a:xfrm>
-            <a:off x="7454900" y="3898900"/>
-            <a:ext cx="2819649" cy="455612"/>
-            <a:chOff x="7454900" y="3898900"/>
-            <a:chExt cx="2819649" cy="455612"/>
-          </a:xfrm>
-        </p:grpSpPr>
-        <p:sp>
-          <p:nvSpPr>
-            <p:cNvPr id="219" name="TextBox 218"/>
-            <p:cNvSpPr txBox="1"/>
-            <p:nvPr/>
-          </p:nvSpPr>
-          <p:spPr>
-            <a:xfrm>
-              <a:off x="7454900" y="3898900"/>
-              <a:ext cx="2192338" cy="355600"/>
-            </a:xfrm>
-            <a:prstGeom prst="rect">
-              <a:avLst/>
-            </a:prstGeom>
-          </p:spPr>
-          <p:txBody>
-            <a:bodyPr lIns="0" tIns="0" rIns="0" bIns="0" rtlCol="0" anchor="t">
-              <a:spAutoFit/>
-            </a:bodyPr>
-            <a:lstStyle/>
-            <a:p>
-              <a:pPr algn="ctr" latinLnBrk="1"/>
-              <a:r>
-                <a:rPr lang="en-US" sz="2000" b="1">
-                  <a:solidFill>
-                    <a:srgbClr val="000000"/>
-                  </a:solidFill>
-                  <a:latin typeface="Microsoft YaHei"/>
-                  <a:ea typeface="Microsoft YaHei"/>
-                </a:rPr>
-                <a:t>在这里输入内容</a:t>
-              </a:r>
-              <a:endParaRPr lang="en-US" sz="1100"/>
-            </a:p>
-          </p:txBody>
-        </p:sp>
-        <p:pic>
-          <p:nvPicPr>
-            <p:cNvPr id="220" name="Picture 219"/>
-            <p:cNvPicPr>
-              <a:picLocks noChangeAspect="1"/>
-            </p:cNvPicPr>
-            <p:nvPr/>
-          </p:nvPicPr>
-          <p:blipFill>
-            <a:blip r:embed="rId5"/>
-            <a:stretch>
-              <a:fillRect/>
-            </a:stretch>
-          </p:blipFill>
-          <p:spPr>
-            <a:xfrm>
-              <a:off x="7505700" y="4318000"/>
-              <a:ext cx="2768849" cy="36512"/>
-            </a:xfrm>
-            <a:prstGeom prst="rect">
-              <a:avLst/>
-            </a:prstGeom>
-          </p:spPr>
-        </p:pic>
-      </p:grpSp>
-      <p:grpSp>
-        <p:nvGrpSpPr>
-          <p:cNvPr id="221" name="Group 19"/>
-          <p:cNvGrpSpPr/>
-          <p:nvPr/>
-        </p:nvGrpSpPr>
-        <p:grpSpPr>
-          <a:xfrm>
-            <a:off x="7450201" y="4805807"/>
-            <a:ext cx="2824348" cy="450405"/>
-            <a:chOff x="7450201" y="4805807"/>
-            <a:chExt cx="2824348" cy="450405"/>
-          </a:xfrm>
-        </p:grpSpPr>
-        <p:sp>
-          <p:nvSpPr>
-            <p:cNvPr id="222" name="TextBox 221"/>
-            <p:cNvSpPr txBox="1"/>
-            <p:nvPr/>
-          </p:nvSpPr>
-          <p:spPr>
-            <a:xfrm>
-              <a:off x="7450201" y="4805807"/>
-              <a:ext cx="2180590" cy="355600"/>
-            </a:xfrm>
-            <a:prstGeom prst="rect">
-              <a:avLst/>
-            </a:prstGeom>
-          </p:spPr>
-          <p:txBody>
-            <a:bodyPr lIns="0" tIns="0" rIns="0" bIns="0" rtlCol="0" anchor="t">
-              <a:spAutoFit/>
-            </a:bodyPr>
-            <a:lstStyle/>
-            <a:p>
-              <a:pPr algn="ctr" latinLnBrk="1"/>
-              <a:r>
-                <a:rPr lang="en-US" sz="2000" b="1">
-                  <a:solidFill>
-                    <a:srgbClr val="000000"/>
-                  </a:solidFill>
-                  <a:latin typeface="Microsoft YaHei"/>
-                  <a:ea typeface="Microsoft YaHei"/>
-                </a:rPr>
-                <a:t>在这里输入内容</a:t>
-              </a:r>
-              <a:endParaRPr lang="en-US" sz="1100"/>
-            </a:p>
-          </p:txBody>
-        </p:sp>
-        <p:pic>
-          <p:nvPicPr>
-            <p:cNvPr id="223" name="Picture 222"/>
-            <p:cNvPicPr>
-              <a:picLocks noChangeAspect="1"/>
-            </p:cNvPicPr>
-            <p:nvPr/>
-          </p:nvPicPr>
-          <p:blipFill>
-            <a:blip r:embed="rId5"/>
-            <a:stretch>
-              <a:fillRect/>
-            </a:stretch>
-          </p:blipFill>
-          <p:spPr>
-            <a:xfrm>
-              <a:off x="7505700" y="5219700"/>
-              <a:ext cx="2768849" cy="36512"/>
-            </a:xfrm>
-            <a:prstGeom prst="rect">
-              <a:avLst/>
-            </a:prstGeom>
-          </p:spPr>
-        </p:pic>
-      </p:grpSp>
+      <p:sp>
+        <p:nvSpPr>
+          <p:cNvPr id="235" name="TextBox 234"/>
+          <p:cNvSpPr txBox="1"/>
+          <p:nvPr/>
+        </p:nvSpPr>
+        <p:spPr>
+          <a:xfrm>
+            <a:off x="6921500" y="2324988"/>
+            <a:ext cx="1968881" cy="307777"/>
+          </a:xfrm>
+          <a:prstGeom prst="rect">
+            <a:avLst/>
+          </a:prstGeom>
+        </p:spPr>
+        <p:txBody>
+          <a:bodyPr lIns="0" tIns="0" rIns="0" bIns="0" rtlCol="0" anchor="t">
+            <a:spAutoFit/>
+          </a:bodyPr>
+          <a:lstStyle/>
+          <a:p>
+            <a:pPr algn="l" latinLnBrk="1"/>
+            <a:r>
+              <a:rPr lang="zh-CN" altLang="en-US" sz="2000" dirty="0">
+                <a:solidFill>
+                  <a:srgbClr val="000000"/>
+                </a:solidFill>
+                <a:latin typeface="Microsoft YaHei"/>
+                <a:ea typeface="Microsoft YaHei"/>
+              </a:rPr>
+              <a:t>审题</a:t>
+            </a:r>
+            <a:endParaRPr lang="en-US" sz="1100" dirty="0"/>
+          </a:p>
+        </p:txBody>
+      </p:sp>
+      <p:sp>
+        <p:nvSpPr>
+          <p:cNvPr id="238" name="TextBox 237"/>
+          <p:cNvSpPr txBox="1"/>
+          <p:nvPr/>
+        </p:nvSpPr>
+        <p:spPr>
+          <a:xfrm>
+            <a:off x="4542663" y="4995799"/>
+            <a:ext cx="2003108" cy="307777"/>
+          </a:xfrm>
+          <a:prstGeom prst="rect">
+            <a:avLst/>
+          </a:prstGeom>
+        </p:spPr>
+        <p:txBody>
+          <a:bodyPr lIns="0" tIns="0" rIns="0" bIns="0" rtlCol="0" anchor="t">
+            <a:spAutoFit/>
+          </a:bodyPr>
+          <a:lstStyle/>
+          <a:p>
+            <a:pPr algn="l" latinLnBrk="1"/>
+            <a:r>
+              <a:rPr lang="zh-CN" altLang="en-US" sz="2000" dirty="0">
+                <a:solidFill>
+                  <a:srgbClr val="000000"/>
+                </a:solidFill>
+                <a:latin typeface="Microsoft YaHei"/>
+                <a:ea typeface="Microsoft YaHei"/>
+              </a:rPr>
+              <a:t>结论及分析</a:t>
+            </a:r>
+            <a:endParaRPr lang="en-US" sz="1100" dirty="0"/>
+          </a:p>
+        </p:txBody>
+      </p:sp>
+      <p:sp>
+        <p:nvSpPr>
+          <p:cNvPr id="241" name="TextBox 240"/>
+          <p:cNvSpPr txBox="1"/>
+          <p:nvPr/>
+        </p:nvSpPr>
+        <p:spPr>
+          <a:xfrm>
+            <a:off x="6758432" y="3718941"/>
+            <a:ext cx="1813687" cy="307777"/>
+          </a:xfrm>
+          <a:prstGeom prst="rect">
+            <a:avLst/>
+          </a:prstGeom>
+        </p:spPr>
+        <p:txBody>
+          <a:bodyPr lIns="0" tIns="0" rIns="0" bIns="0" rtlCol="0" anchor="t">
+            <a:spAutoFit/>
+          </a:bodyPr>
+          <a:lstStyle/>
+          <a:p>
+            <a:pPr algn="l" latinLnBrk="1"/>
+            <a:r>
+              <a:rPr lang="zh-CN" altLang="en-US" sz="2000" dirty="0">
+                <a:solidFill>
+                  <a:srgbClr val="000000"/>
+                </a:solidFill>
+                <a:latin typeface="Microsoft YaHei"/>
+                <a:ea typeface="Microsoft YaHei"/>
+              </a:rPr>
+              <a:t>理论实验验证</a:t>
+            </a:r>
+            <a:endParaRPr lang="en-US" sz="1100" dirty="0"/>
+          </a:p>
+        </p:txBody>
+      </p:sp>
+      <p:sp>
+        <p:nvSpPr>
+          <p:cNvPr id="244" name="TextBox 243"/>
+          <p:cNvSpPr txBox="1"/>
+          <p:nvPr/>
+        </p:nvSpPr>
+        <p:spPr>
+          <a:xfrm>
+            <a:off x="905891" y="3260357"/>
+            <a:ext cx="2035746" cy="307777"/>
+          </a:xfrm>
+          <a:prstGeom prst="rect">
+            <a:avLst/>
+          </a:prstGeom>
+        </p:spPr>
+        <p:txBody>
+          <a:bodyPr lIns="0" tIns="0" rIns="0" bIns="0" rtlCol="0" anchor="t">
+            <a:spAutoFit/>
+          </a:bodyPr>
+          <a:lstStyle/>
+          <a:p>
+            <a:pPr algn="r" latinLnBrk="1"/>
+            <a:r>
+              <a:rPr lang="zh-CN" altLang="en-US" sz="2000" dirty="0">
+                <a:solidFill>
+                  <a:srgbClr val="000000"/>
+                </a:solidFill>
+                <a:latin typeface="Microsoft YaHei"/>
+                <a:ea typeface="Microsoft YaHei"/>
+              </a:rPr>
+              <a:t>预实验</a:t>
+            </a:r>
+            <a:endParaRPr lang="en-US" sz="1100" dirty="0"/>
+          </a:p>
+        </p:txBody>
+      </p:sp>
     </p:spTree>
   </p:cSld>
   <p:clrMapOvr>
@@ -8226,7 +8343,7 @@
                                           </p:stCondLst>
                                         </p:cTn>
                                         <p:tgtEl>
-                                          <p:spTgt spid="197"/>
+                                          <p:spTgt spid="224"/>
                                         </p:tgtEl>
                                         <p:attrNameLst>
                                           <p:attrName>style.visibility</p:attrName>
@@ -8240,7 +8357,7 @@
                                       <p:cBhvr>
                                         <p:cTn id="7" dur="1000"/>
                                         <p:tgtEl>
-                                          <p:spTgt spid="197"/>
+                                          <p:spTgt spid="224"/>
                                         </p:tgtEl>
                                       </p:cBhvr>
                                     </p:animEffect>
@@ -8261,7 +8378,7 @@
                                           </p:stCondLst>
                                         </p:cTn>
                                         <p:tgtEl>
-                                          <p:spTgt spid="198"/>
+                                          <p:spTgt spid="225"/>
                                         </p:tgtEl>
                                         <p:attrNameLst>
                                           <p:attrName>style.visibility</p:attrName>
@@ -8275,7 +8392,7 @@
                                       <p:cBhvr>
                                         <p:cTn id="10" dur="1000"/>
                                         <p:tgtEl>
-                                          <p:spTgt spid="198"/>
+                                          <p:spTgt spid="225"/>
                                         </p:tgtEl>
                                       </p:cBhvr>
                                     </p:animEffect>
@@ -8296,7 +8413,7 @@
                                           </p:stCondLst>
                                         </p:cTn>
                                         <p:tgtEl>
-                                          <p:spTgt spid="199"/>
+                                          <p:spTgt spid="226"/>
                                         </p:tgtEl>
                                         <p:attrNameLst>
                                           <p:attrName>style.visibility</p:attrName>
@@ -8310,7 +8427,7 @@
                                       <p:cBhvr>
                                         <p:cTn id="13" dur="1000"/>
                                         <p:tgtEl>
-                                          <p:spTgt spid="199"/>
+                                          <p:spTgt spid="226"/>
                                         </p:tgtEl>
                                       </p:cBhvr>
                                     </p:animEffect>
@@ -8331,7 +8448,7 @@
                                           </p:stCondLst>
                                         </p:cTn>
                                         <p:tgtEl>
-                                          <p:spTgt spid="200"/>
+                                          <p:spTgt spid="227"/>
                                         </p:tgtEl>
                                         <p:attrNameLst>
                                           <p:attrName>style.visibility</p:attrName>
@@ -8345,7 +8462,7 @@
                                       <p:cBhvr>
                                         <p:cTn id="16" dur="1000"/>
                                         <p:tgtEl>
-                                          <p:spTgt spid="200"/>
+                                          <p:spTgt spid="227"/>
                                         </p:tgtEl>
                                       </p:cBhvr>
                                     </p:animEffect>
@@ -8366,7 +8483,7 @@
                                           </p:stCondLst>
                                         </p:cTn>
                                         <p:tgtEl>
-                                          <p:spTgt spid="201"/>
+                                          <p:spTgt spid="228"/>
                                         </p:tgtEl>
                                         <p:attrNameLst>
                                           <p:attrName>style.visibility</p:attrName>
@@ -8380,7 +8497,7 @@
                                       <p:cBhvr>
                                         <p:cTn id="19" dur="1000"/>
                                         <p:tgtEl>
-                                          <p:spTgt spid="201"/>
+                                          <p:spTgt spid="228"/>
                                         </p:tgtEl>
                                       </p:cBhvr>
                                     </p:animEffect>
@@ -8401,7 +8518,7 @@
                                           </p:stCondLst>
                                         </p:cTn>
                                         <p:tgtEl>
-                                          <p:spTgt spid="202"/>
+                                          <p:spTgt spid="229"/>
                                         </p:tgtEl>
                                         <p:attrNameLst>
                                           <p:attrName>style.visibility</p:attrName>
@@ -8415,7 +8532,7 @@
                                       <p:cBhvr>
                                         <p:cTn id="22" dur="1000"/>
                                         <p:tgtEl>
-                                          <p:spTgt spid="202"/>
+                                          <p:spTgt spid="229"/>
                                         </p:tgtEl>
                                       </p:cBhvr>
                                     </p:animEffect>
@@ -8436,7 +8553,7 @@
                                           </p:stCondLst>
                                         </p:cTn>
                                         <p:tgtEl>
-                                          <p:spTgt spid="203"/>
+                                          <p:spTgt spid="230"/>
                                         </p:tgtEl>
                                         <p:attrNameLst>
                                           <p:attrName>style.visibility</p:attrName>
@@ -8450,7 +8567,7 @@
                                       <p:cBhvr>
                                         <p:cTn id="25" dur="1000"/>
                                         <p:tgtEl>
-                                          <p:spTgt spid="203"/>
+                                          <p:spTgt spid="230"/>
                                         </p:tgtEl>
                                       </p:cBhvr>
                                     </p:animEffect>
@@ -8471,7 +8588,7 @@
                                           </p:stCondLst>
                                         </p:cTn>
                                         <p:tgtEl>
-                                          <p:spTgt spid="204"/>
+                                          <p:spTgt spid="231"/>
                                         </p:tgtEl>
                                         <p:attrNameLst>
                                           <p:attrName>style.visibility</p:attrName>
@@ -8485,7 +8602,7 @@
                                       <p:cBhvr>
                                         <p:cTn id="28" dur="1000"/>
                                         <p:tgtEl>
-                                          <p:spTgt spid="204"/>
+                                          <p:spTgt spid="231"/>
                                         </p:tgtEl>
                                       </p:cBhvr>
                                     </p:animEffect>
@@ -8506,7 +8623,7 @@
                                           </p:stCondLst>
                                         </p:cTn>
                                         <p:tgtEl>
-                                          <p:spTgt spid="205"/>
+                                          <p:spTgt spid="232"/>
                                         </p:tgtEl>
                                         <p:attrNameLst>
                                           <p:attrName>style.visibility</p:attrName>
@@ -8520,7 +8637,7 @@
                                       <p:cBhvr>
                                         <p:cTn id="31" dur="1000"/>
                                         <p:tgtEl>
-                                          <p:spTgt spid="205"/>
+                                          <p:spTgt spid="232"/>
                                         </p:tgtEl>
                                       </p:cBhvr>
                                     </p:animEffect>
@@ -8541,7 +8658,7 @@
                                           </p:stCondLst>
                                         </p:cTn>
                                         <p:tgtEl>
-                                          <p:spTgt spid="206"/>
+                                          <p:spTgt spid="233"/>
                                         </p:tgtEl>
                                         <p:attrNameLst>
                                           <p:attrName>style.visibility</p:attrName>
@@ -8555,1568 +8672,7 @@
                                       <p:cBhvr>
                                         <p:cTn id="34" dur="1000"/>
                                         <p:tgtEl>
-                                          <p:spTgt spid="206"/>
-                                        </p:tgtEl>
-                                      </p:cBhvr>
-                                    </p:animEffect>
-                                  </p:childTnLst>
-                                </p:cTn>
-                              </p:par>
-                              <p:par>
-                                <p:cTn id="35" presetID="10" presetClass="entr" presetSubtype="0" fill="hold" grpId="0" nodeType="withEffect">
-                                  <p:stCondLst>
-                                    <p:cond delay="0"/>
-                                  </p:stCondLst>
-                                  <p:childTnLst>
-                                    <p:set>
-                                      <p:cBhvr>
-                                        <p:cTn id="36" dur="1" fill="hold">
-                                          <p:stCondLst>
-                                            <p:cond delay="0"/>
-                                          </p:stCondLst>
-                                        </p:cTn>
-                                        <p:tgtEl>
-                                          <p:spTgt spid="207"/>
-                                        </p:tgtEl>
-                                        <p:attrNameLst>
-                                          <p:attrName>style.visibility</p:attrName>
-                                        </p:attrNameLst>
-                                      </p:cBhvr>
-                                      <p:to>
-                                        <p:strVal val="visible"/>
-                                      </p:to>
-                                    </p:set>
-                                    <p:animEffect transition="in" filter="fade">
-                                      <p:cBhvr>
-                                        <p:cTn id="37" dur="1000"/>
-                                        <p:tgtEl>
-                                          <p:spTgt spid="207"/>
-                                        </p:tgtEl>
-                                      </p:cBhvr>
-                                    </p:animEffect>
-                                  </p:childTnLst>
-                                </p:cTn>
-                              </p:par>
-                              <p:par>
-                                <p:cTn id="38" presetID="10" presetClass="entr" presetSubtype="0" fill="hold" grpId="0" nodeType="withEffect">
-                                  <p:stCondLst>
-                                    <p:cond delay="0"/>
-                                  </p:stCondLst>
-                                  <p:childTnLst>
-                                    <p:set>
-                                      <p:cBhvr>
-                                        <p:cTn id="39" dur="1" fill="hold">
-                                          <p:stCondLst>
-                                            <p:cond delay="0"/>
-                                          </p:stCondLst>
-                                        </p:cTn>
-                                        <p:tgtEl>
-                                          <p:spTgt spid="208"/>
-                                        </p:tgtEl>
-                                        <p:attrNameLst>
-                                          <p:attrName>style.visibility</p:attrName>
-                                        </p:attrNameLst>
-                                      </p:cBhvr>
-                                      <p:to>
-                                        <p:strVal val="visible"/>
-                                      </p:to>
-                                    </p:set>
-                                    <p:animEffect transition="in" filter="fade">
-                                      <p:cBhvr>
-                                        <p:cTn id="40" dur="1000"/>
-                                        <p:tgtEl>
-                                          <p:spTgt spid="208"/>
-                                        </p:tgtEl>
-                                      </p:cBhvr>
-                                    </p:animEffect>
-                                  </p:childTnLst>
-                                </p:cTn>
-                              </p:par>
-                              <p:par>
-                                <p:cTn id="41" presetID="10" presetClass="entr" presetSubtype="0" fill="hold" grpId="0" nodeType="withEffect">
-                                  <p:stCondLst>
-                                    <p:cond delay="0"/>
-                                  </p:stCondLst>
-                                  <p:childTnLst>
-                                    <p:set>
-                                      <p:cBhvr>
-                                        <p:cTn id="42" dur="1" fill="hold">
-                                          <p:stCondLst>
-                                            <p:cond delay="0"/>
-                                          </p:stCondLst>
-                                        </p:cTn>
-                                        <p:tgtEl>
-                                          <p:spTgt spid="209"/>
-                                        </p:tgtEl>
-                                        <p:attrNameLst>
-                                          <p:attrName>style.visibility</p:attrName>
-                                        </p:attrNameLst>
-                                      </p:cBhvr>
-                                      <p:to>
-                                        <p:strVal val="visible"/>
-                                      </p:to>
-                                    </p:set>
-                                    <p:animEffect transition="in" filter="fade">
-                                      <p:cBhvr>
-                                        <p:cTn id="43" dur="1000"/>
-                                        <p:tgtEl>
-                                          <p:spTgt spid="209"/>
-                                        </p:tgtEl>
-                                      </p:cBhvr>
-                                    </p:animEffect>
-                                  </p:childTnLst>
-                                </p:cTn>
-                              </p:par>
-                              <p:par>
-                                <p:cTn id="44" presetID="10" presetClass="entr" presetSubtype="0" fill="hold" grpId="0" nodeType="withEffect">
-                                  <p:stCondLst>
-                                    <p:cond delay="0"/>
-                                  </p:stCondLst>
-                                  <p:childTnLst>
-                                    <p:set>
-                                      <p:cBhvr>
-                                        <p:cTn id="45" dur="1" fill="hold">
-                                          <p:stCondLst>
-                                            <p:cond delay="0"/>
-                                          </p:stCondLst>
-                                        </p:cTn>
-                                        <p:tgtEl>
-                                          <p:spTgt spid="210"/>
-                                        </p:tgtEl>
-                                        <p:attrNameLst>
-                                          <p:attrName>style.visibility</p:attrName>
-                                        </p:attrNameLst>
-                                      </p:cBhvr>
-                                      <p:to>
-                                        <p:strVal val="visible"/>
-                                      </p:to>
-                                    </p:set>
-                                    <p:animEffect transition="in" filter="fade">
-                                      <p:cBhvr>
-                                        <p:cTn id="46" dur="1000"/>
-                                        <p:tgtEl>
-                                          <p:spTgt spid="210"/>
-                                        </p:tgtEl>
-                                      </p:cBhvr>
-                                    </p:animEffect>
-                                  </p:childTnLst>
-                                </p:cTn>
-                              </p:par>
-                              <p:par>
-                                <p:cTn id="47" presetID="10" presetClass="entr" presetSubtype="0" fill="hold" grpId="0" nodeType="withEffect">
-                                  <p:stCondLst>
-                                    <p:cond delay="0"/>
-                                  </p:stCondLst>
-                                  <p:childTnLst>
-                                    <p:set>
-                                      <p:cBhvr>
-                                        <p:cTn id="48" dur="1" fill="hold">
-                                          <p:stCondLst>
-                                            <p:cond delay="0"/>
-                                          </p:stCondLst>
-                                        </p:cTn>
-                                        <p:tgtEl>
-                                          <p:spTgt spid="211"/>
-                                        </p:tgtEl>
-                                        <p:attrNameLst>
-                                          <p:attrName>style.visibility</p:attrName>
-                                        </p:attrNameLst>
-                                      </p:cBhvr>
-                                      <p:to>
-                                        <p:strVal val="visible"/>
-                                      </p:to>
-                                    </p:set>
-                                    <p:animEffect transition="in" filter="fade">
-                                      <p:cBhvr>
-                                        <p:cTn id="49" dur="1000"/>
-                                        <p:tgtEl>
-                                          <p:spTgt spid="211"/>
-                                        </p:tgtEl>
-                                      </p:cBhvr>
-                                    </p:animEffect>
-                                  </p:childTnLst>
-                                </p:cTn>
-                              </p:par>
-                              <p:par>
-                                <p:cTn id="50" presetID="10" presetClass="entr" presetSubtype="0" fill="hold" grpId="0" nodeType="withEffect">
-                                  <p:stCondLst>
-                                    <p:cond delay="0"/>
-                                  </p:stCondLst>
-                                  <p:childTnLst>
-                                    <p:set>
-                                      <p:cBhvr>
-                                        <p:cTn id="51" dur="1" fill="hold">
-                                          <p:stCondLst>
-                                            <p:cond delay="0"/>
-                                          </p:stCondLst>
-                                        </p:cTn>
-                                        <p:tgtEl>
-                                          <p:spTgt spid="212"/>
-                                        </p:tgtEl>
-                                        <p:attrNameLst>
-                                          <p:attrName>style.visibility</p:attrName>
-                                        </p:attrNameLst>
-                                      </p:cBhvr>
-                                      <p:to>
-                                        <p:strVal val="visible"/>
-                                      </p:to>
-                                    </p:set>
-                                    <p:animEffect transition="in" filter="fade">
-                                      <p:cBhvr>
-                                        <p:cTn id="52" dur="1000"/>
-                                        <p:tgtEl>
-                                          <p:spTgt spid="212"/>
-                                        </p:tgtEl>
-                                      </p:cBhvr>
-                                    </p:animEffect>
-                                  </p:childTnLst>
-                                </p:cTn>
-                              </p:par>
-                              <p:par>
-                                <p:cTn id="53" presetID="10" presetClass="entr" presetSubtype="0" fill="hold" grpId="0" nodeType="withEffect">
-                                  <p:stCondLst>
-                                    <p:cond delay="0"/>
-                                  </p:stCondLst>
-                                  <p:childTnLst>
-                                    <p:set>
-                                      <p:cBhvr>
-                                        <p:cTn id="54" dur="1" fill="hold">
-                                          <p:stCondLst>
-                                            <p:cond delay="0"/>
-                                          </p:stCondLst>
-                                        </p:cTn>
-                                        <p:tgtEl>
-                                          <p:spTgt spid="215"/>
-                                        </p:tgtEl>
-                                        <p:attrNameLst>
-                                          <p:attrName>style.visibility</p:attrName>
-                                        </p:attrNameLst>
-                                      </p:cBhvr>
-                                      <p:to>
-                                        <p:strVal val="visible"/>
-                                      </p:to>
-                                    </p:set>
-                                    <p:animEffect transition="in" filter="fade">
-                                      <p:cBhvr>
-                                        <p:cTn id="55" dur="1000"/>
-                                        <p:tgtEl>
-                                          <p:spTgt spid="215"/>
-                                        </p:tgtEl>
-                                      </p:cBhvr>
-                                    </p:animEffect>
-                                  </p:childTnLst>
-                                </p:cTn>
-                              </p:par>
-                              <p:par>
-                                <p:cTn id="56" presetID="10" presetClass="entr" presetSubtype="0" fill="hold" grpId="0" nodeType="withEffect">
-                                  <p:stCondLst>
-                                    <p:cond delay="0"/>
-                                  </p:stCondLst>
-                                  <p:childTnLst>
-                                    <p:set>
-                                      <p:cBhvr>
-                                        <p:cTn id="57" dur="1" fill="hold">
-                                          <p:stCondLst>
-                                            <p:cond delay="0"/>
-                                          </p:stCondLst>
-                                        </p:cTn>
-                                        <p:tgtEl>
-                                          <p:spTgt spid="218"/>
-                                        </p:tgtEl>
-                                        <p:attrNameLst>
-                                          <p:attrName>style.visibility</p:attrName>
-                                        </p:attrNameLst>
-                                      </p:cBhvr>
-                                      <p:to>
-                                        <p:strVal val="visible"/>
-                                      </p:to>
-                                    </p:set>
-                                    <p:animEffect transition="in" filter="fade">
-                                      <p:cBhvr>
-                                        <p:cTn id="58" dur="1000"/>
-                                        <p:tgtEl>
-                                          <p:spTgt spid="218"/>
-                                        </p:tgtEl>
-                                      </p:cBhvr>
-                                    </p:animEffect>
-                                  </p:childTnLst>
-                                </p:cTn>
-                              </p:par>
-                              <p:par>
-                                <p:cTn id="59" presetID="10" presetClass="entr" presetSubtype="0" fill="hold" grpId="0" nodeType="withEffect">
-                                  <p:stCondLst>
-                                    <p:cond delay="0"/>
-                                  </p:stCondLst>
-                                  <p:childTnLst>
-                                    <p:set>
-                                      <p:cBhvr>
-                                        <p:cTn id="60" dur="1" fill="hold">
-                                          <p:stCondLst>
-                                            <p:cond delay="0"/>
-                                          </p:stCondLst>
-                                        </p:cTn>
-                                        <p:tgtEl>
-                                          <p:spTgt spid="221"/>
-                                        </p:tgtEl>
-                                        <p:attrNameLst>
-                                          <p:attrName>style.visibility</p:attrName>
-                                        </p:attrNameLst>
-                                      </p:cBhvr>
-                                      <p:to>
-                                        <p:strVal val="visible"/>
-                                      </p:to>
-                                    </p:set>
-                                    <p:animEffect transition="in" filter="fade">
-                                      <p:cBhvr>
-                                        <p:cTn id="61" dur="1000"/>
-                                        <p:tgtEl>
-                                          <p:spTgt spid="221"/>
-                                        </p:tgtEl>
-                                      </p:cBhvr>
-                                    </p:animEffect>
-                                  </p:childTnLst>
-                                </p:cTn>
-                              </p:par>
-                            </p:childTnLst>
-                          </p:cTn>
-                        </p:par>
-                      </p:childTnLst>
-                    </p:cTn>
-                  </p:par>
-                </p:childTnLst>
-              </p:cTn>
-              <p:prevCondLst>
-                <p:cond evt="onPrev" delay="0">
-                  <p:tgtEl>
-                    <p:sldTgt/>
-                  </p:tgtEl>
-                </p:cond>
-              </p:prevCondLst>
-              <p:nextCondLst>
-                <p:cond evt="onNext" delay="0">
-                  <p:tgtEl>
-                    <p:sldTgt/>
-                  </p:tgtEl>
-                </p:cond>
-              </p:nextCondLst>
-            </p:seq>
-          </p:childTnLst>
-        </p:cTn>
-      </p:par>
-    </p:tnLst>
-    <p:bldLst>
-      <p:bldP spid="197" grpId="0" animBg="1"/>
-      <p:bldP spid="198" grpId="0" animBg="1"/>
-      <p:bldP spid="199" grpId="0" animBg="1"/>
-      <p:bldP spid="200" grpId="0" animBg="1"/>
-      <p:bldP spid="201" grpId="0" animBg="1"/>
-      <p:bldP spid="202" grpId="0" animBg="1"/>
-      <p:bldP spid="203" grpId="0" animBg="1"/>
-      <p:bldP spid="204" grpId="0" animBg="1"/>
-      <p:bldP spid="205" grpId="0" animBg="1"/>
-      <p:bldP spid="206" grpId="0" animBg="1"/>
-      <p:bldP spid="207" grpId="0" animBg="1"/>
-      <p:bldP spid="208" grpId="0" animBg="1"/>
-      <p:bldP spid="209" grpId="0" animBg="1"/>
-      <p:bldP spid="210" grpId="0" animBg="1"/>
-      <p:bldP spid="211" grpId="0" animBg="1"/>
-      <p:bldP spid="212" grpId="0" animBg="1"/>
-      <p:bldP spid="215" grpId="0" animBg="1"/>
-      <p:bldP spid="218" grpId="0" animBg="1"/>
-      <p:bldP spid="221" grpId="0" animBg="1"/>
-    </p:bldLst>
-  </p:timing>
-</p:sld>
-</file>
-
-<file path=ppt/slides/slide19.xml><?xml version="1.0" encoding="utf-8"?>
-<p:sld xmlns:a="http://schemas.openxmlformats.org/drawingml/2006/main" xmlns:r="http://schemas.openxmlformats.org/officeDocument/2006/relationships" xmlns:p="http://schemas.openxmlformats.org/presentationml/2006/main">
-  <p:cSld>
-    <p:bg>
-      <p:bgPr>
-        <a:solidFill>
-          <a:srgbClr val="FFFFFF"/>
-        </a:solidFill>
-        <a:effectLst/>
-      </p:bgPr>
-    </p:bg>
-    <p:spTree>
-      <p:nvGrpSpPr>
-        <p:cNvPr id="1" name=""/>
-        <p:cNvGrpSpPr/>
-        <p:nvPr/>
-      </p:nvGrpSpPr>
-      <p:grpSpPr>
-        <a:xfrm>
-          <a:off x="0" y="0"/>
-          <a:ext cx="0" cy="0"/>
-          <a:chOff x="0" y="0"/>
-          <a:chExt cx="0" cy="0"/>
-        </a:xfrm>
-      </p:grpSpPr>
-      <p:pic>
-        <p:nvPicPr>
-          <p:cNvPr id="224" name="Picture 1"/>
-          <p:cNvPicPr>
-            <a:picLocks noChangeAspect="1"/>
-          </p:cNvPicPr>
-          <p:nvPr/>
-        </p:nvPicPr>
-        <p:blipFill>
-          <a:blip r:embed="rId2"/>
-          <a:stretch>
-            <a:fillRect/>
-          </a:stretch>
-        </p:blipFill>
-        <p:spPr>
-          <a:xfrm>
-            <a:off x="4041902" y="486156"/>
-            <a:ext cx="3472786" cy="820414"/>
-          </a:xfrm>
-          <a:prstGeom prst="rect">
-            <a:avLst/>
-          </a:prstGeom>
-        </p:spPr>
-      </p:pic>
-      <p:sp>
-        <p:nvSpPr>
-          <p:cNvPr id="225" name="TextBox 2"/>
-          <p:cNvSpPr txBox="1"/>
-          <p:nvPr/>
-        </p:nvSpPr>
-        <p:spPr>
-          <a:xfrm>
-            <a:off x="4266438" y="776224"/>
-            <a:ext cx="2822575" cy="406400"/>
-          </a:xfrm>
-          <a:prstGeom prst="rect">
-            <a:avLst/>
-          </a:prstGeom>
-        </p:spPr>
-        <p:txBody>
-          <a:bodyPr lIns="0" tIns="0" rIns="0" bIns="0" rtlCol="0" anchor="t">
-            <a:spAutoFit/>
-          </a:bodyPr>
-          <a:lstStyle/>
-          <a:p>
-            <a:pPr algn="ctr" latinLnBrk="1"/>
-            <a:r>
-              <a:rPr lang="en-US" sz="2300">
-                <a:solidFill>
-                  <a:srgbClr val="000000"/>
-                </a:solidFill>
-                <a:latin typeface="Microsoft YaHei"/>
-                <a:ea typeface="Microsoft YaHei"/>
-              </a:rPr>
-              <a:t>在这里填写标题</a:t>
-            </a:r>
-            <a:endParaRPr lang="en-US" sz="1100"/>
-          </a:p>
-        </p:txBody>
-      </p:sp>
-      <p:pic>
-        <p:nvPicPr>
-          <p:cNvPr id="226" name="Picture 3"/>
-          <p:cNvPicPr>
-            <a:picLocks noChangeAspect="1"/>
-          </p:cNvPicPr>
-          <p:nvPr/>
-        </p:nvPicPr>
-        <p:blipFill>
-          <a:blip r:embed="rId3"/>
-          <a:stretch>
-            <a:fillRect/>
-          </a:stretch>
-        </p:blipFill>
-        <p:spPr>
-          <a:xfrm>
-            <a:off x="2920619" y="4677410"/>
-            <a:ext cx="1342758" cy="882382"/>
-          </a:xfrm>
-          <a:prstGeom prst="rect">
-            <a:avLst/>
-          </a:prstGeom>
-        </p:spPr>
-      </p:pic>
-      <p:pic>
-        <p:nvPicPr>
-          <p:cNvPr id="227" name="Picture 4"/>
-          <p:cNvPicPr>
-            <a:picLocks noChangeAspect="1"/>
-          </p:cNvPicPr>
-          <p:nvPr/>
-        </p:nvPicPr>
-        <p:blipFill>
-          <a:blip r:embed="rId3"/>
-          <a:stretch>
-            <a:fillRect/>
-          </a:stretch>
-        </p:blipFill>
-        <p:spPr>
-          <a:xfrm>
-            <a:off x="4400677" y="3406775"/>
-            <a:ext cx="2092590" cy="1375119"/>
-          </a:xfrm>
-          <a:prstGeom prst="rect">
-            <a:avLst/>
-          </a:prstGeom>
-        </p:spPr>
-      </p:pic>
-      <p:pic>
-        <p:nvPicPr>
-          <p:cNvPr id="228" name="Picture 5"/>
-          <p:cNvPicPr>
-            <a:picLocks noChangeAspect="1"/>
-          </p:cNvPicPr>
-          <p:nvPr/>
-        </p:nvPicPr>
-        <p:blipFill>
-          <a:blip r:embed="rId3"/>
-          <a:stretch>
-            <a:fillRect/>
-          </a:stretch>
-        </p:blipFill>
-        <p:spPr>
-          <a:xfrm>
-            <a:off x="3203194" y="3128899"/>
-            <a:ext cx="868456" cy="570695"/>
-          </a:xfrm>
-          <a:prstGeom prst="rect">
-            <a:avLst/>
-          </a:prstGeom>
-        </p:spPr>
-      </p:pic>
-      <p:pic>
-        <p:nvPicPr>
-          <p:cNvPr id="229" name="Picture 6"/>
-          <p:cNvPicPr>
-            <a:picLocks noChangeAspect="1"/>
-          </p:cNvPicPr>
-          <p:nvPr/>
-        </p:nvPicPr>
-        <p:blipFill>
-          <a:blip r:embed="rId4"/>
-          <a:stretch>
-            <a:fillRect/>
-          </a:stretch>
-        </p:blipFill>
-        <p:spPr>
-          <a:xfrm>
-            <a:off x="4861433" y="2084324"/>
-            <a:ext cx="1671210" cy="1096883"/>
-          </a:xfrm>
-          <a:prstGeom prst="rect">
-            <a:avLst/>
-          </a:prstGeom>
-        </p:spPr>
-      </p:pic>
-      <p:sp>
-        <p:nvSpPr>
-          <p:cNvPr id="230" name="TextBox 7"/>
-          <p:cNvSpPr txBox="1"/>
-          <p:nvPr/>
-        </p:nvSpPr>
-        <p:spPr>
-          <a:xfrm>
-            <a:off x="2970911" y="4930013"/>
-            <a:ext cx="744347" cy="355600"/>
-          </a:xfrm>
-          <a:prstGeom prst="rect">
-            <a:avLst/>
-          </a:prstGeom>
-        </p:spPr>
-        <p:txBody>
-          <a:bodyPr lIns="0" tIns="0" rIns="0" bIns="0" rtlCol="0" anchor="t">
-            <a:spAutoFit/>
-          </a:bodyPr>
-          <a:lstStyle/>
-          <a:p>
-            <a:pPr algn="ctr" latinLnBrk="1"/>
-            <a:r>
-              <a:rPr lang="en-US" sz="2000" b="1">
-                <a:solidFill>
-                  <a:srgbClr val="000000"/>
-                </a:solidFill>
-                <a:latin typeface="Microsoft YaHei"/>
-                <a:ea typeface="Microsoft YaHei"/>
-              </a:rPr>
-              <a:t>38</a:t>
-            </a:r>
-            <a:endParaRPr lang="en-US" sz="1100"/>
-          </a:p>
-        </p:txBody>
-      </p:sp>
-      <p:sp>
-        <p:nvSpPr>
-          <p:cNvPr id="231" name="TextBox 8"/>
-          <p:cNvSpPr txBox="1"/>
-          <p:nvPr/>
-        </p:nvSpPr>
-        <p:spPr>
-          <a:xfrm>
-            <a:off x="4634484" y="3719322"/>
-            <a:ext cx="966660" cy="711200"/>
-          </a:xfrm>
-          <a:prstGeom prst="rect">
-            <a:avLst/>
-          </a:prstGeom>
-        </p:spPr>
-        <p:txBody>
-          <a:bodyPr lIns="0" tIns="0" rIns="0" bIns="0" rtlCol="0" anchor="t">
-            <a:spAutoFit/>
-          </a:bodyPr>
-          <a:lstStyle/>
-          <a:p>
-            <a:pPr algn="ctr" latinLnBrk="1"/>
-            <a:r>
-              <a:rPr lang="en-US" sz="4000" b="1">
-                <a:solidFill>
-                  <a:srgbClr val="000000"/>
-                </a:solidFill>
-                <a:latin typeface="Microsoft YaHei"/>
-                <a:ea typeface="Microsoft YaHei"/>
-              </a:rPr>
-              <a:t>46</a:t>
-            </a:r>
-            <a:endParaRPr lang="en-US" sz="1100"/>
-          </a:p>
-        </p:txBody>
-      </p:sp>
-      <p:sp>
-        <p:nvSpPr>
-          <p:cNvPr id="232" name="TextBox 9"/>
-          <p:cNvSpPr txBox="1"/>
-          <p:nvPr/>
-        </p:nvSpPr>
-        <p:spPr>
-          <a:xfrm>
-            <a:off x="3061589" y="3259582"/>
-            <a:ext cx="845629" cy="285750"/>
-          </a:xfrm>
-          <a:prstGeom prst="rect">
-            <a:avLst/>
-          </a:prstGeom>
-        </p:spPr>
-        <p:txBody>
-          <a:bodyPr lIns="0" tIns="0" rIns="0" bIns="0" rtlCol="0" anchor="t">
-            <a:spAutoFit/>
-          </a:bodyPr>
-          <a:lstStyle/>
-          <a:p>
-            <a:pPr algn="ctr" latinLnBrk="1"/>
-            <a:r>
-              <a:rPr lang="en-US" sz="1600" b="1">
-                <a:solidFill>
-                  <a:srgbClr val="000000"/>
-                </a:solidFill>
-                <a:latin typeface="Microsoft YaHei"/>
-                <a:ea typeface="Microsoft YaHei"/>
-              </a:rPr>
-              <a:t>17</a:t>
-            </a:r>
-            <a:endParaRPr lang="en-US" sz="1100"/>
-          </a:p>
-        </p:txBody>
-      </p:sp>
-      <p:sp>
-        <p:nvSpPr>
-          <p:cNvPr id="233" name="TextBox 10"/>
-          <p:cNvSpPr txBox="1"/>
-          <p:nvPr/>
-        </p:nvSpPr>
-        <p:spPr>
-          <a:xfrm>
-            <a:off x="4851400" y="2273300"/>
-            <a:ext cx="1024446" cy="622300"/>
-          </a:xfrm>
-          <a:prstGeom prst="rect">
-            <a:avLst/>
-          </a:prstGeom>
-        </p:spPr>
-        <p:txBody>
-          <a:bodyPr lIns="0" tIns="0" rIns="0" bIns="0" rtlCol="0" anchor="t">
-            <a:spAutoFit/>
-          </a:bodyPr>
-          <a:lstStyle/>
-          <a:p>
-            <a:pPr algn="ctr" latinLnBrk="1"/>
-            <a:r>
-              <a:rPr lang="en-US" sz="3500" b="1">
-                <a:solidFill>
-                  <a:srgbClr val="000000"/>
-                </a:solidFill>
-                <a:latin typeface="Microsoft YaHei"/>
-                <a:ea typeface="Microsoft YaHei"/>
-              </a:rPr>
-              <a:t>22</a:t>
-            </a:r>
-            <a:endParaRPr lang="en-US" sz="1100"/>
-          </a:p>
-        </p:txBody>
-      </p:sp>
-      <p:grpSp>
-        <p:nvGrpSpPr>
-          <p:cNvPr id="234" name="Group 11"/>
-          <p:cNvGrpSpPr/>
-          <p:nvPr/>
-        </p:nvGrpSpPr>
-        <p:grpSpPr>
-          <a:xfrm>
-            <a:off x="6884670" y="2054987"/>
-            <a:ext cx="3000438" cy="815086"/>
-            <a:chOff x="6884670" y="2054987"/>
-            <a:chExt cx="3000438" cy="815086"/>
-          </a:xfrm>
-        </p:grpSpPr>
-        <p:sp>
-          <p:nvSpPr>
-            <p:cNvPr id="235" name="TextBox 234"/>
-            <p:cNvSpPr txBox="1"/>
-            <p:nvPr/>
-          </p:nvSpPr>
-          <p:spPr>
-            <a:xfrm>
-              <a:off x="6884670" y="2054987"/>
-              <a:ext cx="1968881" cy="355600"/>
-            </a:xfrm>
-            <a:prstGeom prst="rect">
-              <a:avLst/>
-            </a:prstGeom>
-          </p:spPr>
-          <p:txBody>
-            <a:bodyPr lIns="0" tIns="0" rIns="0" bIns="0" rtlCol="0" anchor="t">
-              <a:spAutoFit/>
-            </a:bodyPr>
-            <a:lstStyle/>
-            <a:p>
-              <a:pPr algn="l" latinLnBrk="1"/>
-              <a:r>
-                <a:rPr lang="en-US" sz="2000">
-                  <a:solidFill>
-                    <a:srgbClr val="000000"/>
-                  </a:solidFill>
-                  <a:latin typeface="Microsoft YaHei"/>
-                  <a:ea typeface="Microsoft YaHei"/>
-                </a:rPr>
-                <a:t>在这里添加标题</a:t>
-              </a:r>
-              <a:endParaRPr lang="en-US" sz="1100"/>
-            </a:p>
-          </p:txBody>
-        </p:sp>
-        <p:sp>
-          <p:nvSpPr>
-            <p:cNvPr id="236" name="TextBox 235"/>
-            <p:cNvSpPr txBox="1"/>
-            <p:nvPr/>
-          </p:nvSpPr>
-          <p:spPr>
-            <a:xfrm>
-              <a:off x="6892544" y="2444623"/>
-              <a:ext cx="2992564" cy="425450"/>
-            </a:xfrm>
-            <a:prstGeom prst="rect">
-              <a:avLst/>
-            </a:prstGeom>
-          </p:spPr>
-          <p:txBody>
-            <a:bodyPr lIns="0" tIns="0" rIns="0" bIns="0" rtlCol="0" anchor="t">
-              <a:spAutoFit/>
-            </a:bodyPr>
-            <a:lstStyle/>
-            <a:p>
-              <a:pPr algn="l" latinLnBrk="1"/>
-              <a:r>
-                <a:rPr lang="en-US" sz="1200">
-                  <a:solidFill>
-                    <a:srgbClr val="000000"/>
-                  </a:solidFill>
-                  <a:latin typeface="Microsoft YaHei"/>
-                  <a:ea typeface="Microsoft YaHei"/>
-                </a:rPr>
-                <a:t>在这里填写内容详情描述在这里填写内容详情描述在这里填写内容详情描述</a:t>
-              </a:r>
-              <a:endParaRPr lang="en-US" sz="1100"/>
-            </a:p>
-          </p:txBody>
-        </p:sp>
-      </p:grpSp>
-      <p:grpSp>
-        <p:nvGrpSpPr>
-          <p:cNvPr id="237" name="Group 12"/>
-          <p:cNvGrpSpPr/>
-          <p:nvPr/>
-        </p:nvGrpSpPr>
-        <p:grpSpPr>
-          <a:xfrm>
-            <a:off x="4542663" y="4995799"/>
-            <a:ext cx="2918079" cy="815086"/>
-            <a:chOff x="4542663" y="4995799"/>
-            <a:chExt cx="2918079" cy="815086"/>
-          </a:xfrm>
-        </p:grpSpPr>
-        <p:sp>
-          <p:nvSpPr>
-            <p:cNvPr id="238" name="TextBox 237"/>
-            <p:cNvSpPr txBox="1"/>
-            <p:nvPr/>
-          </p:nvSpPr>
-          <p:spPr>
-            <a:xfrm>
-              <a:off x="4542663" y="4995799"/>
-              <a:ext cx="2003108" cy="355600"/>
-            </a:xfrm>
-            <a:prstGeom prst="rect">
-              <a:avLst/>
-            </a:prstGeom>
-          </p:spPr>
-          <p:txBody>
-            <a:bodyPr lIns="0" tIns="0" rIns="0" bIns="0" rtlCol="0" anchor="t">
-              <a:spAutoFit/>
-            </a:bodyPr>
-            <a:lstStyle/>
-            <a:p>
-              <a:pPr algn="l" latinLnBrk="1"/>
-              <a:r>
-                <a:rPr lang="en-US" sz="2000">
-                  <a:solidFill>
-                    <a:srgbClr val="000000"/>
-                  </a:solidFill>
-                  <a:latin typeface="Microsoft YaHei"/>
-                  <a:ea typeface="Microsoft YaHei"/>
-                </a:rPr>
-                <a:t>在这里添加标题</a:t>
-              </a:r>
-              <a:endParaRPr lang="en-US" sz="1100"/>
-            </a:p>
-          </p:txBody>
-        </p:sp>
-        <p:sp>
-          <p:nvSpPr>
-            <p:cNvPr id="239" name="TextBox 238"/>
-            <p:cNvSpPr txBox="1"/>
-            <p:nvPr/>
-          </p:nvSpPr>
-          <p:spPr>
-            <a:xfrm>
-              <a:off x="4550537" y="5385435"/>
-              <a:ext cx="2910205" cy="425450"/>
-            </a:xfrm>
-            <a:prstGeom prst="rect">
-              <a:avLst/>
-            </a:prstGeom>
-          </p:spPr>
-          <p:txBody>
-            <a:bodyPr lIns="0" tIns="0" rIns="0" bIns="0" rtlCol="0" anchor="t">
-              <a:spAutoFit/>
-            </a:bodyPr>
-            <a:lstStyle/>
-            <a:p>
-              <a:pPr algn="l" latinLnBrk="1"/>
-              <a:r>
-                <a:rPr lang="en-US" sz="1200">
-                  <a:solidFill>
-                    <a:srgbClr val="000000"/>
-                  </a:solidFill>
-                  <a:latin typeface="Microsoft YaHei"/>
-                  <a:ea typeface="Microsoft YaHei"/>
-                </a:rPr>
-                <a:t>在这里填写内容详情描述在这里填写内容详情描述在这里填写内容详情描述</a:t>
-              </a:r>
-              <a:endParaRPr lang="en-US" sz="1100"/>
-            </a:p>
-          </p:txBody>
-        </p:sp>
-      </p:grpSp>
-      <p:grpSp>
-        <p:nvGrpSpPr>
-          <p:cNvPr id="240" name="Group 13"/>
-          <p:cNvGrpSpPr/>
-          <p:nvPr/>
-        </p:nvGrpSpPr>
-        <p:grpSpPr>
-          <a:xfrm>
-            <a:off x="6758432" y="3718941"/>
-            <a:ext cx="3042920" cy="814959"/>
-            <a:chOff x="6758432" y="3718941"/>
-            <a:chExt cx="3042920" cy="814959"/>
-          </a:xfrm>
-        </p:grpSpPr>
-        <p:sp>
-          <p:nvSpPr>
-            <p:cNvPr id="241" name="TextBox 240"/>
-            <p:cNvSpPr txBox="1"/>
-            <p:nvPr/>
-          </p:nvSpPr>
-          <p:spPr>
-            <a:xfrm>
-              <a:off x="6758432" y="3718941"/>
-              <a:ext cx="1813687" cy="355600"/>
-            </a:xfrm>
-            <a:prstGeom prst="rect">
-              <a:avLst/>
-            </a:prstGeom>
-          </p:spPr>
-          <p:txBody>
-            <a:bodyPr lIns="0" tIns="0" rIns="0" bIns="0" rtlCol="0" anchor="t">
-              <a:spAutoFit/>
-            </a:bodyPr>
-            <a:lstStyle/>
-            <a:p>
-              <a:pPr algn="l" latinLnBrk="1"/>
-              <a:r>
-                <a:rPr lang="en-US" sz="2000">
-                  <a:solidFill>
-                    <a:srgbClr val="000000"/>
-                  </a:solidFill>
-                  <a:latin typeface="Microsoft YaHei"/>
-                  <a:ea typeface="Microsoft YaHei"/>
-                </a:rPr>
-                <a:t>在这里添加标题</a:t>
-              </a:r>
-              <a:endParaRPr lang="en-US" sz="1100"/>
-            </a:p>
-          </p:txBody>
-        </p:sp>
-        <p:sp>
-          <p:nvSpPr>
-            <p:cNvPr id="242" name="TextBox 241"/>
-            <p:cNvSpPr txBox="1"/>
-            <p:nvPr/>
-          </p:nvSpPr>
-          <p:spPr>
-            <a:xfrm>
-              <a:off x="6766306" y="4108450"/>
-              <a:ext cx="3035046" cy="425450"/>
-            </a:xfrm>
-            <a:prstGeom prst="rect">
-              <a:avLst/>
-            </a:prstGeom>
-          </p:spPr>
-          <p:txBody>
-            <a:bodyPr lIns="0" tIns="0" rIns="0" bIns="0" rtlCol="0" anchor="t">
-              <a:spAutoFit/>
-            </a:bodyPr>
-            <a:lstStyle/>
-            <a:p>
-              <a:pPr algn="l" latinLnBrk="1"/>
-              <a:r>
-                <a:rPr lang="en-US" sz="1200">
-                  <a:solidFill>
-                    <a:srgbClr val="000000"/>
-                  </a:solidFill>
-                  <a:latin typeface="Microsoft YaHei"/>
-                  <a:ea typeface="Microsoft YaHei"/>
-                </a:rPr>
-                <a:t>在这里填写内容详情描述在这里填写内容详情描述在这里填写内容详情描述</a:t>
-              </a:r>
-              <a:endParaRPr lang="en-US" sz="1100"/>
-            </a:p>
-          </p:txBody>
-        </p:sp>
-      </p:grpSp>
-      <p:grpSp>
-        <p:nvGrpSpPr>
-          <p:cNvPr id="243" name="Group 14"/>
-          <p:cNvGrpSpPr/>
-          <p:nvPr/>
-        </p:nvGrpSpPr>
-        <p:grpSpPr>
-          <a:xfrm>
-            <a:off x="1422400" y="2032000"/>
-            <a:ext cx="3005836" cy="819150"/>
-            <a:chOff x="1422400" y="2032000"/>
-            <a:chExt cx="3005836" cy="819150"/>
-          </a:xfrm>
-        </p:grpSpPr>
-        <p:sp>
-          <p:nvSpPr>
-            <p:cNvPr id="244" name="TextBox 243"/>
-            <p:cNvSpPr txBox="1"/>
-            <p:nvPr/>
-          </p:nvSpPr>
-          <p:spPr>
-            <a:xfrm>
-              <a:off x="2374900" y="2032000"/>
-              <a:ext cx="2035746" cy="355600"/>
-            </a:xfrm>
-            <a:prstGeom prst="rect">
-              <a:avLst/>
-            </a:prstGeom>
-          </p:spPr>
-          <p:txBody>
-            <a:bodyPr lIns="0" tIns="0" rIns="0" bIns="0" rtlCol="0" anchor="t">
-              <a:spAutoFit/>
-            </a:bodyPr>
-            <a:lstStyle/>
-            <a:p>
-              <a:pPr algn="r" latinLnBrk="1"/>
-              <a:r>
-                <a:rPr lang="en-US" sz="2000">
-                  <a:solidFill>
-                    <a:srgbClr val="000000"/>
-                  </a:solidFill>
-                  <a:latin typeface="Microsoft YaHei"/>
-                  <a:ea typeface="Microsoft YaHei"/>
-                </a:rPr>
-                <a:t>在这里添加标题</a:t>
-              </a:r>
-              <a:endParaRPr lang="en-US" sz="1100"/>
-            </a:p>
-          </p:txBody>
-        </p:sp>
-        <p:sp>
-          <p:nvSpPr>
-            <p:cNvPr id="245" name="TextBox 244"/>
-            <p:cNvSpPr txBox="1"/>
-            <p:nvPr/>
-          </p:nvSpPr>
-          <p:spPr>
-            <a:xfrm>
-              <a:off x="1422400" y="2425700"/>
-              <a:ext cx="3005836" cy="425450"/>
-            </a:xfrm>
-            <a:prstGeom prst="rect">
-              <a:avLst/>
-            </a:prstGeom>
-          </p:spPr>
-          <p:txBody>
-            <a:bodyPr lIns="0" tIns="0" rIns="0" bIns="0" rtlCol="0" anchor="t">
-              <a:spAutoFit/>
-            </a:bodyPr>
-            <a:lstStyle/>
-            <a:p>
-              <a:pPr algn="r" latinLnBrk="1"/>
-              <a:r>
-                <a:rPr lang="en-US" sz="1200">
-                  <a:solidFill>
-                    <a:srgbClr val="000000"/>
-                  </a:solidFill>
-                  <a:latin typeface="Microsoft YaHei"/>
-                  <a:ea typeface="Microsoft YaHei"/>
-                </a:rPr>
-                <a:t>在这里填写内容详情描述在这里填写内容详情描述在这里填写内容详情描述</a:t>
-              </a:r>
-              <a:endParaRPr lang="en-US" sz="1100"/>
-            </a:p>
-          </p:txBody>
-        </p:sp>
-      </p:grpSp>
-    </p:spTree>
-  </p:cSld>
-  <p:clrMapOvr>
-    <a:masterClrMapping/>
-  </p:clrMapOvr>
-  <p:transition spd="med">
-    <p:fade/>
-  </p:transition>
-  <p:timing>
-    <p:tnLst>
-      <p:par>
-        <p:cTn id="1" dur="indefinite" restart="never" nodeType="tmRoot">
-          <p:childTnLst>
-            <p:seq concurrent="1" nextAc="seek">
-              <p:cTn id="2" dur="indefinite" nodeType="mainSeq">
-                <p:childTnLst>
-                  <p:par>
-                    <p:cTn id="3" fill="hold">
-                      <p:stCondLst>
-                        <p:cond delay="indefinite"/>
-                        <p:cond evt="onBegin" delay="0">
-                          <p:tn val="2"/>
-                        </p:cond>
-                      </p:stCondLst>
-                      <p:childTnLst>
-                        <p:par>
-                          <p:cTn id="4" fill="hold">
-                            <p:stCondLst>
-                              <p:cond delay="0"/>
-                            </p:stCondLst>
-                            <p:childTnLst>
-                              <p:par>
-                                <p:cTn id="5" presetID="10" presetClass="entr" presetSubtype="0" fill="hold" grpId="0" nodeType="withEffect">
-                                  <p:stCondLst>
-                                    <p:cond delay="0"/>
-                                  </p:stCondLst>
-                                  <p:childTnLst>
-                                    <p:set>
-                                      <p:cBhvr>
-                                        <p:cTn id="6" dur="1" fill="hold">
-                                          <p:stCondLst>
-                                            <p:cond delay="0"/>
-                                          </p:stCondLst>
-                                        </p:cTn>
-                                        <p:tgtEl>
-                                          <p:spTgt spid="224"/>
-                                        </p:tgtEl>
-                                        <p:attrNameLst>
-                                          <p:attrName>style.visibility</p:attrName>
-                                        </p:attrNameLst>
-                                      </p:cBhvr>
-                                      <p:to>
-                                        <p:strVal val="visible"/>
-                                      </p:to>
-                                    </p:set>
-                                    <p:animEffect transition="in" filter="fade">
-                                      <p:cBhvr>
-                                        <p:cTn id="7" dur="1000"/>
-                                        <p:tgtEl>
-                                          <p:spTgt spid="224"/>
-                                        </p:tgtEl>
-                                      </p:cBhvr>
-                                    </p:animEffect>
-                                  </p:childTnLst>
-                                </p:cTn>
-                              </p:par>
-                              <p:par>
-                                <p:cTn id="8" presetID="10" presetClass="entr" presetSubtype="0" fill="hold" grpId="0" nodeType="withEffect">
-                                  <p:stCondLst>
-                                    <p:cond delay="0"/>
-                                  </p:stCondLst>
-                                  <p:childTnLst>
-                                    <p:set>
-                                      <p:cBhvr>
-                                        <p:cTn id="9" dur="1" fill="hold">
-                                          <p:stCondLst>
-                                            <p:cond delay="0"/>
-                                          </p:stCondLst>
-                                        </p:cTn>
-                                        <p:tgtEl>
-                                          <p:spTgt spid="225"/>
-                                        </p:tgtEl>
-                                        <p:attrNameLst>
-                                          <p:attrName>style.visibility</p:attrName>
-                                        </p:attrNameLst>
-                                      </p:cBhvr>
-                                      <p:to>
-                                        <p:strVal val="visible"/>
-                                      </p:to>
-                                    </p:set>
-                                    <p:animEffect transition="in" filter="fade">
-                                      <p:cBhvr>
-                                        <p:cTn id="10" dur="1000"/>
-                                        <p:tgtEl>
-                                          <p:spTgt spid="225"/>
-                                        </p:tgtEl>
-                                      </p:cBhvr>
-                                    </p:animEffect>
-                                  </p:childTnLst>
-                                </p:cTn>
-                              </p:par>
-                              <p:par>
-                                <p:cTn id="11" presetID="10" presetClass="entr" presetSubtype="0" fill="hold" grpId="0" nodeType="withEffect">
-                                  <p:stCondLst>
-                                    <p:cond delay="0"/>
-                                  </p:stCondLst>
-                                  <p:childTnLst>
-                                    <p:set>
-                                      <p:cBhvr>
-                                        <p:cTn id="12" dur="1" fill="hold">
-                                          <p:stCondLst>
-                                            <p:cond delay="0"/>
-                                          </p:stCondLst>
-                                        </p:cTn>
-                                        <p:tgtEl>
-                                          <p:spTgt spid="226"/>
-                                        </p:tgtEl>
-                                        <p:attrNameLst>
-                                          <p:attrName>style.visibility</p:attrName>
-                                        </p:attrNameLst>
-                                      </p:cBhvr>
-                                      <p:to>
-                                        <p:strVal val="visible"/>
-                                      </p:to>
-                                    </p:set>
-                                    <p:animEffect transition="in" filter="fade">
-                                      <p:cBhvr>
-                                        <p:cTn id="13" dur="1000"/>
-                                        <p:tgtEl>
-                                          <p:spTgt spid="226"/>
-                                        </p:tgtEl>
-                                      </p:cBhvr>
-                                    </p:animEffect>
-                                  </p:childTnLst>
-                                </p:cTn>
-                              </p:par>
-                              <p:par>
-                                <p:cTn id="14" presetID="10" presetClass="entr" presetSubtype="0" fill="hold" grpId="0" nodeType="withEffect">
-                                  <p:stCondLst>
-                                    <p:cond delay="0"/>
-                                  </p:stCondLst>
-                                  <p:childTnLst>
-                                    <p:set>
-                                      <p:cBhvr>
-                                        <p:cTn id="15" dur="1" fill="hold">
-                                          <p:stCondLst>
-                                            <p:cond delay="0"/>
-                                          </p:stCondLst>
-                                        </p:cTn>
-                                        <p:tgtEl>
-                                          <p:spTgt spid="227"/>
-                                        </p:tgtEl>
-                                        <p:attrNameLst>
-                                          <p:attrName>style.visibility</p:attrName>
-                                        </p:attrNameLst>
-                                      </p:cBhvr>
-                                      <p:to>
-                                        <p:strVal val="visible"/>
-                                      </p:to>
-                                    </p:set>
-                                    <p:animEffect transition="in" filter="fade">
-                                      <p:cBhvr>
-                                        <p:cTn id="16" dur="1000"/>
-                                        <p:tgtEl>
-                                          <p:spTgt spid="227"/>
-                                        </p:tgtEl>
-                                      </p:cBhvr>
-                                    </p:animEffect>
-                                  </p:childTnLst>
-                                </p:cTn>
-                              </p:par>
-                              <p:par>
-                                <p:cTn id="17" presetID="10" presetClass="entr" presetSubtype="0" fill="hold" grpId="0" nodeType="withEffect">
-                                  <p:stCondLst>
-                                    <p:cond delay="0"/>
-                                  </p:stCondLst>
-                                  <p:childTnLst>
-                                    <p:set>
-                                      <p:cBhvr>
-                                        <p:cTn id="18" dur="1" fill="hold">
-                                          <p:stCondLst>
-                                            <p:cond delay="0"/>
-                                          </p:stCondLst>
-                                        </p:cTn>
-                                        <p:tgtEl>
-                                          <p:spTgt spid="228"/>
-                                        </p:tgtEl>
-                                        <p:attrNameLst>
-                                          <p:attrName>style.visibility</p:attrName>
-                                        </p:attrNameLst>
-                                      </p:cBhvr>
-                                      <p:to>
-                                        <p:strVal val="visible"/>
-                                      </p:to>
-                                    </p:set>
-                                    <p:animEffect transition="in" filter="fade">
-                                      <p:cBhvr>
-                                        <p:cTn id="19" dur="1000"/>
-                                        <p:tgtEl>
-                                          <p:spTgt spid="228"/>
-                                        </p:tgtEl>
-                                      </p:cBhvr>
-                                    </p:animEffect>
-                                  </p:childTnLst>
-                                </p:cTn>
-                              </p:par>
-                              <p:par>
-                                <p:cTn id="20" presetID="10" presetClass="entr" presetSubtype="0" fill="hold" grpId="0" nodeType="withEffect">
-                                  <p:stCondLst>
-                                    <p:cond delay="0"/>
-                                  </p:stCondLst>
-                                  <p:childTnLst>
-                                    <p:set>
-                                      <p:cBhvr>
-                                        <p:cTn id="21" dur="1" fill="hold">
-                                          <p:stCondLst>
-                                            <p:cond delay="0"/>
-                                          </p:stCondLst>
-                                        </p:cTn>
-                                        <p:tgtEl>
-                                          <p:spTgt spid="229"/>
-                                        </p:tgtEl>
-                                        <p:attrNameLst>
-                                          <p:attrName>style.visibility</p:attrName>
-                                        </p:attrNameLst>
-                                      </p:cBhvr>
-                                      <p:to>
-                                        <p:strVal val="visible"/>
-                                      </p:to>
-                                    </p:set>
-                                    <p:animEffect transition="in" filter="fade">
-                                      <p:cBhvr>
-                                        <p:cTn id="22" dur="1000"/>
-                                        <p:tgtEl>
-                                          <p:spTgt spid="229"/>
-                                        </p:tgtEl>
-                                      </p:cBhvr>
-                                    </p:animEffect>
-                                  </p:childTnLst>
-                                </p:cTn>
-                              </p:par>
-                              <p:par>
-                                <p:cTn id="23" presetID="10" presetClass="entr" presetSubtype="0" fill="hold" grpId="0" nodeType="withEffect">
-                                  <p:stCondLst>
-                                    <p:cond delay="0"/>
-                                  </p:stCondLst>
-                                  <p:childTnLst>
-                                    <p:set>
-                                      <p:cBhvr>
-                                        <p:cTn id="24" dur="1" fill="hold">
-                                          <p:stCondLst>
-                                            <p:cond delay="0"/>
-                                          </p:stCondLst>
-                                        </p:cTn>
-                                        <p:tgtEl>
-                                          <p:spTgt spid="230"/>
-                                        </p:tgtEl>
-                                        <p:attrNameLst>
-                                          <p:attrName>style.visibility</p:attrName>
-                                        </p:attrNameLst>
-                                      </p:cBhvr>
-                                      <p:to>
-                                        <p:strVal val="visible"/>
-                                      </p:to>
-                                    </p:set>
-                                    <p:animEffect transition="in" filter="fade">
-                                      <p:cBhvr>
-                                        <p:cTn id="25" dur="1000"/>
-                                        <p:tgtEl>
-                                          <p:spTgt spid="230"/>
-                                        </p:tgtEl>
-                                      </p:cBhvr>
-                                    </p:animEffect>
-                                  </p:childTnLst>
-                                </p:cTn>
-                              </p:par>
-                              <p:par>
-                                <p:cTn id="26" presetID="10" presetClass="entr" presetSubtype="0" fill="hold" grpId="0" nodeType="withEffect">
-                                  <p:stCondLst>
-                                    <p:cond delay="0"/>
-                                  </p:stCondLst>
-                                  <p:childTnLst>
-                                    <p:set>
-                                      <p:cBhvr>
-                                        <p:cTn id="27" dur="1" fill="hold">
-                                          <p:stCondLst>
-                                            <p:cond delay="0"/>
-                                          </p:stCondLst>
-                                        </p:cTn>
-                                        <p:tgtEl>
-                                          <p:spTgt spid="231"/>
-                                        </p:tgtEl>
-                                        <p:attrNameLst>
-                                          <p:attrName>style.visibility</p:attrName>
-                                        </p:attrNameLst>
-                                      </p:cBhvr>
-                                      <p:to>
-                                        <p:strVal val="visible"/>
-                                      </p:to>
-                                    </p:set>
-                                    <p:animEffect transition="in" filter="fade">
-                                      <p:cBhvr>
-                                        <p:cTn id="28" dur="1000"/>
-                                        <p:tgtEl>
-                                          <p:spTgt spid="231"/>
-                                        </p:tgtEl>
-                                      </p:cBhvr>
-                                    </p:animEffect>
-                                  </p:childTnLst>
-                                </p:cTn>
-                              </p:par>
-                              <p:par>
-                                <p:cTn id="29" presetID="10" presetClass="entr" presetSubtype="0" fill="hold" grpId="0" nodeType="withEffect">
-                                  <p:stCondLst>
-                                    <p:cond delay="0"/>
-                                  </p:stCondLst>
-                                  <p:childTnLst>
-                                    <p:set>
-                                      <p:cBhvr>
-                                        <p:cTn id="30" dur="1" fill="hold">
-                                          <p:stCondLst>
-                                            <p:cond delay="0"/>
-                                          </p:stCondLst>
-                                        </p:cTn>
-                                        <p:tgtEl>
-                                          <p:spTgt spid="232"/>
-                                        </p:tgtEl>
-                                        <p:attrNameLst>
-                                          <p:attrName>style.visibility</p:attrName>
-                                        </p:attrNameLst>
-                                      </p:cBhvr>
-                                      <p:to>
-                                        <p:strVal val="visible"/>
-                                      </p:to>
-                                    </p:set>
-                                    <p:animEffect transition="in" filter="fade">
-                                      <p:cBhvr>
-                                        <p:cTn id="31" dur="1000"/>
-                                        <p:tgtEl>
-                                          <p:spTgt spid="232"/>
-                                        </p:tgtEl>
-                                      </p:cBhvr>
-                                    </p:animEffect>
-                                  </p:childTnLst>
-                                </p:cTn>
-                              </p:par>
-                              <p:par>
-                                <p:cTn id="32" presetID="10" presetClass="entr" presetSubtype="0" fill="hold" grpId="0" nodeType="withEffect">
-                                  <p:stCondLst>
-                                    <p:cond delay="0"/>
-                                  </p:stCondLst>
-                                  <p:childTnLst>
-                                    <p:set>
-                                      <p:cBhvr>
-                                        <p:cTn id="33" dur="1" fill="hold">
-                                          <p:stCondLst>
-                                            <p:cond delay="0"/>
-                                          </p:stCondLst>
-                                        </p:cTn>
-                                        <p:tgtEl>
                                           <p:spTgt spid="233"/>
-                                        </p:tgtEl>
-                                        <p:attrNameLst>
-                                          <p:attrName>style.visibility</p:attrName>
-                                        </p:attrNameLst>
-                                      </p:cBhvr>
-                                      <p:to>
-                                        <p:strVal val="visible"/>
-                                      </p:to>
-                                    </p:set>
-                                    <p:animEffect transition="in" filter="fade">
-                                      <p:cBhvr>
-                                        <p:cTn id="34" dur="1000"/>
-                                        <p:tgtEl>
-                                          <p:spTgt spid="233"/>
-                                        </p:tgtEl>
-                                      </p:cBhvr>
-                                    </p:animEffect>
-                                  </p:childTnLst>
-                                </p:cTn>
-                              </p:par>
-                              <p:par>
-                                <p:cTn id="35" presetID="10" presetClass="entr" presetSubtype="0" fill="hold" grpId="0" nodeType="withEffect">
-                                  <p:stCondLst>
-                                    <p:cond delay="0"/>
-                                  </p:stCondLst>
-                                  <p:childTnLst>
-                                    <p:set>
-                                      <p:cBhvr>
-                                        <p:cTn id="36" dur="1" fill="hold">
-                                          <p:stCondLst>
-                                            <p:cond delay="0"/>
-                                          </p:stCondLst>
-                                        </p:cTn>
-                                        <p:tgtEl>
-                                          <p:spTgt spid="234"/>
-                                        </p:tgtEl>
-                                        <p:attrNameLst>
-                                          <p:attrName>style.visibility</p:attrName>
-                                        </p:attrNameLst>
-                                      </p:cBhvr>
-                                      <p:to>
-                                        <p:strVal val="visible"/>
-                                      </p:to>
-                                    </p:set>
-                                    <p:animEffect transition="in" filter="fade">
-                                      <p:cBhvr>
-                                        <p:cTn id="37" dur="1000"/>
-                                        <p:tgtEl>
-                                          <p:spTgt spid="234"/>
-                                        </p:tgtEl>
-                                      </p:cBhvr>
-                                    </p:animEffect>
-                                  </p:childTnLst>
-                                </p:cTn>
-                              </p:par>
-                              <p:par>
-                                <p:cTn id="38" presetID="10" presetClass="entr" presetSubtype="0" fill="hold" grpId="0" nodeType="withEffect">
-                                  <p:stCondLst>
-                                    <p:cond delay="0"/>
-                                  </p:stCondLst>
-                                  <p:childTnLst>
-                                    <p:set>
-                                      <p:cBhvr>
-                                        <p:cTn id="39" dur="1" fill="hold">
-                                          <p:stCondLst>
-                                            <p:cond delay="0"/>
-                                          </p:stCondLst>
-                                        </p:cTn>
-                                        <p:tgtEl>
-                                          <p:spTgt spid="237"/>
-                                        </p:tgtEl>
-                                        <p:attrNameLst>
-                                          <p:attrName>style.visibility</p:attrName>
-                                        </p:attrNameLst>
-                                      </p:cBhvr>
-                                      <p:to>
-                                        <p:strVal val="visible"/>
-                                      </p:to>
-                                    </p:set>
-                                    <p:animEffect transition="in" filter="fade">
-                                      <p:cBhvr>
-                                        <p:cTn id="40" dur="1000"/>
-                                        <p:tgtEl>
-                                          <p:spTgt spid="237"/>
-                                        </p:tgtEl>
-                                      </p:cBhvr>
-                                    </p:animEffect>
-                                  </p:childTnLst>
-                                </p:cTn>
-                              </p:par>
-                              <p:par>
-                                <p:cTn id="41" presetID="10" presetClass="entr" presetSubtype="0" fill="hold" grpId="0" nodeType="withEffect">
-                                  <p:stCondLst>
-                                    <p:cond delay="0"/>
-                                  </p:stCondLst>
-                                  <p:childTnLst>
-                                    <p:set>
-                                      <p:cBhvr>
-                                        <p:cTn id="42" dur="1" fill="hold">
-                                          <p:stCondLst>
-                                            <p:cond delay="0"/>
-                                          </p:stCondLst>
-                                        </p:cTn>
-                                        <p:tgtEl>
-                                          <p:spTgt spid="240"/>
-                                        </p:tgtEl>
-                                        <p:attrNameLst>
-                                          <p:attrName>style.visibility</p:attrName>
-                                        </p:attrNameLst>
-                                      </p:cBhvr>
-                                      <p:to>
-                                        <p:strVal val="visible"/>
-                                      </p:to>
-                                    </p:set>
-                                    <p:animEffect transition="in" filter="fade">
-                                      <p:cBhvr>
-                                        <p:cTn id="43" dur="1000"/>
-                                        <p:tgtEl>
-                                          <p:spTgt spid="240"/>
-                                        </p:tgtEl>
-                                      </p:cBhvr>
-                                    </p:animEffect>
-                                  </p:childTnLst>
-                                </p:cTn>
-                              </p:par>
-                              <p:par>
-                                <p:cTn id="44" presetID="10" presetClass="entr" presetSubtype="0" fill="hold" grpId="0" nodeType="withEffect">
-                                  <p:stCondLst>
-                                    <p:cond delay="0"/>
-                                  </p:stCondLst>
-                                  <p:childTnLst>
-                                    <p:set>
-                                      <p:cBhvr>
-                                        <p:cTn id="45" dur="1" fill="hold">
-                                          <p:stCondLst>
-                                            <p:cond delay="0"/>
-                                          </p:stCondLst>
-                                        </p:cTn>
-                                        <p:tgtEl>
-                                          <p:spTgt spid="243"/>
-                                        </p:tgtEl>
-                                        <p:attrNameLst>
-                                          <p:attrName>style.visibility</p:attrName>
-                                        </p:attrNameLst>
-                                      </p:cBhvr>
-                                      <p:to>
-                                        <p:strVal val="visible"/>
-                                      </p:to>
-                                    </p:set>
-                                    <p:animEffect transition="in" filter="fade">
-                                      <p:cBhvr>
-                                        <p:cTn id="46" dur="1000"/>
-                                        <p:tgtEl>
-                                          <p:spTgt spid="243"/>
                                         </p:tgtEl>
                                       </p:cBhvr>
                                     </p:animEffect>
@@ -10161,10 +8717,6 @@
       <p:bldP spid="231" grpId="0" animBg="1"/>
       <p:bldP spid="232" grpId="0" animBg="1"/>
       <p:bldP spid="233" grpId="0" animBg="1"/>
-      <p:bldP spid="234" grpId="0" animBg="1"/>
-      <p:bldP spid="237" grpId="0" animBg="1"/>
-      <p:bldP spid="240" grpId="0" animBg="1"/>
-      <p:bldP spid="243" grpId="0" animBg="1"/>
     </p:bldLst>
   </p:timing>
 </p:sld>
@@ -10941,7 +9493,7 @@
       </p:grpSpPr>
       <p:pic>
         <p:nvPicPr>
-          <p:cNvPr id="246" name="Picture 1"/>
+          <p:cNvPr id="336" name="Picture 1"/>
           <p:cNvPicPr>
             <a:picLocks noChangeAspect="1"/>
           </p:cNvPicPr>
@@ -10965,14 +9517,14 @@
       </p:pic>
       <p:sp>
         <p:nvSpPr>
-          <p:cNvPr id="247" name="TextBox 2"/>
+          <p:cNvPr id="337" name="TextBox 2"/>
           <p:cNvSpPr txBox="1"/>
           <p:nvPr/>
         </p:nvSpPr>
         <p:spPr>
           <a:xfrm>
             <a:off x="4266438" y="776224"/>
-            <a:ext cx="2809050" cy="406400"/>
+            <a:ext cx="2785046" cy="353943"/>
           </a:xfrm>
           <a:prstGeom prst="rect">
             <a:avLst/>
@@ -10986,22 +9538,22 @@
           <a:p>
             <a:pPr algn="ctr" latinLnBrk="1"/>
             <a:r>
-              <a:rPr lang="en-US" sz="2300">
+              <a:rPr lang="zh-CN" altLang="en-US" sz="2300" dirty="0">
                 <a:solidFill>
                   <a:srgbClr val="000000"/>
                 </a:solidFill>
                 <a:latin typeface="Microsoft YaHei"/>
                 <a:ea typeface="Microsoft YaHei"/>
               </a:rPr>
-              <a:t>在这里填写标题</a:t>
-            </a:r>
-            <a:endParaRPr lang="en-US" sz="1100"/>
+              <a:t>技巧</a:t>
+            </a:r>
+            <a:endParaRPr lang="en-US" sz="1100" dirty="0"/>
           </a:p>
         </p:txBody>
       </p:sp>
       <p:pic>
         <p:nvPicPr>
-          <p:cNvPr id="248" name="Picture 3"/>
+          <p:cNvPr id="338" name="Picture 3"/>
           <p:cNvPicPr>
             <a:picLocks noChangeAspect="1"/>
           </p:cNvPicPr>
@@ -11015,8 +9567,8 @@
         </p:blipFill>
         <p:spPr>
           <a:xfrm>
-            <a:off x="1681353" y="2268474"/>
-            <a:ext cx="3087274" cy="2680157"/>
+            <a:off x="3204210" y="3017647"/>
+            <a:ext cx="810769" cy="1159456"/>
           </a:xfrm>
           <a:prstGeom prst="rect">
             <a:avLst/>
@@ -11025,7 +9577,7 @@
       </p:pic>
       <p:pic>
         <p:nvPicPr>
-          <p:cNvPr id="249" name="Picture 4"/>
+          <p:cNvPr id="339" name="Picture 4"/>
           <p:cNvPicPr>
             <a:picLocks noChangeAspect="1"/>
           </p:cNvPicPr>
@@ -11039,236 +9591,320 @@
         </p:blipFill>
         <p:spPr>
           <a:xfrm>
-            <a:off x="1927987" y="2450719"/>
-            <a:ext cx="2584991" cy="1982772"/>
+            <a:off x="4207637" y="3515741"/>
+            <a:ext cx="326048" cy="311716"/>
           </a:xfrm>
           <a:prstGeom prst="rect">
             <a:avLst/>
           </a:prstGeom>
         </p:spPr>
       </p:pic>
-      <p:grpSp>
-        <p:nvGrpSpPr>
-          <p:cNvPr id="250" name="Group 5"/>
-          <p:cNvGrpSpPr/>
-          <p:nvPr/>
-        </p:nvGrpSpPr>
-        <p:grpSpPr>
-          <a:xfrm>
-            <a:off x="5968238" y="2229358"/>
-            <a:ext cx="3684778" cy="1149985"/>
-            <a:chOff x="5968238" y="2229358"/>
-            <a:chExt cx="3684778" cy="1149985"/>
-          </a:xfrm>
-        </p:grpSpPr>
-        <p:sp>
-          <p:nvSpPr>
-            <p:cNvPr id="251" name="TextBox 250"/>
-            <p:cNvSpPr txBox="1"/>
-            <p:nvPr/>
-          </p:nvSpPr>
-          <p:spPr>
-            <a:xfrm>
-              <a:off x="6565138" y="2271141"/>
-              <a:ext cx="1980629" cy="355600"/>
-            </a:xfrm>
-            <a:prstGeom prst="rect">
-              <a:avLst/>
-            </a:prstGeom>
-          </p:spPr>
-          <p:txBody>
-            <a:bodyPr lIns="0" tIns="0" rIns="0" bIns="0" rtlCol="0" anchor="t">
-              <a:spAutoFit/>
-            </a:bodyPr>
-            <a:lstStyle/>
-            <a:p>
-              <a:pPr algn="l" latinLnBrk="1"/>
-              <a:r>
-                <a:rPr lang="en-US" sz="2000">
-                  <a:solidFill>
-                    <a:srgbClr val="000000"/>
-                  </a:solidFill>
-                  <a:latin typeface="Microsoft YaHei"/>
-                  <a:ea typeface="Microsoft YaHei"/>
-                </a:rPr>
-                <a:t>在这里添加标题</a:t>
-              </a:r>
-              <a:endParaRPr lang="en-US" sz="1100"/>
-            </a:p>
-          </p:txBody>
-        </p:sp>
-        <p:sp>
-          <p:nvSpPr>
-            <p:cNvPr id="252" name="TextBox 251"/>
-            <p:cNvSpPr txBox="1"/>
-            <p:nvPr/>
-          </p:nvSpPr>
-          <p:spPr>
-            <a:xfrm>
-              <a:off x="5984240" y="2737993"/>
-              <a:ext cx="3668776" cy="641350"/>
-            </a:xfrm>
-            <a:prstGeom prst="rect">
-              <a:avLst/>
-            </a:prstGeom>
-          </p:spPr>
-          <p:txBody>
-            <a:bodyPr lIns="0" tIns="0" rIns="0" bIns="0" rtlCol="0" anchor="t">
-              <a:spAutoFit/>
-            </a:bodyPr>
-            <a:lstStyle/>
-            <a:p>
-              <a:pPr algn="l" latinLnBrk="1"/>
-              <a:r>
-                <a:rPr lang="en-US" sz="1200">
-                  <a:solidFill>
-                    <a:srgbClr val="000000"/>
-                  </a:solidFill>
-                  <a:latin typeface="Microsoft YaHei"/>
-                  <a:ea typeface="Microsoft YaHei"/>
-                </a:rPr>
-                <a:t>在这里填写内容详情描述在这里填写内容详情描述在这里填写内容详情描述在这里填写内容详情描述在这里填写内容详情描述在这里填写内容详情描述</a:t>
-              </a:r>
-              <a:endParaRPr lang="en-US" sz="1100"/>
-            </a:p>
-          </p:txBody>
-        </p:sp>
-        <p:pic>
-          <p:nvPicPr>
-            <p:cNvPr id="253" name="Picture 252"/>
-            <p:cNvPicPr>
-              <a:picLocks noChangeAspect="1"/>
-            </p:cNvPicPr>
-            <p:nvPr/>
-          </p:nvPicPr>
-          <p:blipFill>
-            <a:blip r:embed="rId5"/>
-            <a:stretch>
-              <a:fillRect/>
-            </a:stretch>
-          </p:blipFill>
-          <p:spPr>
-            <a:xfrm>
-              <a:off x="5968238" y="2229358"/>
-              <a:ext cx="413376" cy="413376"/>
-            </a:xfrm>
-            <a:prstGeom prst="rect">
-              <a:avLst/>
-            </a:prstGeom>
-          </p:spPr>
-        </p:pic>
-      </p:grpSp>
-      <p:grpSp>
-        <p:nvGrpSpPr>
-          <p:cNvPr id="254" name="Group 6"/>
-          <p:cNvGrpSpPr/>
-          <p:nvPr/>
-        </p:nvGrpSpPr>
-        <p:grpSpPr>
-          <a:xfrm>
-            <a:off x="5967730" y="3735070"/>
-            <a:ext cx="3767455" cy="1148715"/>
-            <a:chOff x="5967730" y="3735070"/>
-            <a:chExt cx="3767455" cy="1148715"/>
-          </a:xfrm>
-        </p:grpSpPr>
-        <p:sp>
-          <p:nvSpPr>
-            <p:cNvPr id="255" name="TextBox 254"/>
-            <p:cNvSpPr txBox="1"/>
-            <p:nvPr/>
-          </p:nvSpPr>
-          <p:spPr>
-            <a:xfrm>
-              <a:off x="6564757" y="3778504"/>
-              <a:ext cx="2041779" cy="355600"/>
-            </a:xfrm>
-            <a:prstGeom prst="rect">
-              <a:avLst/>
-            </a:prstGeom>
-          </p:spPr>
-          <p:txBody>
-            <a:bodyPr lIns="0" tIns="0" rIns="0" bIns="0" rtlCol="0" anchor="t">
-              <a:spAutoFit/>
-            </a:bodyPr>
-            <a:lstStyle/>
-            <a:p>
-              <a:pPr algn="l" latinLnBrk="1"/>
-              <a:r>
-                <a:rPr lang="en-US" sz="2000">
-                  <a:solidFill>
-                    <a:srgbClr val="000000"/>
-                  </a:solidFill>
-                  <a:latin typeface="Microsoft YaHei"/>
-                  <a:ea typeface="Microsoft YaHei"/>
-                </a:rPr>
-                <a:t>在这里添加标题</a:t>
-              </a:r>
-              <a:endParaRPr lang="en-US" sz="1100"/>
-            </a:p>
-          </p:txBody>
-        </p:sp>
-        <p:sp>
-          <p:nvSpPr>
-            <p:cNvPr id="256" name="TextBox 255"/>
-            <p:cNvSpPr txBox="1"/>
-            <p:nvPr/>
-          </p:nvSpPr>
-          <p:spPr>
-            <a:xfrm>
-              <a:off x="5977382" y="4242435"/>
-              <a:ext cx="3757803" cy="641350"/>
-            </a:xfrm>
-            <a:prstGeom prst="rect">
-              <a:avLst/>
-            </a:prstGeom>
-          </p:spPr>
-          <p:txBody>
-            <a:bodyPr lIns="0" tIns="0" rIns="0" bIns="0" rtlCol="0" anchor="t">
-              <a:spAutoFit/>
-            </a:bodyPr>
-            <a:lstStyle/>
-            <a:p>
-              <a:pPr algn="l" latinLnBrk="1"/>
-              <a:r>
-                <a:rPr lang="en-US" sz="1200">
-                  <a:solidFill>
-                    <a:srgbClr val="000000"/>
-                  </a:solidFill>
-                  <a:latin typeface="Microsoft YaHei"/>
-                  <a:ea typeface="Microsoft YaHei"/>
-                </a:rPr>
-                <a:t>在这里填写内容详情描述在这里填写内容详情描述在这里填写内容详情描述在这里填写内容详情描述在这里填写内容详情描述在这里填写内容详情描述</a:t>
-              </a:r>
-              <a:endParaRPr lang="en-US" sz="1100"/>
-            </a:p>
-          </p:txBody>
-        </p:sp>
-        <p:pic>
-          <p:nvPicPr>
-            <p:cNvPr id="257" name="Picture 256"/>
-            <p:cNvPicPr>
-              <a:picLocks noChangeAspect="1"/>
-            </p:cNvPicPr>
-            <p:nvPr/>
-          </p:nvPicPr>
-          <p:blipFill>
-            <a:blip r:embed="rId5"/>
-            <a:stretch>
-              <a:fillRect/>
-            </a:stretch>
-          </p:blipFill>
-          <p:spPr>
-            <a:xfrm>
-              <a:off x="5967730" y="3735070"/>
-              <a:ext cx="413376" cy="413376"/>
-            </a:xfrm>
-            <a:prstGeom prst="rect">
-              <a:avLst/>
-            </a:prstGeom>
-          </p:spPr>
-        </p:pic>
-      </p:grpSp>
+      <p:pic>
+        <p:nvPicPr>
+          <p:cNvPr id="340" name="Picture 5"/>
+          <p:cNvPicPr>
+            <a:picLocks noChangeAspect="1"/>
+          </p:cNvPicPr>
+          <p:nvPr/>
+        </p:nvPicPr>
+        <p:blipFill>
+          <a:blip r:embed="rId5"/>
+          <a:stretch>
+            <a:fillRect/>
+          </a:stretch>
+        </p:blipFill>
+        <p:spPr>
+          <a:xfrm>
+            <a:off x="7861046" y="1794510"/>
+            <a:ext cx="1073633" cy="2466934"/>
+          </a:xfrm>
+          <a:prstGeom prst="rect">
+            <a:avLst/>
+          </a:prstGeom>
+        </p:spPr>
+      </p:pic>
+      <p:pic>
+        <p:nvPicPr>
+          <p:cNvPr id="341" name="Picture 6"/>
+          <p:cNvPicPr>
+            <a:picLocks noChangeAspect="1"/>
+          </p:cNvPicPr>
+          <p:nvPr/>
+        </p:nvPicPr>
+        <p:blipFill>
+          <a:blip r:embed="rId3"/>
+          <a:stretch>
+            <a:fillRect/>
+          </a:stretch>
+        </p:blipFill>
+        <p:spPr>
+          <a:xfrm>
+            <a:off x="4799711" y="3030855"/>
+            <a:ext cx="810769" cy="1159456"/>
+          </a:xfrm>
+          <a:prstGeom prst="rect">
+            <a:avLst/>
+          </a:prstGeom>
+        </p:spPr>
+      </p:pic>
+      <p:pic>
+        <p:nvPicPr>
+          <p:cNvPr id="342" name="Picture 7"/>
+          <p:cNvPicPr>
+            <a:picLocks noChangeAspect="1"/>
+          </p:cNvPicPr>
+          <p:nvPr/>
+        </p:nvPicPr>
+        <p:blipFill>
+          <a:blip r:embed="rId4"/>
+          <a:stretch>
+            <a:fillRect/>
+          </a:stretch>
+        </p:blipFill>
+        <p:spPr>
+          <a:xfrm>
+            <a:off x="5803138" y="3528949"/>
+            <a:ext cx="326048" cy="311716"/>
+          </a:xfrm>
+          <a:prstGeom prst="rect">
+            <a:avLst/>
+          </a:prstGeom>
+        </p:spPr>
+      </p:pic>
+      <p:pic>
+        <p:nvPicPr>
+          <p:cNvPr id="343" name="Picture 8"/>
+          <p:cNvPicPr>
+            <a:picLocks noChangeAspect="1"/>
+          </p:cNvPicPr>
+          <p:nvPr/>
+        </p:nvPicPr>
+        <p:blipFill>
+          <a:blip r:embed="rId3"/>
+          <a:stretch>
+            <a:fillRect/>
+          </a:stretch>
+        </p:blipFill>
+        <p:spPr>
+          <a:xfrm>
+            <a:off x="6383782" y="3034665"/>
+            <a:ext cx="810769" cy="1159456"/>
+          </a:xfrm>
+          <a:prstGeom prst="rect">
+            <a:avLst/>
+          </a:prstGeom>
+        </p:spPr>
+      </p:pic>
+      <p:pic>
+        <p:nvPicPr>
+          <p:cNvPr id="344" name="Picture 9"/>
+          <p:cNvPicPr>
+            <a:picLocks noChangeAspect="1"/>
+          </p:cNvPicPr>
+          <p:nvPr/>
+        </p:nvPicPr>
+        <p:blipFill>
+          <a:blip r:embed="rId4"/>
+          <a:stretch>
+            <a:fillRect/>
+          </a:stretch>
+        </p:blipFill>
+        <p:spPr>
+          <a:xfrm>
+            <a:off x="7387209" y="3538855"/>
+            <a:ext cx="326048" cy="311716"/>
+          </a:xfrm>
+          <a:prstGeom prst="rect">
+            <a:avLst/>
+          </a:prstGeom>
+        </p:spPr>
+      </p:pic>
+      <p:sp>
+        <p:nvSpPr>
+          <p:cNvPr id="2" name="文本框 1">
+            <a:extLst>
+              <a:ext uri="{FF2B5EF4-FFF2-40B4-BE49-F238E27FC236}">
+                <a16:creationId xmlns:a16="http://schemas.microsoft.com/office/drawing/2014/main" id="{EFD7080E-C999-49F6-9AEB-B4D4930B2346}"/>
+              </a:ext>
+            </a:extLst>
+          </p:cNvPr>
+          <p:cNvSpPr txBox="1"/>
+          <p:nvPr/>
+        </p:nvSpPr>
+        <p:spPr>
+          <a:xfrm>
+            <a:off x="3340100" y="4394200"/>
+            <a:ext cx="415498" cy="923330"/>
+          </a:xfrm>
+          <a:prstGeom prst="rect">
+            <a:avLst/>
+          </a:prstGeom>
+        </p:spPr>
+        <p:style>
+          <a:lnRef idx="1">
+            <a:schemeClr val="accent2"/>
+          </a:lnRef>
+          <a:fillRef idx="3">
+            <a:schemeClr val="accent2"/>
+          </a:fillRef>
+          <a:effectRef idx="2">
+            <a:schemeClr val="accent2"/>
+          </a:effectRef>
+          <a:fontRef idx="minor">
+            <a:schemeClr val="lt1"/>
+          </a:fontRef>
+        </p:style>
+        <p:txBody>
+          <a:bodyPr wrap="none" rtlCol="0">
+            <a:spAutoFit/>
+          </a:bodyPr>
+          <a:lstStyle/>
+          <a:p>
+            <a:r>
+              <a:rPr lang="zh-CN" altLang="en-US" dirty="0"/>
+              <a:t>不</a:t>
+            </a:r>
+            <a:endParaRPr lang="en-US" altLang="zh-CN" dirty="0"/>
+          </a:p>
+          <a:p>
+            <a:r>
+              <a:rPr lang="zh-CN" altLang="en-US" dirty="0"/>
+              <a:t>要</a:t>
+            </a:r>
+            <a:endParaRPr lang="en-US" altLang="zh-CN" dirty="0"/>
+          </a:p>
+          <a:p>
+            <a:r>
+              <a:rPr lang="zh-CN" altLang="en-US" dirty="0"/>
+              <a:t>怕</a:t>
+            </a:r>
+          </a:p>
+        </p:txBody>
+      </p:sp>
+      <p:sp>
+        <p:nvSpPr>
+          <p:cNvPr id="14" name="文本框 13">
+            <a:extLst>
+              <a:ext uri="{FF2B5EF4-FFF2-40B4-BE49-F238E27FC236}">
+                <a16:creationId xmlns:a16="http://schemas.microsoft.com/office/drawing/2014/main" id="{1A6D335B-2B45-47C3-AA41-E6E1E86FD2B8}"/>
+              </a:ext>
+            </a:extLst>
+          </p:cNvPr>
+          <p:cNvSpPr txBox="1"/>
+          <p:nvPr/>
+        </p:nvSpPr>
+        <p:spPr>
+          <a:xfrm>
+            <a:off x="4940300" y="4394200"/>
+            <a:ext cx="415498" cy="923330"/>
+          </a:xfrm>
+          <a:prstGeom prst="rect">
+            <a:avLst/>
+          </a:prstGeom>
+        </p:spPr>
+        <p:style>
+          <a:lnRef idx="1">
+            <a:schemeClr val="accent2"/>
+          </a:lnRef>
+          <a:fillRef idx="3">
+            <a:schemeClr val="accent2"/>
+          </a:fillRef>
+          <a:effectRef idx="2">
+            <a:schemeClr val="accent2"/>
+          </a:effectRef>
+          <a:fontRef idx="minor">
+            <a:schemeClr val="lt1"/>
+          </a:fontRef>
+        </p:style>
+        <p:txBody>
+          <a:bodyPr wrap="none" rtlCol="0">
+            <a:spAutoFit/>
+          </a:bodyPr>
+          <a:lstStyle/>
+          <a:p>
+            <a:r>
+              <a:rPr lang="zh-CN" altLang="en-US" dirty="0"/>
+              <a:t>就</a:t>
+            </a:r>
+            <a:endParaRPr lang="en-US" altLang="zh-CN" dirty="0"/>
+          </a:p>
+          <a:p>
+            <a:r>
+              <a:rPr lang="zh-CN" altLang="en-US" dirty="0"/>
+              <a:t>是</a:t>
+            </a:r>
+            <a:endParaRPr lang="en-US" altLang="zh-CN" dirty="0"/>
+          </a:p>
+          <a:p>
+            <a:r>
+              <a:rPr lang="zh-CN" altLang="en-US" dirty="0"/>
+              <a:t>干</a:t>
+            </a:r>
+          </a:p>
+        </p:txBody>
+      </p:sp>
+      <p:sp>
+        <p:nvSpPr>
+          <p:cNvPr id="15" name="文本框 14">
+            <a:extLst>
+              <a:ext uri="{FF2B5EF4-FFF2-40B4-BE49-F238E27FC236}">
+                <a16:creationId xmlns:a16="http://schemas.microsoft.com/office/drawing/2014/main" id="{A31ED221-0647-46A3-B776-7B384F8270F5}"/>
+              </a:ext>
+            </a:extLst>
+          </p:cNvPr>
+          <p:cNvSpPr txBox="1"/>
+          <p:nvPr/>
+        </p:nvSpPr>
+        <p:spPr>
+          <a:xfrm>
+            <a:off x="6510867" y="4397374"/>
+            <a:ext cx="415498" cy="923330"/>
+          </a:xfrm>
+          <a:prstGeom prst="rect">
+            <a:avLst/>
+          </a:prstGeom>
+        </p:spPr>
+        <p:style>
+          <a:lnRef idx="1">
+            <a:schemeClr val="accent2"/>
+          </a:lnRef>
+          <a:fillRef idx="3">
+            <a:schemeClr val="accent2"/>
+          </a:fillRef>
+          <a:effectRef idx="2">
+            <a:schemeClr val="accent2"/>
+          </a:effectRef>
+          <a:fontRef idx="minor">
+            <a:schemeClr val="lt1"/>
+          </a:fontRef>
+        </p:style>
+        <p:txBody>
+          <a:bodyPr wrap="none" rtlCol="0">
+            <a:spAutoFit/>
+          </a:bodyPr>
+          <a:lstStyle/>
+          <a:p>
+            <a:r>
+              <a:rPr lang="zh-CN" altLang="en-US" dirty="0"/>
+              <a:t>奥</a:t>
+            </a:r>
+            <a:endParaRPr lang="en-US" altLang="zh-CN" dirty="0"/>
+          </a:p>
+          <a:p>
+            <a:r>
+              <a:rPr lang="zh-CN" altLang="en-US" dirty="0"/>
+              <a:t>里</a:t>
+            </a:r>
+            <a:endParaRPr lang="en-US" altLang="zh-CN" dirty="0"/>
+          </a:p>
+          <a:p>
+            <a:r>
+              <a:rPr lang="zh-CN" altLang="en-US" dirty="0"/>
+              <a:t>给</a:t>
+            </a:r>
+          </a:p>
+        </p:txBody>
+      </p:sp>
     </p:spTree>
   </p:cSld>
   <p:clrMapOvr>
@@ -11314,7 +9950,7 @@
                                           </p:stCondLst>
                                         </p:cTn>
                                         <p:tgtEl>
-                                          <p:spTgt spid="246"/>
+                                          <p:spTgt spid="336"/>
                                         </p:tgtEl>
                                         <p:attrNameLst>
                                           <p:attrName>style.visibility</p:attrName>
@@ -11328,7 +9964,7 @@
                                       <p:cBhvr>
                                         <p:cTn id="7" dur="1000"/>
                                         <p:tgtEl>
-                                          <p:spTgt spid="246"/>
+                                          <p:spTgt spid="336"/>
                                         </p:tgtEl>
                                       </p:cBhvr>
                                     </p:animEffect>
@@ -11349,7 +9985,7 @@
                                           </p:stCondLst>
                                         </p:cTn>
                                         <p:tgtEl>
-                                          <p:spTgt spid="247"/>
+                                          <p:spTgt spid="337"/>
                                         </p:tgtEl>
                                         <p:attrNameLst>
                                           <p:attrName>style.visibility</p:attrName>
@@ -11363,7 +9999,7 @@
                                       <p:cBhvr>
                                         <p:cTn id="10" dur="1000"/>
                                         <p:tgtEl>
-                                          <p:spTgt spid="247"/>
+                                          <p:spTgt spid="337"/>
                                         </p:tgtEl>
                                       </p:cBhvr>
                                     </p:animEffect>
@@ -11384,7 +10020,7 @@
                                           </p:stCondLst>
                                         </p:cTn>
                                         <p:tgtEl>
-                                          <p:spTgt spid="248"/>
+                                          <p:spTgt spid="338"/>
                                         </p:tgtEl>
                                         <p:attrNameLst>
                                           <p:attrName>style.visibility</p:attrName>
@@ -11398,7 +10034,7 @@
                                       <p:cBhvr>
                                         <p:cTn id="13" dur="1000"/>
                                         <p:tgtEl>
-                                          <p:spTgt spid="248"/>
+                                          <p:spTgt spid="338"/>
                                         </p:tgtEl>
                                       </p:cBhvr>
                                     </p:animEffect>
@@ -11419,7 +10055,7 @@
                                           </p:stCondLst>
                                         </p:cTn>
                                         <p:tgtEl>
-                                          <p:spTgt spid="249"/>
+                                          <p:spTgt spid="339"/>
                                         </p:tgtEl>
                                         <p:attrNameLst>
                                           <p:attrName>style.visibility</p:attrName>
@@ -11433,7 +10069,7 @@
                                       <p:cBhvr>
                                         <p:cTn id="16" dur="1000"/>
                                         <p:tgtEl>
-                                          <p:spTgt spid="249"/>
+                                          <p:spTgt spid="339"/>
                                         </p:tgtEl>
                                       </p:cBhvr>
                                     </p:animEffect>
@@ -11454,7 +10090,7 @@
                                           </p:stCondLst>
                                         </p:cTn>
                                         <p:tgtEl>
-                                          <p:spTgt spid="250"/>
+                                          <p:spTgt spid="340"/>
                                         </p:tgtEl>
                                         <p:attrNameLst>
                                           <p:attrName>style.visibility</p:attrName>
@@ -11468,7 +10104,7 @@
                                       <p:cBhvr>
                                         <p:cTn id="19" dur="1000"/>
                                         <p:tgtEl>
-                                          <p:spTgt spid="250"/>
+                                          <p:spTgt spid="340"/>
                                         </p:tgtEl>
                                       </p:cBhvr>
                                     </p:animEffect>
@@ -11489,7 +10125,7 @@
                                           </p:stCondLst>
                                         </p:cTn>
                                         <p:tgtEl>
-                                          <p:spTgt spid="254"/>
+                                          <p:spTgt spid="341"/>
                                         </p:tgtEl>
                                         <p:attrNameLst>
                                           <p:attrName>style.visibility</p:attrName>
@@ -11503,753 +10139,7 @@
                                       <p:cBhvr>
                                         <p:cTn id="22" dur="1000"/>
                                         <p:tgtEl>
-                                          <p:spTgt spid="254"/>
-                                        </p:tgtEl>
-                                      </p:cBhvr>
-                                    </p:animEffect>
-                                  </p:childTnLst>
-                                </p:cTn>
-                              </p:par>
-                            </p:childTnLst>
-                          </p:cTn>
-                        </p:par>
-                      </p:childTnLst>
-                    </p:cTn>
-                  </p:par>
-                </p:childTnLst>
-              </p:cTn>
-              <p:prevCondLst>
-                <p:cond evt="onPrev" delay="0">
-                  <p:tgtEl>
-                    <p:sldTgt/>
-                  </p:tgtEl>
-                </p:cond>
-              </p:prevCondLst>
-              <p:nextCondLst>
-                <p:cond evt="onNext" delay="0">
-                  <p:tgtEl>
-                    <p:sldTgt/>
-                  </p:tgtEl>
-                </p:cond>
-              </p:nextCondLst>
-            </p:seq>
-          </p:childTnLst>
-        </p:cTn>
-      </p:par>
-    </p:tnLst>
-    <p:bldLst>
-      <p:bldP spid="246" grpId="0" animBg="1"/>
-      <p:bldP spid="247" grpId="0" animBg="1"/>
-      <p:bldP spid="248" grpId="0" animBg="1"/>
-      <p:bldP spid="249" grpId="0" animBg="1"/>
-      <p:bldP spid="250" grpId="0" animBg="1"/>
-      <p:bldP spid="254" grpId="0" animBg="1"/>
-    </p:bldLst>
-  </p:timing>
-</p:sld>
-</file>
-
-<file path=ppt/slides/slide21.xml><?xml version="1.0" encoding="utf-8"?>
-<p:sld xmlns:a="http://schemas.openxmlformats.org/drawingml/2006/main" xmlns:r="http://schemas.openxmlformats.org/officeDocument/2006/relationships" xmlns:p="http://schemas.openxmlformats.org/presentationml/2006/main">
-  <p:cSld>
-    <p:bg>
-      <p:bgPr>
-        <a:solidFill>
-          <a:srgbClr val="FFFFFF"/>
-        </a:solidFill>
-        <a:effectLst/>
-      </p:bgPr>
-    </p:bg>
-    <p:spTree>
-      <p:nvGrpSpPr>
-        <p:cNvPr id="1" name=""/>
-        <p:cNvGrpSpPr/>
-        <p:nvPr/>
-      </p:nvGrpSpPr>
-      <p:grpSpPr>
-        <a:xfrm>
-          <a:off x="0" y="0"/>
-          <a:ext cx="0" cy="0"/>
-          <a:chOff x="0" y="0"/>
-          <a:chExt cx="0" cy="0"/>
-        </a:xfrm>
-      </p:grpSpPr>
-      <p:pic>
-        <p:nvPicPr>
-          <p:cNvPr id="258" name="Picture 1"/>
-          <p:cNvPicPr>
-            <a:picLocks noChangeAspect="1"/>
-          </p:cNvPicPr>
-          <p:nvPr/>
-        </p:nvPicPr>
-        <p:blipFill>
-          <a:blip r:embed="rId2"/>
-          <a:stretch>
-            <a:fillRect/>
-          </a:stretch>
-        </p:blipFill>
-        <p:spPr>
-          <a:xfrm>
-            <a:off x="4953635" y="1779016"/>
-            <a:ext cx="1655393" cy="2770250"/>
-          </a:xfrm>
-          <a:prstGeom prst="rect">
-            <a:avLst/>
-          </a:prstGeom>
-        </p:spPr>
-      </p:pic>
-      <p:pic>
-        <p:nvPicPr>
-          <p:cNvPr id="259" name="Picture 2"/>
-          <p:cNvPicPr>
-            <a:picLocks noChangeAspect="1"/>
-          </p:cNvPicPr>
-          <p:nvPr/>
-        </p:nvPicPr>
-        <p:blipFill>
-          <a:blip r:embed="rId3"/>
-          <a:stretch>
-            <a:fillRect/>
-          </a:stretch>
-        </p:blipFill>
-        <p:spPr>
-          <a:xfrm>
-            <a:off x="4041902" y="486156"/>
-            <a:ext cx="3472786" cy="820414"/>
-          </a:xfrm>
-          <a:prstGeom prst="rect">
-            <a:avLst/>
-          </a:prstGeom>
-        </p:spPr>
-      </p:pic>
-      <p:sp>
-        <p:nvSpPr>
-          <p:cNvPr id="260" name="TextBox 3"/>
-          <p:cNvSpPr txBox="1"/>
-          <p:nvPr/>
-        </p:nvSpPr>
-        <p:spPr>
-          <a:xfrm>
-            <a:off x="4266438" y="776224"/>
-            <a:ext cx="2846388" cy="406400"/>
-          </a:xfrm>
-          <a:prstGeom prst="rect">
-            <a:avLst/>
-          </a:prstGeom>
-        </p:spPr>
-        <p:txBody>
-          <a:bodyPr lIns="0" tIns="0" rIns="0" bIns="0" rtlCol="0" anchor="t">
-            <a:spAutoFit/>
-          </a:bodyPr>
-          <a:lstStyle/>
-          <a:p>
-            <a:pPr algn="ctr" latinLnBrk="1"/>
-            <a:r>
-              <a:rPr lang="en-US" sz="2300">
-                <a:solidFill>
-                  <a:srgbClr val="000000"/>
-                </a:solidFill>
-                <a:latin typeface="Microsoft YaHei"/>
-                <a:ea typeface="Microsoft YaHei"/>
-              </a:rPr>
-              <a:t>在这里填写标题</a:t>
-            </a:r>
-            <a:endParaRPr lang="en-US" sz="1100"/>
-          </a:p>
-        </p:txBody>
-      </p:sp>
-      <p:pic>
-        <p:nvPicPr>
-          <p:cNvPr id="261" name="Picture 4"/>
-          <p:cNvPicPr>
-            <a:picLocks noChangeAspect="1"/>
-          </p:cNvPicPr>
-          <p:nvPr/>
-        </p:nvPicPr>
-        <p:blipFill>
-          <a:blip r:embed="rId4"/>
-          <a:stretch>
-            <a:fillRect/>
-          </a:stretch>
-        </p:blipFill>
-        <p:spPr>
-          <a:xfrm>
-            <a:off x="2204212" y="1771650"/>
-            <a:ext cx="1521779" cy="2766872"/>
-          </a:xfrm>
-          <a:prstGeom prst="rect">
-            <a:avLst/>
-          </a:prstGeom>
-        </p:spPr>
-      </p:pic>
-      <p:pic>
-        <p:nvPicPr>
-          <p:cNvPr id="262" name="Picture 5"/>
-          <p:cNvPicPr>
-            <a:picLocks noChangeAspect="1"/>
-          </p:cNvPicPr>
-          <p:nvPr/>
-        </p:nvPicPr>
-        <p:blipFill>
-          <a:blip r:embed="rId5"/>
-          <a:stretch>
-            <a:fillRect/>
-          </a:stretch>
-        </p:blipFill>
-        <p:spPr>
-          <a:xfrm>
-            <a:off x="3989578" y="3165602"/>
-            <a:ext cx="745654" cy="686658"/>
-          </a:xfrm>
-          <a:prstGeom prst="rect">
-            <a:avLst/>
-          </a:prstGeom>
-        </p:spPr>
-      </p:pic>
-      <p:pic>
-        <p:nvPicPr>
-          <p:cNvPr id="263" name="Picture 6"/>
-          <p:cNvPicPr>
-            <a:picLocks noChangeAspect="1"/>
-          </p:cNvPicPr>
-          <p:nvPr/>
-        </p:nvPicPr>
-        <p:blipFill>
-          <a:blip r:embed="rId6"/>
-          <a:stretch>
-            <a:fillRect/>
-          </a:stretch>
-        </p:blipFill>
-        <p:spPr>
-          <a:xfrm>
-            <a:off x="7813167" y="1777238"/>
-            <a:ext cx="1533773" cy="2770250"/>
-          </a:xfrm>
-          <a:prstGeom prst="rect">
-            <a:avLst/>
-          </a:prstGeom>
-        </p:spPr>
-      </p:pic>
-      <p:pic>
-        <p:nvPicPr>
-          <p:cNvPr id="264" name="Picture 7"/>
-          <p:cNvPicPr>
-            <a:picLocks noChangeAspect="1"/>
-          </p:cNvPicPr>
-          <p:nvPr/>
-        </p:nvPicPr>
-        <p:blipFill>
-          <a:blip r:embed="rId5"/>
-          <a:stretch>
-            <a:fillRect/>
-          </a:stretch>
-        </p:blipFill>
-        <p:spPr>
-          <a:xfrm>
-            <a:off x="6914261" y="3163570"/>
-            <a:ext cx="745654" cy="686658"/>
-          </a:xfrm>
-          <a:prstGeom prst="rect">
-            <a:avLst/>
-          </a:prstGeom>
-        </p:spPr>
-      </p:pic>
-      <p:grpSp>
-        <p:nvGrpSpPr>
-          <p:cNvPr id="265" name="Group 8"/>
-          <p:cNvGrpSpPr/>
-          <p:nvPr/>
-        </p:nvGrpSpPr>
-        <p:grpSpPr>
-          <a:xfrm>
-            <a:off x="1737868" y="4831334"/>
-            <a:ext cx="2216404" cy="1031113"/>
-            <a:chOff x="1737868" y="4831334"/>
-            <a:chExt cx="2216404" cy="1031113"/>
-          </a:xfrm>
-        </p:grpSpPr>
-        <p:sp>
-          <p:nvSpPr>
-            <p:cNvPr id="266" name="TextBox 265"/>
-            <p:cNvSpPr txBox="1"/>
-            <p:nvPr/>
-          </p:nvSpPr>
-          <p:spPr>
-            <a:xfrm>
-              <a:off x="1737868" y="4831334"/>
-              <a:ext cx="2216404" cy="355600"/>
-            </a:xfrm>
-            <a:prstGeom prst="rect">
-              <a:avLst/>
-            </a:prstGeom>
-          </p:spPr>
-          <p:txBody>
-            <a:bodyPr lIns="0" tIns="0" rIns="0" bIns="0" rtlCol="0" anchor="t">
-              <a:spAutoFit/>
-            </a:bodyPr>
-            <a:lstStyle/>
-            <a:p>
-              <a:pPr algn="ctr" latinLnBrk="1"/>
-              <a:r>
-                <a:rPr lang="en-US" sz="2000">
-                  <a:solidFill>
-                    <a:srgbClr val="000000"/>
-                  </a:solidFill>
-                  <a:latin typeface="Microsoft YaHei"/>
-                  <a:ea typeface="Microsoft YaHei"/>
-                </a:rPr>
-                <a:t>在这里添加标题</a:t>
-              </a:r>
-              <a:endParaRPr lang="en-US" sz="1100"/>
-            </a:p>
-          </p:txBody>
-        </p:sp>
-        <p:sp>
-          <p:nvSpPr>
-            <p:cNvPr id="267" name="TextBox 266"/>
-            <p:cNvSpPr txBox="1"/>
-            <p:nvPr/>
-          </p:nvSpPr>
-          <p:spPr>
-            <a:xfrm>
-              <a:off x="1745742" y="5221097"/>
-              <a:ext cx="2168588" cy="641350"/>
-            </a:xfrm>
-            <a:prstGeom prst="rect">
-              <a:avLst/>
-            </a:prstGeom>
-          </p:spPr>
-          <p:txBody>
-            <a:bodyPr lIns="0" tIns="0" rIns="0" bIns="0" rtlCol="0" anchor="t">
-              <a:spAutoFit/>
-            </a:bodyPr>
-            <a:lstStyle/>
-            <a:p>
-              <a:pPr algn="ctr" latinLnBrk="1"/>
-              <a:r>
-                <a:rPr lang="en-US" sz="1200">
-                  <a:solidFill>
-                    <a:srgbClr val="000000"/>
-                  </a:solidFill>
-                  <a:latin typeface="Microsoft YaHei"/>
-                  <a:ea typeface="Microsoft YaHei"/>
-                </a:rPr>
-                <a:t>在这里填写内容详情描述在这里填写内容详情描述在这里填写内容详情描述</a:t>
-              </a:r>
-              <a:endParaRPr lang="en-US" sz="1100"/>
-            </a:p>
-          </p:txBody>
-        </p:sp>
-      </p:grpSp>
-      <p:grpSp>
-        <p:nvGrpSpPr>
-          <p:cNvPr id="268" name="Group 9"/>
-          <p:cNvGrpSpPr/>
-          <p:nvPr/>
-        </p:nvGrpSpPr>
-        <p:grpSpPr>
-          <a:xfrm>
-            <a:off x="4686300" y="4826000"/>
-            <a:ext cx="2216404" cy="1035050"/>
-            <a:chOff x="4686300" y="4826000"/>
-            <a:chExt cx="2216404" cy="1035050"/>
-          </a:xfrm>
-        </p:grpSpPr>
-        <p:sp>
-          <p:nvSpPr>
-            <p:cNvPr id="269" name="TextBox 268"/>
-            <p:cNvSpPr txBox="1"/>
-            <p:nvPr/>
-          </p:nvSpPr>
-          <p:spPr>
-            <a:xfrm>
-              <a:off x="4686300" y="4826000"/>
-              <a:ext cx="2216404" cy="355600"/>
-            </a:xfrm>
-            <a:prstGeom prst="rect">
-              <a:avLst/>
-            </a:prstGeom>
-          </p:spPr>
-          <p:txBody>
-            <a:bodyPr lIns="0" tIns="0" rIns="0" bIns="0" rtlCol="0" anchor="t">
-              <a:spAutoFit/>
-            </a:bodyPr>
-            <a:lstStyle/>
-            <a:p>
-              <a:pPr algn="ctr" latinLnBrk="1"/>
-              <a:r>
-                <a:rPr lang="en-US" sz="2000">
-                  <a:solidFill>
-                    <a:srgbClr val="000000"/>
-                  </a:solidFill>
-                  <a:latin typeface="Microsoft YaHei"/>
-                  <a:ea typeface="Microsoft YaHei"/>
-                </a:rPr>
-                <a:t>在这里添加标题</a:t>
-              </a:r>
-              <a:endParaRPr lang="en-US" sz="1100"/>
-            </a:p>
-          </p:txBody>
-        </p:sp>
-        <p:sp>
-          <p:nvSpPr>
-            <p:cNvPr id="270" name="TextBox 269"/>
-            <p:cNvSpPr txBox="1"/>
-            <p:nvPr/>
-          </p:nvSpPr>
-          <p:spPr>
-            <a:xfrm>
-              <a:off x="4699000" y="5219700"/>
-              <a:ext cx="2168588" cy="641350"/>
-            </a:xfrm>
-            <a:prstGeom prst="rect">
-              <a:avLst/>
-            </a:prstGeom>
-          </p:spPr>
-          <p:txBody>
-            <a:bodyPr lIns="0" tIns="0" rIns="0" bIns="0" rtlCol="0" anchor="t">
-              <a:spAutoFit/>
-            </a:bodyPr>
-            <a:lstStyle/>
-            <a:p>
-              <a:pPr algn="ctr" latinLnBrk="1"/>
-              <a:r>
-                <a:rPr lang="en-US" sz="1200">
-                  <a:solidFill>
-                    <a:srgbClr val="000000"/>
-                  </a:solidFill>
-                  <a:latin typeface="Microsoft YaHei"/>
-                  <a:ea typeface="Microsoft YaHei"/>
-                </a:rPr>
-                <a:t>在这里填写内容详情描述在这里填写内容详情描述在这里填写内容详情描述</a:t>
-              </a:r>
-              <a:endParaRPr lang="en-US" sz="1100"/>
-            </a:p>
-          </p:txBody>
-        </p:sp>
-      </p:grpSp>
-      <p:grpSp>
-        <p:nvGrpSpPr>
-          <p:cNvPr id="271" name="Group 10"/>
-          <p:cNvGrpSpPr/>
-          <p:nvPr/>
-        </p:nvGrpSpPr>
-        <p:grpSpPr>
-          <a:xfrm>
-            <a:off x="7505700" y="4826000"/>
-            <a:ext cx="2216404" cy="1035050"/>
-            <a:chOff x="7505700" y="4826000"/>
-            <a:chExt cx="2216404" cy="1035050"/>
-          </a:xfrm>
-        </p:grpSpPr>
-        <p:sp>
-          <p:nvSpPr>
-            <p:cNvPr id="272" name="TextBox 271"/>
-            <p:cNvSpPr txBox="1"/>
-            <p:nvPr/>
-          </p:nvSpPr>
-          <p:spPr>
-            <a:xfrm>
-              <a:off x="7505700" y="4826000"/>
-              <a:ext cx="2216404" cy="355600"/>
-            </a:xfrm>
-            <a:prstGeom prst="rect">
-              <a:avLst/>
-            </a:prstGeom>
-          </p:spPr>
-          <p:txBody>
-            <a:bodyPr lIns="0" tIns="0" rIns="0" bIns="0" rtlCol="0" anchor="t">
-              <a:spAutoFit/>
-            </a:bodyPr>
-            <a:lstStyle/>
-            <a:p>
-              <a:pPr algn="ctr" latinLnBrk="1"/>
-              <a:r>
-                <a:rPr lang="en-US" sz="2000">
-                  <a:solidFill>
-                    <a:srgbClr val="000000"/>
-                  </a:solidFill>
-                  <a:latin typeface="Microsoft YaHei"/>
-                  <a:ea typeface="Microsoft YaHei"/>
-                </a:rPr>
-                <a:t>在这里添加标题</a:t>
-              </a:r>
-              <a:endParaRPr lang="en-US" sz="1100"/>
-            </a:p>
-          </p:txBody>
-        </p:sp>
-        <p:sp>
-          <p:nvSpPr>
-            <p:cNvPr id="273" name="TextBox 272"/>
-            <p:cNvSpPr txBox="1"/>
-            <p:nvPr/>
-          </p:nvSpPr>
-          <p:spPr>
-            <a:xfrm>
-              <a:off x="7505700" y="5219700"/>
-              <a:ext cx="2168588" cy="641350"/>
-            </a:xfrm>
-            <a:prstGeom prst="rect">
-              <a:avLst/>
-            </a:prstGeom>
-          </p:spPr>
-          <p:txBody>
-            <a:bodyPr lIns="0" tIns="0" rIns="0" bIns="0" rtlCol="0" anchor="t">
-              <a:spAutoFit/>
-            </a:bodyPr>
-            <a:lstStyle/>
-            <a:p>
-              <a:pPr algn="ctr" latinLnBrk="1"/>
-              <a:r>
-                <a:rPr lang="en-US" sz="1200">
-                  <a:solidFill>
-                    <a:srgbClr val="000000"/>
-                  </a:solidFill>
-                  <a:latin typeface="Microsoft YaHei"/>
-                  <a:ea typeface="Microsoft YaHei"/>
-                </a:rPr>
-                <a:t>在这里填写内容详情描述在这里填写内容详情描述在这里填写内容详情描述</a:t>
-              </a:r>
-              <a:endParaRPr lang="en-US" sz="1100"/>
-            </a:p>
-          </p:txBody>
-        </p:sp>
-      </p:grpSp>
-    </p:spTree>
-  </p:cSld>
-  <p:clrMapOvr>
-    <a:masterClrMapping/>
-  </p:clrMapOvr>
-  <p:transition spd="med">
-    <p:fade/>
-  </p:transition>
-  <p:timing>
-    <p:tnLst>
-      <p:par>
-        <p:cTn id="1" dur="indefinite" restart="never" nodeType="tmRoot">
-          <p:childTnLst>
-            <p:seq concurrent="1" nextAc="seek">
-              <p:cTn id="2" dur="indefinite" nodeType="mainSeq">
-                <p:childTnLst>
-                  <p:par>
-                    <p:cTn id="3" fill="hold">
-                      <p:stCondLst>
-                        <p:cond delay="indefinite"/>
-                        <p:cond evt="onBegin" delay="0">
-                          <p:tn val="2"/>
-                        </p:cond>
-                      </p:stCondLst>
-                      <p:childTnLst>
-                        <p:par>
-                          <p:cTn id="4" fill="hold">
-                            <p:stCondLst>
-                              <p:cond delay="0"/>
-                            </p:stCondLst>
-                            <p:childTnLst>
-                              <p:par>
-                                <p:cTn id="5" presetID="10" presetClass="entr" presetSubtype="0" fill="hold" grpId="0" nodeType="withEffect">
-                                  <p:stCondLst>
-                                    <p:cond delay="0"/>
-                                  </p:stCondLst>
-                                  <p:childTnLst>
-                                    <p:set>
-                                      <p:cBhvr>
-                                        <p:cTn id="6" dur="1" fill="hold">
-                                          <p:stCondLst>
-                                            <p:cond delay="0"/>
-                                          </p:stCondLst>
-                                        </p:cTn>
-                                        <p:tgtEl>
-                                          <p:spTgt spid="258"/>
-                                        </p:tgtEl>
-                                        <p:attrNameLst>
-                                          <p:attrName>style.visibility</p:attrName>
-                                        </p:attrNameLst>
-                                      </p:cBhvr>
-                                      <p:to>
-                                        <p:strVal val="visible"/>
-                                      </p:to>
-                                    </p:set>
-                                    <p:animEffect transition="in" filter="fade">
-                                      <p:cBhvr>
-                                        <p:cTn id="7" dur="1000"/>
-                                        <p:tgtEl>
-                                          <p:spTgt spid="258"/>
-                                        </p:tgtEl>
-                                      </p:cBhvr>
-                                    </p:animEffect>
-                                  </p:childTnLst>
-                                </p:cTn>
-                              </p:par>
-                              <p:par>
-                                <p:cTn id="8" presetID="10" presetClass="entr" presetSubtype="0" fill="hold" grpId="0" nodeType="withEffect">
-                                  <p:stCondLst>
-                                    <p:cond delay="0"/>
-                                  </p:stCondLst>
-                                  <p:childTnLst>
-                                    <p:set>
-                                      <p:cBhvr>
-                                        <p:cTn id="9" dur="1" fill="hold">
-                                          <p:stCondLst>
-                                            <p:cond delay="0"/>
-                                          </p:stCondLst>
-                                        </p:cTn>
-                                        <p:tgtEl>
-                                          <p:spTgt spid="259"/>
-                                        </p:tgtEl>
-                                        <p:attrNameLst>
-                                          <p:attrName>style.visibility</p:attrName>
-                                        </p:attrNameLst>
-                                      </p:cBhvr>
-                                      <p:to>
-                                        <p:strVal val="visible"/>
-                                      </p:to>
-                                    </p:set>
-                                    <p:animEffect transition="in" filter="fade">
-                                      <p:cBhvr>
-                                        <p:cTn id="10" dur="1000"/>
-                                        <p:tgtEl>
-                                          <p:spTgt spid="259"/>
-                                        </p:tgtEl>
-                                      </p:cBhvr>
-                                    </p:animEffect>
-                                  </p:childTnLst>
-                                </p:cTn>
-                              </p:par>
-                              <p:par>
-                                <p:cTn id="11" presetID="10" presetClass="entr" presetSubtype="0" fill="hold" grpId="0" nodeType="withEffect">
-                                  <p:stCondLst>
-                                    <p:cond delay="0"/>
-                                  </p:stCondLst>
-                                  <p:childTnLst>
-                                    <p:set>
-                                      <p:cBhvr>
-                                        <p:cTn id="12" dur="1" fill="hold">
-                                          <p:stCondLst>
-                                            <p:cond delay="0"/>
-                                          </p:stCondLst>
-                                        </p:cTn>
-                                        <p:tgtEl>
-                                          <p:spTgt spid="260"/>
-                                        </p:tgtEl>
-                                        <p:attrNameLst>
-                                          <p:attrName>style.visibility</p:attrName>
-                                        </p:attrNameLst>
-                                      </p:cBhvr>
-                                      <p:to>
-                                        <p:strVal val="visible"/>
-                                      </p:to>
-                                    </p:set>
-                                    <p:animEffect transition="in" filter="fade">
-                                      <p:cBhvr>
-                                        <p:cTn id="13" dur="1000"/>
-                                        <p:tgtEl>
-                                          <p:spTgt spid="260"/>
-                                        </p:tgtEl>
-                                      </p:cBhvr>
-                                    </p:animEffect>
-                                  </p:childTnLst>
-                                </p:cTn>
-                              </p:par>
-                              <p:par>
-                                <p:cTn id="14" presetID="10" presetClass="entr" presetSubtype="0" fill="hold" grpId="0" nodeType="withEffect">
-                                  <p:stCondLst>
-                                    <p:cond delay="0"/>
-                                  </p:stCondLst>
-                                  <p:childTnLst>
-                                    <p:set>
-                                      <p:cBhvr>
-                                        <p:cTn id="15" dur="1" fill="hold">
-                                          <p:stCondLst>
-                                            <p:cond delay="0"/>
-                                          </p:stCondLst>
-                                        </p:cTn>
-                                        <p:tgtEl>
-                                          <p:spTgt spid="261"/>
-                                        </p:tgtEl>
-                                        <p:attrNameLst>
-                                          <p:attrName>style.visibility</p:attrName>
-                                        </p:attrNameLst>
-                                      </p:cBhvr>
-                                      <p:to>
-                                        <p:strVal val="visible"/>
-                                      </p:to>
-                                    </p:set>
-                                    <p:animEffect transition="in" filter="fade">
-                                      <p:cBhvr>
-                                        <p:cTn id="16" dur="1000"/>
-                                        <p:tgtEl>
-                                          <p:spTgt spid="261"/>
-                                        </p:tgtEl>
-                                      </p:cBhvr>
-                                    </p:animEffect>
-                                  </p:childTnLst>
-                                </p:cTn>
-                              </p:par>
-                              <p:par>
-                                <p:cTn id="17" presetID="10" presetClass="entr" presetSubtype="0" fill="hold" grpId="0" nodeType="withEffect">
-                                  <p:stCondLst>
-                                    <p:cond delay="0"/>
-                                  </p:stCondLst>
-                                  <p:childTnLst>
-                                    <p:set>
-                                      <p:cBhvr>
-                                        <p:cTn id="18" dur="1" fill="hold">
-                                          <p:stCondLst>
-                                            <p:cond delay="0"/>
-                                          </p:stCondLst>
-                                        </p:cTn>
-                                        <p:tgtEl>
-                                          <p:spTgt spid="262"/>
-                                        </p:tgtEl>
-                                        <p:attrNameLst>
-                                          <p:attrName>style.visibility</p:attrName>
-                                        </p:attrNameLst>
-                                      </p:cBhvr>
-                                      <p:to>
-                                        <p:strVal val="visible"/>
-                                      </p:to>
-                                    </p:set>
-                                    <p:animEffect transition="in" filter="fade">
-                                      <p:cBhvr>
-                                        <p:cTn id="19" dur="1000"/>
-                                        <p:tgtEl>
-                                          <p:spTgt spid="262"/>
-                                        </p:tgtEl>
-                                      </p:cBhvr>
-                                    </p:animEffect>
-                                  </p:childTnLst>
-                                </p:cTn>
-                              </p:par>
-                              <p:par>
-                                <p:cTn id="20" presetID="10" presetClass="entr" presetSubtype="0" fill="hold" grpId="0" nodeType="withEffect">
-                                  <p:stCondLst>
-                                    <p:cond delay="0"/>
-                                  </p:stCondLst>
-                                  <p:childTnLst>
-                                    <p:set>
-                                      <p:cBhvr>
-                                        <p:cTn id="21" dur="1" fill="hold">
-                                          <p:stCondLst>
-                                            <p:cond delay="0"/>
-                                          </p:stCondLst>
-                                        </p:cTn>
-                                        <p:tgtEl>
-                                          <p:spTgt spid="263"/>
-                                        </p:tgtEl>
-                                        <p:attrNameLst>
-                                          <p:attrName>style.visibility</p:attrName>
-                                        </p:attrNameLst>
-                                      </p:cBhvr>
-                                      <p:to>
-                                        <p:strVal val="visible"/>
-                                      </p:to>
-                                    </p:set>
-                                    <p:animEffect transition="in" filter="fade">
-                                      <p:cBhvr>
-                                        <p:cTn id="22" dur="1000"/>
-                                        <p:tgtEl>
-                                          <p:spTgt spid="263"/>
+                                          <p:spTgt spid="341"/>
                                         </p:tgtEl>
                                       </p:cBhvr>
                                     </p:animEffect>
@@ -12270,7 +10160,7 @@
                                           </p:stCondLst>
                                         </p:cTn>
                                         <p:tgtEl>
-                                          <p:spTgt spid="264"/>
+                                          <p:spTgt spid="342"/>
                                         </p:tgtEl>
                                         <p:attrNameLst>
                                           <p:attrName>style.visibility</p:attrName>
@@ -12284,7 +10174,7 @@
                                       <p:cBhvr>
                                         <p:cTn id="25" dur="1000"/>
                                         <p:tgtEl>
-                                          <p:spTgt spid="264"/>
+                                          <p:spTgt spid="342"/>
                                         </p:tgtEl>
                                       </p:cBhvr>
                                     </p:animEffect>
@@ -12305,7 +10195,7 @@
                                           </p:stCondLst>
                                         </p:cTn>
                                         <p:tgtEl>
-                                          <p:spTgt spid="265"/>
+                                          <p:spTgt spid="343"/>
                                         </p:tgtEl>
                                         <p:attrNameLst>
                                           <p:attrName>style.visibility</p:attrName>
@@ -12319,7 +10209,7 @@
                                       <p:cBhvr>
                                         <p:cTn id="28" dur="1000"/>
                                         <p:tgtEl>
-                                          <p:spTgt spid="265"/>
+                                          <p:spTgt spid="343"/>
                                         </p:tgtEl>
                                       </p:cBhvr>
                                     </p:animEffect>
@@ -12340,7 +10230,7 @@
                                           </p:stCondLst>
                                         </p:cTn>
                                         <p:tgtEl>
-                                          <p:spTgt spid="268"/>
+                                          <p:spTgt spid="344"/>
                                         </p:tgtEl>
                                         <p:attrNameLst>
                                           <p:attrName>style.visibility</p:attrName>
@@ -12354,3920 +10244,7 @@
                                       <p:cBhvr>
                                         <p:cTn id="31" dur="1000"/>
                                         <p:tgtEl>
-                                          <p:spTgt spid="268"/>
-                                        </p:tgtEl>
-                                      </p:cBhvr>
-                                    </p:animEffect>
-                                  </p:childTnLst>
-                                </p:cTn>
-                              </p:par>
-                              <p:par>
-                                <p:cTn id="32" presetID="10" presetClass="entr" presetSubtype="0" fill="hold" grpId="0" nodeType="withEffect">
-                                  <p:stCondLst>
-                                    <p:cond delay="0"/>
-                                  </p:stCondLst>
-                                  <p:childTnLst>
-                                    <p:set>
-                                      <p:cBhvr>
-                                        <p:cTn id="33" dur="1" fill="hold">
-                                          <p:stCondLst>
-                                            <p:cond delay="0"/>
-                                          </p:stCondLst>
-                                        </p:cTn>
-                                        <p:tgtEl>
-                                          <p:spTgt spid="271"/>
-                                        </p:tgtEl>
-                                        <p:attrNameLst>
-                                          <p:attrName>style.visibility</p:attrName>
-                                        </p:attrNameLst>
-                                      </p:cBhvr>
-                                      <p:to>
-                                        <p:strVal val="visible"/>
-                                      </p:to>
-                                    </p:set>
-                                    <p:animEffect transition="in" filter="fade">
-                                      <p:cBhvr>
-                                        <p:cTn id="34" dur="1000"/>
-                                        <p:tgtEl>
-                                          <p:spTgt spid="271"/>
-                                        </p:tgtEl>
-                                      </p:cBhvr>
-                                    </p:animEffect>
-                                  </p:childTnLst>
-                                </p:cTn>
-                              </p:par>
-                            </p:childTnLst>
-                          </p:cTn>
-                        </p:par>
-                      </p:childTnLst>
-                    </p:cTn>
-                  </p:par>
-                </p:childTnLst>
-              </p:cTn>
-              <p:prevCondLst>
-                <p:cond evt="onPrev" delay="0">
-                  <p:tgtEl>
-                    <p:sldTgt/>
-                  </p:tgtEl>
-                </p:cond>
-              </p:prevCondLst>
-              <p:nextCondLst>
-                <p:cond evt="onNext" delay="0">
-                  <p:tgtEl>
-                    <p:sldTgt/>
-                  </p:tgtEl>
-                </p:cond>
-              </p:nextCondLst>
-            </p:seq>
-          </p:childTnLst>
-        </p:cTn>
-      </p:par>
-    </p:tnLst>
-    <p:bldLst>
-      <p:bldP spid="258" grpId="0" animBg="1"/>
-      <p:bldP spid="259" grpId="0" animBg="1"/>
-      <p:bldP spid="260" grpId="0" animBg="1"/>
-      <p:bldP spid="261" grpId="0" animBg="1"/>
-      <p:bldP spid="262" grpId="0" animBg="1"/>
-      <p:bldP spid="263" grpId="0" animBg="1"/>
-      <p:bldP spid="264" grpId="0" animBg="1"/>
-      <p:bldP spid="265" grpId="0" animBg="1"/>
-      <p:bldP spid="268" grpId="0" animBg="1"/>
-      <p:bldP spid="271" grpId="0" animBg="1"/>
-    </p:bldLst>
-  </p:timing>
-</p:sld>
-</file>
-
-<file path=ppt/slides/slide22.xml><?xml version="1.0" encoding="utf-8"?>
-<p:sld xmlns:a="http://schemas.openxmlformats.org/drawingml/2006/main" xmlns:r="http://schemas.openxmlformats.org/officeDocument/2006/relationships" xmlns:p="http://schemas.openxmlformats.org/presentationml/2006/main">
-  <p:cSld>
-    <p:bg>
-      <p:bgPr>
-        <a:solidFill>
-          <a:srgbClr val="FFFFFF"/>
-        </a:solidFill>
-        <a:effectLst/>
-      </p:bgPr>
-    </p:bg>
-    <p:spTree>
-      <p:nvGrpSpPr>
-        <p:cNvPr id="1" name=""/>
-        <p:cNvGrpSpPr/>
-        <p:nvPr/>
-      </p:nvGrpSpPr>
-      <p:grpSpPr>
-        <a:xfrm>
-          <a:off x="0" y="0"/>
-          <a:ext cx="0" cy="0"/>
-          <a:chOff x="0" y="0"/>
-          <a:chExt cx="0" cy="0"/>
-        </a:xfrm>
-      </p:grpSpPr>
-      <p:pic>
-        <p:nvPicPr>
-          <p:cNvPr id="274" name="Picture 1"/>
-          <p:cNvPicPr>
-            <a:picLocks noChangeAspect="1"/>
-          </p:cNvPicPr>
-          <p:nvPr/>
-        </p:nvPicPr>
-        <p:blipFill>
-          <a:blip r:embed="rId2"/>
-          <a:stretch>
-            <a:fillRect/>
-          </a:stretch>
-        </p:blipFill>
-        <p:spPr>
-          <a:xfrm>
-            <a:off x="4374769" y="814578"/>
-            <a:ext cx="3243915" cy="3704754"/>
-          </a:xfrm>
-          <a:prstGeom prst="rect">
-            <a:avLst/>
-          </a:prstGeom>
-        </p:spPr>
-      </p:pic>
-      <p:pic>
-        <p:nvPicPr>
-          <p:cNvPr id="275" name="Picture 2"/>
-          <p:cNvPicPr>
-            <a:picLocks noChangeAspect="1"/>
-          </p:cNvPicPr>
-          <p:nvPr/>
-        </p:nvPicPr>
-        <p:blipFill>
-          <a:blip r:embed="rId3"/>
-          <a:stretch>
-            <a:fillRect/>
-          </a:stretch>
-        </p:blipFill>
-        <p:spPr>
-          <a:xfrm>
-            <a:off x="2889250" y="5138674"/>
-            <a:ext cx="5778500" cy="434018"/>
-          </a:xfrm>
-          <a:prstGeom prst="rect">
-            <a:avLst/>
-          </a:prstGeom>
-        </p:spPr>
-      </p:pic>
-      <p:pic>
-        <p:nvPicPr>
-          <p:cNvPr id="276" name="Picture 3"/>
-          <p:cNvPicPr>
-            <a:picLocks noChangeAspect="1"/>
-          </p:cNvPicPr>
-          <p:nvPr/>
-        </p:nvPicPr>
-        <p:blipFill>
-          <a:blip r:embed="rId4"/>
-          <a:stretch>
-            <a:fillRect/>
-          </a:stretch>
-        </p:blipFill>
-        <p:spPr>
-          <a:xfrm>
-            <a:off x="3105277" y="3244850"/>
-            <a:ext cx="1351331" cy="1092940"/>
-          </a:xfrm>
-          <a:prstGeom prst="rect">
-            <a:avLst/>
-          </a:prstGeom>
-        </p:spPr>
-      </p:pic>
-      <p:grpSp>
-        <p:nvGrpSpPr>
-          <p:cNvPr id="277" name="Group 4"/>
-          <p:cNvGrpSpPr/>
-          <p:nvPr/>
-        </p:nvGrpSpPr>
-        <p:grpSpPr>
-          <a:xfrm>
-            <a:off x="4546346" y="4896485"/>
-            <a:ext cx="3031172" cy="533400"/>
-            <a:chOff x="4546346" y="4896485"/>
-            <a:chExt cx="3031172" cy="533400"/>
-          </a:xfrm>
-        </p:grpSpPr>
-        <p:sp>
-          <p:nvSpPr>
-            <p:cNvPr id="278" name="TextBox 277"/>
-            <p:cNvSpPr txBox="1"/>
-            <p:nvPr/>
-          </p:nvSpPr>
-          <p:spPr>
-            <a:xfrm>
-              <a:off x="4546346" y="4896485"/>
-              <a:ext cx="3031172" cy="533400"/>
-            </a:xfrm>
-            <a:prstGeom prst="rect">
-              <a:avLst/>
-            </a:prstGeom>
-          </p:spPr>
-          <p:txBody>
-            <a:bodyPr lIns="0" tIns="0" rIns="0" bIns="0" rtlCol="0" anchor="t">
-              <a:spAutoFit/>
-            </a:bodyPr>
-            <a:lstStyle/>
-            <a:p>
-              <a:pPr algn="ctr" latinLnBrk="1"/>
-              <a:r>
-                <a:rPr lang="en-US" sz="3000">
-                  <a:solidFill>
-                    <a:srgbClr val="000000"/>
-                  </a:solidFill>
-                  <a:latin typeface="Microsoft YaHei"/>
-                  <a:ea typeface="Microsoft YaHei"/>
-                </a:rPr>
-                <a:t>论文归纳</a:t>
-              </a:r>
-              <a:r>
-                <a:rPr lang="en-US" sz="3000">
-                  <a:solidFill>
-                    <a:srgbClr val="9DC3E6"/>
-                  </a:solidFill>
-                  <a:latin typeface="Microsoft YaHei"/>
-                  <a:ea typeface="Microsoft YaHei"/>
-                </a:rPr>
-                <a:t>总结</a:t>
-              </a:r>
-              <a:endParaRPr lang="en-US" sz="1100"/>
-            </a:p>
-          </p:txBody>
-        </p:sp>
-      </p:grpSp>
-    </p:spTree>
-  </p:cSld>
-  <p:clrMapOvr>
-    <a:masterClrMapping/>
-  </p:clrMapOvr>
-  <p:transition spd="med">
-    <p:fade/>
-  </p:transition>
-  <p:timing>
-    <p:tnLst>
-      <p:par>
-        <p:cTn id="1" dur="indefinite" restart="never" nodeType="tmRoot">
-          <p:childTnLst>
-            <p:seq concurrent="1" nextAc="seek">
-              <p:cTn id="2" dur="indefinite" nodeType="mainSeq">
-                <p:childTnLst>
-                  <p:par>
-                    <p:cTn id="3" fill="hold">
-                      <p:stCondLst>
-                        <p:cond delay="indefinite"/>
-                        <p:cond evt="onBegin" delay="0">
-                          <p:tn val="2"/>
-                        </p:cond>
-                      </p:stCondLst>
-                      <p:childTnLst>
-                        <p:par>
-                          <p:cTn id="4" fill="hold">
-                            <p:stCondLst>
-                              <p:cond delay="0"/>
-                            </p:stCondLst>
-                            <p:childTnLst>
-                              <p:par>
-                                <p:cTn id="5" presetID="10" presetClass="entr" presetSubtype="0" fill="hold" grpId="0" nodeType="withEffect">
-                                  <p:stCondLst>
-                                    <p:cond delay="0"/>
-                                  </p:stCondLst>
-                                  <p:childTnLst>
-                                    <p:set>
-                                      <p:cBhvr>
-                                        <p:cTn id="6" dur="1" fill="hold">
-                                          <p:stCondLst>
-                                            <p:cond delay="0"/>
-                                          </p:stCondLst>
-                                        </p:cTn>
-                                        <p:tgtEl>
-                                          <p:spTgt spid="274"/>
-                                        </p:tgtEl>
-                                        <p:attrNameLst>
-                                          <p:attrName>style.visibility</p:attrName>
-                                        </p:attrNameLst>
-                                      </p:cBhvr>
-                                      <p:to>
-                                        <p:strVal val="visible"/>
-                                      </p:to>
-                                    </p:set>
-                                    <p:animEffect transition="in" filter="fade">
-                                      <p:cBhvr>
-                                        <p:cTn id="7" dur="1000"/>
-                                        <p:tgtEl>
-                                          <p:spTgt spid="274"/>
-                                        </p:tgtEl>
-                                      </p:cBhvr>
-                                    </p:animEffect>
-                                  </p:childTnLst>
-                                </p:cTn>
-                              </p:par>
-                              <p:par>
-                                <p:cTn id="8" presetID="10" presetClass="entr" presetSubtype="0" fill="hold" grpId="0" nodeType="withEffect">
-                                  <p:stCondLst>
-                                    <p:cond delay="0"/>
-                                  </p:stCondLst>
-                                  <p:childTnLst>
-                                    <p:set>
-                                      <p:cBhvr>
-                                        <p:cTn id="9" dur="1" fill="hold">
-                                          <p:stCondLst>
-                                            <p:cond delay="0"/>
-                                          </p:stCondLst>
-                                        </p:cTn>
-                                        <p:tgtEl>
-                                          <p:spTgt spid="275"/>
-                                        </p:tgtEl>
-                                        <p:attrNameLst>
-                                          <p:attrName>style.visibility</p:attrName>
-                                        </p:attrNameLst>
-                                      </p:cBhvr>
-                                      <p:to>
-                                        <p:strVal val="visible"/>
-                                      </p:to>
-                                    </p:set>
-                                    <p:animEffect transition="in" filter="fade">
-                                      <p:cBhvr>
-                                        <p:cTn id="10" dur="1000"/>
-                                        <p:tgtEl>
-                                          <p:spTgt spid="275"/>
-                                        </p:tgtEl>
-                                      </p:cBhvr>
-                                    </p:animEffect>
-                                  </p:childTnLst>
-                                </p:cTn>
-                              </p:par>
-                              <p:par>
-                                <p:cTn id="11" presetID="10" presetClass="entr" presetSubtype="0" fill="hold" grpId="0" nodeType="withEffect">
-                                  <p:stCondLst>
-                                    <p:cond delay="0"/>
-                                  </p:stCondLst>
-                                  <p:childTnLst>
-                                    <p:set>
-                                      <p:cBhvr>
-                                        <p:cTn id="12" dur="1" fill="hold">
-                                          <p:stCondLst>
-                                            <p:cond delay="0"/>
-                                          </p:stCondLst>
-                                        </p:cTn>
-                                        <p:tgtEl>
-                                          <p:spTgt spid="276"/>
-                                        </p:tgtEl>
-                                        <p:attrNameLst>
-                                          <p:attrName>style.visibility</p:attrName>
-                                        </p:attrNameLst>
-                                      </p:cBhvr>
-                                      <p:to>
-                                        <p:strVal val="visible"/>
-                                      </p:to>
-                                    </p:set>
-                                    <p:animEffect transition="in" filter="fade">
-                                      <p:cBhvr>
-                                        <p:cTn id="13" dur="1000"/>
-                                        <p:tgtEl>
-                                          <p:spTgt spid="276"/>
-                                        </p:tgtEl>
-                                      </p:cBhvr>
-                                    </p:animEffect>
-                                  </p:childTnLst>
-                                </p:cTn>
-                              </p:par>
-                              <p:par>
-                                <p:cTn id="14" presetID="10" presetClass="entr" presetSubtype="0" fill="hold" grpId="0" nodeType="withEffect">
-                                  <p:stCondLst>
-                                    <p:cond delay="0"/>
-                                  </p:stCondLst>
-                                  <p:childTnLst>
-                                    <p:set>
-                                      <p:cBhvr>
-                                        <p:cTn id="15" dur="1" fill="hold">
-                                          <p:stCondLst>
-                                            <p:cond delay="0"/>
-                                          </p:stCondLst>
-                                        </p:cTn>
-                                        <p:tgtEl>
-                                          <p:spTgt spid="277"/>
-                                        </p:tgtEl>
-                                        <p:attrNameLst>
-                                          <p:attrName>style.visibility</p:attrName>
-                                        </p:attrNameLst>
-                                      </p:cBhvr>
-                                      <p:to>
-                                        <p:strVal val="visible"/>
-                                      </p:to>
-                                    </p:set>
-                                    <p:animEffect transition="in" filter="fade">
-                                      <p:cBhvr>
-                                        <p:cTn id="16" dur="1000"/>
-                                        <p:tgtEl>
-                                          <p:spTgt spid="277"/>
-                                        </p:tgtEl>
-                                      </p:cBhvr>
-                                    </p:animEffect>
-                                  </p:childTnLst>
-                                </p:cTn>
-                              </p:par>
-                            </p:childTnLst>
-                          </p:cTn>
-                        </p:par>
-                      </p:childTnLst>
-                    </p:cTn>
-                  </p:par>
-                </p:childTnLst>
-              </p:cTn>
-              <p:prevCondLst>
-                <p:cond evt="onPrev" delay="0">
-                  <p:tgtEl>
-                    <p:sldTgt/>
-                  </p:tgtEl>
-                </p:cond>
-              </p:prevCondLst>
-              <p:nextCondLst>
-                <p:cond evt="onNext" delay="0">
-                  <p:tgtEl>
-                    <p:sldTgt/>
-                  </p:tgtEl>
-                </p:cond>
-              </p:nextCondLst>
-            </p:seq>
-          </p:childTnLst>
-        </p:cTn>
-      </p:par>
-    </p:tnLst>
-    <p:bldLst>
-      <p:bldP spid="274" grpId="0" animBg="1"/>
-      <p:bldP spid="275" grpId="0" animBg="1"/>
-      <p:bldP spid="276" grpId="0" animBg="1"/>
-      <p:bldP spid="277" grpId="0" animBg="1"/>
-    </p:bldLst>
-  </p:timing>
-</p:sld>
-</file>
-
-<file path=ppt/slides/slide23.xml><?xml version="1.0" encoding="utf-8"?>
-<p:sld xmlns:a="http://schemas.openxmlformats.org/drawingml/2006/main" xmlns:r="http://schemas.openxmlformats.org/officeDocument/2006/relationships" xmlns:p="http://schemas.openxmlformats.org/presentationml/2006/main">
-  <p:cSld>
-    <p:bg>
-      <p:bgPr>
-        <a:solidFill>
-          <a:srgbClr val="FFFFFF"/>
-        </a:solidFill>
-        <a:effectLst/>
-      </p:bgPr>
-    </p:bg>
-    <p:spTree>
-      <p:nvGrpSpPr>
-        <p:cNvPr id="1" name=""/>
-        <p:cNvGrpSpPr/>
-        <p:nvPr/>
-      </p:nvGrpSpPr>
-      <p:grpSpPr>
-        <a:xfrm>
-          <a:off x="0" y="0"/>
-          <a:ext cx="0" cy="0"/>
-          <a:chOff x="0" y="0"/>
-          <a:chExt cx="0" cy="0"/>
-        </a:xfrm>
-      </p:grpSpPr>
-      <p:pic>
-        <p:nvPicPr>
-          <p:cNvPr id="279" name="Picture 1"/>
-          <p:cNvPicPr>
-            <a:picLocks noChangeAspect="1"/>
-          </p:cNvPicPr>
-          <p:nvPr/>
-        </p:nvPicPr>
-        <p:blipFill>
-          <a:blip r:embed="rId2"/>
-          <a:stretch>
-            <a:fillRect/>
-          </a:stretch>
-        </p:blipFill>
-        <p:spPr>
-          <a:xfrm>
-            <a:off x="4041902" y="486156"/>
-            <a:ext cx="3472786" cy="820414"/>
-          </a:xfrm>
-          <a:prstGeom prst="rect">
-            <a:avLst/>
-          </a:prstGeom>
-        </p:spPr>
-      </p:pic>
-      <p:sp>
-        <p:nvSpPr>
-          <p:cNvPr id="280" name="TextBox 2"/>
-          <p:cNvSpPr txBox="1"/>
-          <p:nvPr/>
-        </p:nvSpPr>
-        <p:spPr>
-          <a:xfrm>
-            <a:off x="4266438" y="776224"/>
-            <a:ext cx="2831020" cy="406400"/>
-          </a:xfrm>
-          <a:prstGeom prst="rect">
-            <a:avLst/>
-          </a:prstGeom>
-        </p:spPr>
-        <p:txBody>
-          <a:bodyPr lIns="0" tIns="0" rIns="0" bIns="0" rtlCol="0" anchor="t">
-            <a:spAutoFit/>
-          </a:bodyPr>
-          <a:lstStyle/>
-          <a:p>
-            <a:pPr algn="ctr" latinLnBrk="1"/>
-            <a:r>
-              <a:rPr lang="en-US" sz="2300">
-                <a:solidFill>
-                  <a:srgbClr val="000000"/>
-                </a:solidFill>
-                <a:latin typeface="Microsoft YaHei"/>
-                <a:ea typeface="Microsoft YaHei"/>
-              </a:rPr>
-              <a:t>在这里填写标题</a:t>
-            </a:r>
-            <a:endParaRPr lang="en-US" sz="1100"/>
-          </a:p>
-        </p:txBody>
-      </p:sp>
-      <p:pic>
-        <p:nvPicPr>
-          <p:cNvPr id="281" name="Picture 3"/>
-          <p:cNvPicPr>
-            <a:picLocks noChangeAspect="1"/>
-          </p:cNvPicPr>
-          <p:nvPr/>
-        </p:nvPicPr>
-        <p:blipFill>
-          <a:blip r:embed="rId3"/>
-          <a:stretch>
-            <a:fillRect/>
-          </a:stretch>
-        </p:blipFill>
-        <p:spPr>
-          <a:xfrm>
-            <a:off x="2093468" y="1743964"/>
-            <a:ext cx="7062082" cy="3709533"/>
-          </a:xfrm>
-          <a:prstGeom prst="rect">
-            <a:avLst/>
-          </a:prstGeom>
-        </p:spPr>
-      </p:pic>
-      <p:pic>
-        <p:nvPicPr>
-          <p:cNvPr id="282" name="Picture 4"/>
-          <p:cNvPicPr>
-            <a:picLocks noChangeAspect="1"/>
-          </p:cNvPicPr>
-          <p:nvPr/>
-        </p:nvPicPr>
-        <p:blipFill>
-          <a:blip r:embed="rId4"/>
-          <a:stretch>
-            <a:fillRect/>
-          </a:stretch>
-        </p:blipFill>
-        <p:spPr>
-          <a:xfrm>
-            <a:off x="909574" y="3261360"/>
-            <a:ext cx="2030237" cy="2379180"/>
-          </a:xfrm>
-          <a:prstGeom prst="rect">
-            <a:avLst/>
-          </a:prstGeom>
-        </p:spPr>
-      </p:pic>
-      <p:pic>
-        <p:nvPicPr>
-          <p:cNvPr id="283" name="Picture 5"/>
-          <p:cNvPicPr>
-            <a:picLocks noChangeAspect="1"/>
-          </p:cNvPicPr>
-          <p:nvPr/>
-        </p:nvPicPr>
-        <p:blipFill>
-          <a:blip r:embed="rId5"/>
-          <a:stretch>
-            <a:fillRect/>
-          </a:stretch>
-        </p:blipFill>
-        <p:spPr>
-          <a:xfrm>
-            <a:off x="9160002" y="3652139"/>
-            <a:ext cx="1484889" cy="1691693"/>
-          </a:xfrm>
-          <a:prstGeom prst="rect">
-            <a:avLst/>
-          </a:prstGeom>
-        </p:spPr>
-      </p:pic>
-      <p:grpSp>
-        <p:nvGrpSpPr>
-          <p:cNvPr id="284" name="Group 6"/>
-          <p:cNvGrpSpPr/>
-          <p:nvPr/>
-        </p:nvGrpSpPr>
-        <p:grpSpPr>
-          <a:xfrm>
-            <a:off x="2686685" y="2168906"/>
-            <a:ext cx="2845498" cy="2371090"/>
-            <a:chOff x="2686685" y="2168906"/>
-            <a:chExt cx="2845498" cy="2371090"/>
-          </a:xfrm>
-        </p:grpSpPr>
-        <p:sp>
-          <p:nvSpPr>
-            <p:cNvPr id="285" name="TextBox 284"/>
-            <p:cNvSpPr txBox="1"/>
-            <p:nvPr/>
-          </p:nvSpPr>
-          <p:spPr>
-            <a:xfrm>
-              <a:off x="3170428" y="2168906"/>
-              <a:ext cx="1578229" cy="533400"/>
-            </a:xfrm>
-            <a:prstGeom prst="rect">
-              <a:avLst/>
-            </a:prstGeom>
-          </p:spPr>
-          <p:txBody>
-            <a:bodyPr lIns="0" tIns="0" rIns="0" bIns="0" rtlCol="0" anchor="t">
-              <a:spAutoFit/>
-            </a:bodyPr>
-            <a:lstStyle/>
-            <a:p>
-              <a:pPr algn="ctr" latinLnBrk="1"/>
-              <a:r>
-                <a:rPr lang="en-US" sz="3000" b="1">
-                  <a:solidFill>
-                    <a:srgbClr val="000000"/>
-                  </a:solidFill>
-                  <a:latin typeface="Microsoft YaHei"/>
-                  <a:ea typeface="Microsoft YaHei"/>
-                </a:rPr>
-                <a:t>标题一</a:t>
-              </a:r>
-              <a:endParaRPr lang="en-US" sz="1100"/>
-            </a:p>
-          </p:txBody>
-        </p:sp>
-        <p:sp>
-          <p:nvSpPr>
-            <p:cNvPr id="286" name="TextBox 285"/>
-            <p:cNvSpPr txBox="1"/>
-            <p:nvPr/>
-          </p:nvSpPr>
-          <p:spPr>
-            <a:xfrm>
-              <a:off x="2686685" y="2831846"/>
-              <a:ext cx="2845498" cy="1708150"/>
-            </a:xfrm>
-            <a:prstGeom prst="rect">
-              <a:avLst/>
-            </a:prstGeom>
-          </p:spPr>
-          <p:txBody>
-            <a:bodyPr lIns="0" tIns="0" rIns="0" bIns="0" rtlCol="0" anchor="t">
-              <a:spAutoFit/>
-            </a:bodyPr>
-            <a:lstStyle/>
-            <a:p>
-              <a:pPr algn="l" latinLnBrk="1"/>
-              <a:r>
-                <a:rPr lang="en-US" sz="1200">
-                  <a:solidFill>
-                    <a:srgbClr val="000000"/>
-                  </a:solidFill>
-                  <a:latin typeface="Microsoft YaHei"/>
-                  <a:ea typeface="Microsoft YaHei"/>
-                </a:rPr>
-                <a:t>在这里填写内容详情描述在这里填写内容详情描述在这里填写内容详情描述在这里填写内容详情描述在这里填写内容详情描述在这里填写内容详情描述在这里填写内容详情描述在这里填写内容详情描述在这里填写内容详情描述在这里填写内容详情描述在这里填写内容详情描述在这里填写内容详情描述</a:t>
-              </a:r>
-              <a:endParaRPr lang="en-US" sz="1100"/>
-            </a:p>
-          </p:txBody>
-        </p:sp>
-      </p:grpSp>
-      <p:grpSp>
-        <p:nvGrpSpPr>
-          <p:cNvPr id="287" name="Group 7"/>
-          <p:cNvGrpSpPr/>
-          <p:nvPr/>
-        </p:nvGrpSpPr>
-        <p:grpSpPr>
-          <a:xfrm>
-            <a:off x="5981700" y="2159000"/>
-            <a:ext cx="2845498" cy="2368550"/>
-            <a:chOff x="5981700" y="2159000"/>
-            <a:chExt cx="2845498" cy="2368550"/>
-          </a:xfrm>
-        </p:grpSpPr>
-        <p:sp>
-          <p:nvSpPr>
-            <p:cNvPr id="288" name="TextBox 287"/>
-            <p:cNvSpPr txBox="1"/>
-            <p:nvPr/>
-          </p:nvSpPr>
-          <p:spPr>
-            <a:xfrm>
-              <a:off x="6464300" y="2159000"/>
-              <a:ext cx="1578229" cy="533400"/>
-            </a:xfrm>
-            <a:prstGeom prst="rect">
-              <a:avLst/>
-            </a:prstGeom>
-          </p:spPr>
-          <p:txBody>
-            <a:bodyPr lIns="0" tIns="0" rIns="0" bIns="0" rtlCol="0" anchor="t">
-              <a:spAutoFit/>
-            </a:bodyPr>
-            <a:lstStyle/>
-            <a:p>
-              <a:pPr algn="ctr" latinLnBrk="1"/>
-              <a:r>
-                <a:rPr lang="en-US" sz="3000" b="1">
-                  <a:solidFill>
-                    <a:srgbClr val="000000"/>
-                  </a:solidFill>
-                  <a:latin typeface="Microsoft YaHei"/>
-                  <a:ea typeface="Microsoft YaHei"/>
-                </a:rPr>
-                <a:t>标题二</a:t>
-              </a:r>
-              <a:endParaRPr lang="en-US" sz="1100"/>
-            </a:p>
-          </p:txBody>
-        </p:sp>
-        <p:sp>
-          <p:nvSpPr>
-            <p:cNvPr id="289" name="TextBox 288"/>
-            <p:cNvSpPr txBox="1"/>
-            <p:nvPr/>
-          </p:nvSpPr>
-          <p:spPr>
-            <a:xfrm>
-              <a:off x="5981700" y="2819400"/>
-              <a:ext cx="2845498" cy="1708150"/>
-            </a:xfrm>
-            <a:prstGeom prst="rect">
-              <a:avLst/>
-            </a:prstGeom>
-          </p:spPr>
-          <p:txBody>
-            <a:bodyPr lIns="0" tIns="0" rIns="0" bIns="0" rtlCol="0" anchor="t">
-              <a:spAutoFit/>
-            </a:bodyPr>
-            <a:lstStyle/>
-            <a:p>
-              <a:pPr algn="l" latinLnBrk="1"/>
-              <a:r>
-                <a:rPr lang="en-US" sz="1200">
-                  <a:solidFill>
-                    <a:srgbClr val="000000"/>
-                  </a:solidFill>
-                  <a:latin typeface="Microsoft YaHei"/>
-                  <a:ea typeface="Microsoft YaHei"/>
-                </a:rPr>
-                <a:t>在这里填写内容详情描述在这里填写内容详情描述在这里填写内容详情描述在这里填写内容详情描述在这里填写内容详情描述在这里填写内容详情描述在这里填写内容详情描述在这里填写内容详情描述在这里填写内容详情描述在这里填写内容详情描述在这里填写内容详情描述在这里填写内容详情描述</a:t>
-              </a:r>
-              <a:endParaRPr lang="en-US" sz="1100"/>
-            </a:p>
-          </p:txBody>
-        </p:sp>
-      </p:grpSp>
-    </p:spTree>
-  </p:cSld>
-  <p:clrMapOvr>
-    <a:masterClrMapping/>
-  </p:clrMapOvr>
-  <p:transition spd="med">
-    <p:fade/>
-  </p:transition>
-  <p:timing>
-    <p:tnLst>
-      <p:par>
-        <p:cTn id="1" dur="indefinite" restart="never" nodeType="tmRoot">
-          <p:childTnLst>
-            <p:seq concurrent="1" nextAc="seek">
-              <p:cTn id="2" dur="indefinite" nodeType="mainSeq">
-                <p:childTnLst>
-                  <p:par>
-                    <p:cTn id="3" fill="hold">
-                      <p:stCondLst>
-                        <p:cond delay="indefinite"/>
-                        <p:cond evt="onBegin" delay="0">
-                          <p:tn val="2"/>
-                        </p:cond>
-                      </p:stCondLst>
-                      <p:childTnLst>
-                        <p:par>
-                          <p:cTn id="4" fill="hold">
-                            <p:stCondLst>
-                              <p:cond delay="0"/>
-                            </p:stCondLst>
-                            <p:childTnLst>
-                              <p:par>
-                                <p:cTn id="5" presetID="10" presetClass="entr" presetSubtype="0" fill="hold" grpId="0" nodeType="withEffect">
-                                  <p:stCondLst>
-                                    <p:cond delay="0"/>
-                                  </p:stCondLst>
-                                  <p:childTnLst>
-                                    <p:set>
-                                      <p:cBhvr>
-                                        <p:cTn id="6" dur="1" fill="hold">
-                                          <p:stCondLst>
-                                            <p:cond delay="0"/>
-                                          </p:stCondLst>
-                                        </p:cTn>
-                                        <p:tgtEl>
-                                          <p:spTgt spid="279"/>
-                                        </p:tgtEl>
-                                        <p:attrNameLst>
-                                          <p:attrName>style.visibility</p:attrName>
-                                        </p:attrNameLst>
-                                      </p:cBhvr>
-                                      <p:to>
-                                        <p:strVal val="visible"/>
-                                      </p:to>
-                                    </p:set>
-                                    <p:animEffect transition="in" filter="fade">
-                                      <p:cBhvr>
-                                        <p:cTn id="7" dur="1000"/>
-                                        <p:tgtEl>
-                                          <p:spTgt spid="279"/>
-                                        </p:tgtEl>
-                                      </p:cBhvr>
-                                    </p:animEffect>
-                                  </p:childTnLst>
-                                </p:cTn>
-                              </p:par>
-                              <p:par>
-                                <p:cTn id="8" presetID="10" presetClass="entr" presetSubtype="0" fill="hold" grpId="0" nodeType="withEffect">
-                                  <p:stCondLst>
-                                    <p:cond delay="0"/>
-                                  </p:stCondLst>
-                                  <p:childTnLst>
-                                    <p:set>
-                                      <p:cBhvr>
-                                        <p:cTn id="9" dur="1" fill="hold">
-                                          <p:stCondLst>
-                                            <p:cond delay="0"/>
-                                          </p:stCondLst>
-                                        </p:cTn>
-                                        <p:tgtEl>
-                                          <p:spTgt spid="280"/>
-                                        </p:tgtEl>
-                                        <p:attrNameLst>
-                                          <p:attrName>style.visibility</p:attrName>
-                                        </p:attrNameLst>
-                                      </p:cBhvr>
-                                      <p:to>
-                                        <p:strVal val="visible"/>
-                                      </p:to>
-                                    </p:set>
-                                    <p:animEffect transition="in" filter="fade">
-                                      <p:cBhvr>
-                                        <p:cTn id="10" dur="1000"/>
-                                        <p:tgtEl>
-                                          <p:spTgt spid="280"/>
-                                        </p:tgtEl>
-                                      </p:cBhvr>
-                                    </p:animEffect>
-                                  </p:childTnLst>
-                                </p:cTn>
-                              </p:par>
-                              <p:par>
-                                <p:cTn id="11" presetID="10" presetClass="entr" presetSubtype="0" fill="hold" grpId="0" nodeType="withEffect">
-                                  <p:stCondLst>
-                                    <p:cond delay="0"/>
-                                  </p:stCondLst>
-                                  <p:childTnLst>
-                                    <p:set>
-                                      <p:cBhvr>
-                                        <p:cTn id="12" dur="1" fill="hold">
-                                          <p:stCondLst>
-                                            <p:cond delay="0"/>
-                                          </p:stCondLst>
-                                        </p:cTn>
-                                        <p:tgtEl>
-                                          <p:spTgt spid="281"/>
-                                        </p:tgtEl>
-                                        <p:attrNameLst>
-                                          <p:attrName>style.visibility</p:attrName>
-                                        </p:attrNameLst>
-                                      </p:cBhvr>
-                                      <p:to>
-                                        <p:strVal val="visible"/>
-                                      </p:to>
-                                    </p:set>
-                                    <p:animEffect transition="in" filter="fade">
-                                      <p:cBhvr>
-                                        <p:cTn id="13" dur="1000"/>
-                                        <p:tgtEl>
-                                          <p:spTgt spid="281"/>
-                                        </p:tgtEl>
-                                      </p:cBhvr>
-                                    </p:animEffect>
-                                  </p:childTnLst>
-                                </p:cTn>
-                              </p:par>
-                              <p:par>
-                                <p:cTn id="14" presetID="10" presetClass="entr" presetSubtype="0" fill="hold" grpId="0" nodeType="withEffect">
-                                  <p:stCondLst>
-                                    <p:cond delay="0"/>
-                                  </p:stCondLst>
-                                  <p:childTnLst>
-                                    <p:set>
-                                      <p:cBhvr>
-                                        <p:cTn id="15" dur="1" fill="hold">
-                                          <p:stCondLst>
-                                            <p:cond delay="0"/>
-                                          </p:stCondLst>
-                                        </p:cTn>
-                                        <p:tgtEl>
-                                          <p:spTgt spid="282"/>
-                                        </p:tgtEl>
-                                        <p:attrNameLst>
-                                          <p:attrName>style.visibility</p:attrName>
-                                        </p:attrNameLst>
-                                      </p:cBhvr>
-                                      <p:to>
-                                        <p:strVal val="visible"/>
-                                      </p:to>
-                                    </p:set>
-                                    <p:animEffect transition="in" filter="fade">
-                                      <p:cBhvr>
-                                        <p:cTn id="16" dur="1000"/>
-                                        <p:tgtEl>
-                                          <p:spTgt spid="282"/>
-                                        </p:tgtEl>
-                                      </p:cBhvr>
-                                    </p:animEffect>
-                                  </p:childTnLst>
-                                </p:cTn>
-                              </p:par>
-                              <p:par>
-                                <p:cTn id="17" presetID="10" presetClass="entr" presetSubtype="0" fill="hold" grpId="0" nodeType="withEffect">
-                                  <p:stCondLst>
-                                    <p:cond delay="0"/>
-                                  </p:stCondLst>
-                                  <p:childTnLst>
-                                    <p:set>
-                                      <p:cBhvr>
-                                        <p:cTn id="18" dur="1" fill="hold">
-                                          <p:stCondLst>
-                                            <p:cond delay="0"/>
-                                          </p:stCondLst>
-                                        </p:cTn>
-                                        <p:tgtEl>
-                                          <p:spTgt spid="283"/>
-                                        </p:tgtEl>
-                                        <p:attrNameLst>
-                                          <p:attrName>style.visibility</p:attrName>
-                                        </p:attrNameLst>
-                                      </p:cBhvr>
-                                      <p:to>
-                                        <p:strVal val="visible"/>
-                                      </p:to>
-                                    </p:set>
-                                    <p:animEffect transition="in" filter="fade">
-                                      <p:cBhvr>
-                                        <p:cTn id="19" dur="1000"/>
-                                        <p:tgtEl>
-                                          <p:spTgt spid="283"/>
-                                        </p:tgtEl>
-                                      </p:cBhvr>
-                                    </p:animEffect>
-                                  </p:childTnLst>
-                                </p:cTn>
-                              </p:par>
-                              <p:par>
-                                <p:cTn id="20" presetID="10" presetClass="entr" presetSubtype="0" fill="hold" grpId="0" nodeType="withEffect">
-                                  <p:stCondLst>
-                                    <p:cond delay="0"/>
-                                  </p:stCondLst>
-                                  <p:childTnLst>
-                                    <p:set>
-                                      <p:cBhvr>
-                                        <p:cTn id="21" dur="1" fill="hold">
-                                          <p:stCondLst>
-                                            <p:cond delay="0"/>
-                                          </p:stCondLst>
-                                        </p:cTn>
-                                        <p:tgtEl>
-                                          <p:spTgt spid="284"/>
-                                        </p:tgtEl>
-                                        <p:attrNameLst>
-                                          <p:attrName>style.visibility</p:attrName>
-                                        </p:attrNameLst>
-                                      </p:cBhvr>
-                                      <p:to>
-                                        <p:strVal val="visible"/>
-                                      </p:to>
-                                    </p:set>
-                                    <p:animEffect transition="in" filter="fade">
-                                      <p:cBhvr>
-                                        <p:cTn id="22" dur="1000"/>
-                                        <p:tgtEl>
-                                          <p:spTgt spid="284"/>
-                                        </p:tgtEl>
-                                      </p:cBhvr>
-                                    </p:animEffect>
-                                  </p:childTnLst>
-                                </p:cTn>
-                              </p:par>
-                              <p:par>
-                                <p:cTn id="23" presetID="10" presetClass="entr" presetSubtype="0" fill="hold" grpId="0" nodeType="withEffect">
-                                  <p:stCondLst>
-                                    <p:cond delay="0"/>
-                                  </p:stCondLst>
-                                  <p:childTnLst>
-                                    <p:set>
-                                      <p:cBhvr>
-                                        <p:cTn id="24" dur="1" fill="hold">
-                                          <p:stCondLst>
-                                            <p:cond delay="0"/>
-                                          </p:stCondLst>
-                                        </p:cTn>
-                                        <p:tgtEl>
-                                          <p:spTgt spid="287"/>
-                                        </p:tgtEl>
-                                        <p:attrNameLst>
-                                          <p:attrName>style.visibility</p:attrName>
-                                        </p:attrNameLst>
-                                      </p:cBhvr>
-                                      <p:to>
-                                        <p:strVal val="visible"/>
-                                      </p:to>
-                                    </p:set>
-                                    <p:animEffect transition="in" filter="fade">
-                                      <p:cBhvr>
-                                        <p:cTn id="25" dur="1000"/>
-                                        <p:tgtEl>
-                                          <p:spTgt spid="287"/>
-                                        </p:tgtEl>
-                                      </p:cBhvr>
-                                    </p:animEffect>
-                                  </p:childTnLst>
-                                </p:cTn>
-                              </p:par>
-                            </p:childTnLst>
-                          </p:cTn>
-                        </p:par>
-                      </p:childTnLst>
-                    </p:cTn>
-                  </p:par>
-                </p:childTnLst>
-              </p:cTn>
-              <p:prevCondLst>
-                <p:cond evt="onPrev" delay="0">
-                  <p:tgtEl>
-                    <p:sldTgt/>
-                  </p:tgtEl>
-                </p:cond>
-              </p:prevCondLst>
-              <p:nextCondLst>
-                <p:cond evt="onNext" delay="0">
-                  <p:tgtEl>
-                    <p:sldTgt/>
-                  </p:tgtEl>
-                </p:cond>
-              </p:nextCondLst>
-            </p:seq>
-          </p:childTnLst>
-        </p:cTn>
-      </p:par>
-    </p:tnLst>
-    <p:bldLst>
-      <p:bldP spid="279" grpId="0" animBg="1"/>
-      <p:bldP spid="280" grpId="0" animBg="1"/>
-      <p:bldP spid="281" grpId="0" animBg="1"/>
-      <p:bldP spid="282" grpId="0" animBg="1"/>
-      <p:bldP spid="283" grpId="0" animBg="1"/>
-      <p:bldP spid="284" grpId="0" animBg="1"/>
-      <p:bldP spid="287" grpId="0" animBg="1"/>
-    </p:bldLst>
-  </p:timing>
-</p:sld>
-</file>
-
-<file path=ppt/slides/slide24.xml><?xml version="1.0" encoding="utf-8"?>
-<p:sld xmlns:a="http://schemas.openxmlformats.org/drawingml/2006/main" xmlns:r="http://schemas.openxmlformats.org/officeDocument/2006/relationships" xmlns:p="http://schemas.openxmlformats.org/presentationml/2006/main">
-  <p:cSld>
-    <p:bg>
-      <p:bgPr>
-        <a:solidFill>
-          <a:srgbClr val="FFFFFF"/>
-        </a:solidFill>
-        <a:effectLst/>
-      </p:bgPr>
-    </p:bg>
-    <p:spTree>
-      <p:nvGrpSpPr>
-        <p:cNvPr id="1" name=""/>
-        <p:cNvGrpSpPr/>
-        <p:nvPr/>
-      </p:nvGrpSpPr>
-      <p:grpSpPr>
-        <a:xfrm>
-          <a:off x="0" y="0"/>
-          <a:ext cx="0" cy="0"/>
-          <a:chOff x="0" y="0"/>
-          <a:chExt cx="0" cy="0"/>
-        </a:xfrm>
-      </p:grpSpPr>
-      <p:pic>
-        <p:nvPicPr>
-          <p:cNvPr id="290" name="Picture 1"/>
-          <p:cNvPicPr>
-            <a:picLocks noChangeAspect="1"/>
-          </p:cNvPicPr>
-          <p:nvPr/>
-        </p:nvPicPr>
-        <p:blipFill>
-          <a:blip r:embed="rId2"/>
-          <a:stretch>
-            <a:fillRect/>
-          </a:stretch>
-        </p:blipFill>
-        <p:spPr>
-          <a:xfrm>
-            <a:off x="4041902" y="486156"/>
-            <a:ext cx="3472786" cy="820414"/>
-          </a:xfrm>
-          <a:prstGeom prst="rect">
-            <a:avLst/>
-          </a:prstGeom>
-        </p:spPr>
-      </p:pic>
-      <p:sp>
-        <p:nvSpPr>
-          <p:cNvPr id="291" name="TextBox 2"/>
-          <p:cNvSpPr txBox="1"/>
-          <p:nvPr/>
-        </p:nvSpPr>
-        <p:spPr>
-          <a:xfrm>
-            <a:off x="4266438" y="776224"/>
-            <a:ext cx="2816352" cy="406400"/>
-          </a:xfrm>
-          <a:prstGeom prst="rect">
-            <a:avLst/>
-          </a:prstGeom>
-        </p:spPr>
-        <p:txBody>
-          <a:bodyPr lIns="0" tIns="0" rIns="0" bIns="0" rtlCol="0" anchor="t">
-            <a:spAutoFit/>
-          </a:bodyPr>
-          <a:lstStyle/>
-          <a:p>
-            <a:pPr algn="ctr" latinLnBrk="1"/>
-            <a:r>
-              <a:rPr lang="en-US" sz="2300">
-                <a:solidFill>
-                  <a:srgbClr val="000000"/>
-                </a:solidFill>
-                <a:latin typeface="Microsoft YaHei"/>
-                <a:ea typeface="Microsoft YaHei"/>
-              </a:rPr>
-              <a:t>在这里填写标题</a:t>
-            </a:r>
-            <a:endParaRPr lang="en-US" sz="1100"/>
-          </a:p>
-        </p:txBody>
-      </p:sp>
-      <p:pic>
-        <p:nvPicPr>
-          <p:cNvPr id="292" name="Picture 3"/>
-          <p:cNvPicPr>
-            <a:picLocks noChangeAspect="1"/>
-          </p:cNvPicPr>
-          <p:nvPr/>
-        </p:nvPicPr>
-        <p:blipFill>
-          <a:blip r:embed="rId3"/>
-          <a:stretch>
-            <a:fillRect/>
-          </a:stretch>
-        </p:blipFill>
-        <p:spPr>
-          <a:xfrm>
-            <a:off x="4348099" y="2789809"/>
-            <a:ext cx="2679076" cy="3052209"/>
-          </a:xfrm>
-          <a:prstGeom prst="rect">
-            <a:avLst/>
-          </a:prstGeom>
-        </p:spPr>
-      </p:pic>
-      <p:pic>
-        <p:nvPicPr>
-          <p:cNvPr id="293" name="Picture 4"/>
-          <p:cNvPicPr>
-            <a:picLocks noChangeAspect="1"/>
-          </p:cNvPicPr>
-          <p:nvPr/>
-        </p:nvPicPr>
-        <p:blipFill>
-          <a:blip r:embed="rId4"/>
-          <a:stretch>
-            <a:fillRect/>
-          </a:stretch>
-        </p:blipFill>
-        <p:spPr>
-          <a:xfrm>
-            <a:off x="1900555" y="1776984"/>
-            <a:ext cx="2450640" cy="1750465"/>
-          </a:xfrm>
-          <a:prstGeom prst="rect">
-            <a:avLst/>
-          </a:prstGeom>
-        </p:spPr>
-      </p:pic>
-      <p:pic>
-        <p:nvPicPr>
-          <p:cNvPr id="294" name="Picture 5"/>
-          <p:cNvPicPr>
-            <a:picLocks noChangeAspect="1"/>
-          </p:cNvPicPr>
-          <p:nvPr/>
-        </p:nvPicPr>
-        <p:blipFill>
-          <a:blip r:embed="rId4"/>
-          <a:stretch>
-            <a:fillRect/>
-          </a:stretch>
-        </p:blipFill>
-        <p:spPr>
-          <a:xfrm>
-            <a:off x="1236853" y="3540125"/>
-            <a:ext cx="1726752" cy="1233403"/>
-          </a:xfrm>
-          <a:prstGeom prst="rect">
-            <a:avLst/>
-          </a:prstGeom>
-        </p:spPr>
-      </p:pic>
-      <p:pic>
-        <p:nvPicPr>
-          <p:cNvPr id="295" name="Picture 6"/>
-          <p:cNvPicPr>
-            <a:picLocks noChangeAspect="1"/>
-          </p:cNvPicPr>
-          <p:nvPr/>
-        </p:nvPicPr>
-        <p:blipFill>
-          <a:blip r:embed="rId5"/>
-          <a:stretch>
-            <a:fillRect/>
-          </a:stretch>
-        </p:blipFill>
-        <p:spPr>
-          <a:xfrm>
-            <a:off x="7265797" y="2048637"/>
-            <a:ext cx="2243094" cy="1656440"/>
-          </a:xfrm>
-          <a:prstGeom prst="rect">
-            <a:avLst/>
-          </a:prstGeom>
-        </p:spPr>
-      </p:pic>
-      <p:pic>
-        <p:nvPicPr>
-          <p:cNvPr id="296" name="Picture 7"/>
-          <p:cNvPicPr>
-            <a:picLocks noChangeAspect="1"/>
-          </p:cNvPicPr>
-          <p:nvPr/>
-        </p:nvPicPr>
-        <p:blipFill>
-          <a:blip r:embed="rId5"/>
-          <a:stretch>
-            <a:fillRect/>
-          </a:stretch>
-        </p:blipFill>
-        <p:spPr>
-          <a:xfrm>
-            <a:off x="8472297" y="3869690"/>
-            <a:ext cx="1503147" cy="1110016"/>
-          </a:xfrm>
-          <a:prstGeom prst="rect">
-            <a:avLst/>
-          </a:prstGeom>
-        </p:spPr>
-      </p:pic>
-      <p:grpSp>
-        <p:nvGrpSpPr>
-          <p:cNvPr id="297" name="Group 8"/>
-          <p:cNvGrpSpPr/>
-          <p:nvPr/>
-        </p:nvGrpSpPr>
-        <p:grpSpPr>
-          <a:xfrm>
-            <a:off x="2245487" y="2290318"/>
-            <a:ext cx="1622870" cy="641350"/>
-            <a:chOff x="2245487" y="2290318"/>
-            <a:chExt cx="1622870" cy="641350"/>
-          </a:xfrm>
-        </p:grpSpPr>
-        <p:sp>
-          <p:nvSpPr>
-            <p:cNvPr id="298" name="TextBox 297"/>
-            <p:cNvSpPr txBox="1"/>
-            <p:nvPr/>
-          </p:nvSpPr>
-          <p:spPr>
-            <a:xfrm>
-              <a:off x="2245487" y="2290318"/>
-              <a:ext cx="1622870" cy="641350"/>
-            </a:xfrm>
-            <a:prstGeom prst="rect">
-              <a:avLst/>
-            </a:prstGeom>
-          </p:spPr>
-          <p:txBody>
-            <a:bodyPr lIns="0" tIns="0" rIns="0" bIns="0" rtlCol="0" anchor="t">
-              <a:spAutoFit/>
-            </a:bodyPr>
-            <a:lstStyle/>
-            <a:p>
-              <a:pPr algn="ctr" latinLnBrk="1"/>
-              <a:r>
-                <a:rPr lang="en-US" sz="1200">
-                  <a:solidFill>
-                    <a:srgbClr val="000000"/>
-                  </a:solidFill>
-                  <a:latin typeface="Microsoft YaHei"/>
-                  <a:ea typeface="Microsoft YaHei"/>
-                </a:rPr>
-                <a:t>在这里填写内容详情描述在这里填写内容详情描述</a:t>
-              </a:r>
-              <a:endParaRPr lang="en-US" sz="1100"/>
-            </a:p>
-          </p:txBody>
-        </p:sp>
-      </p:grpSp>
-      <p:grpSp>
-        <p:nvGrpSpPr>
-          <p:cNvPr id="299" name="Group 9"/>
-          <p:cNvGrpSpPr/>
-          <p:nvPr/>
-        </p:nvGrpSpPr>
-        <p:grpSpPr>
-          <a:xfrm>
-            <a:off x="7654798" y="2523236"/>
-            <a:ext cx="1579436" cy="641350"/>
-            <a:chOff x="7654798" y="2523236"/>
-            <a:chExt cx="1579436" cy="641350"/>
-          </a:xfrm>
-        </p:grpSpPr>
-        <p:sp>
-          <p:nvSpPr>
-            <p:cNvPr id="300" name="TextBox 299"/>
-            <p:cNvSpPr txBox="1"/>
-            <p:nvPr/>
-          </p:nvSpPr>
-          <p:spPr>
-            <a:xfrm>
-              <a:off x="7654798" y="2523236"/>
-              <a:ext cx="1579436" cy="641350"/>
-            </a:xfrm>
-            <a:prstGeom prst="rect">
-              <a:avLst/>
-            </a:prstGeom>
-          </p:spPr>
-          <p:txBody>
-            <a:bodyPr lIns="0" tIns="0" rIns="0" bIns="0" rtlCol="0" anchor="t">
-              <a:spAutoFit/>
-            </a:bodyPr>
-            <a:lstStyle/>
-            <a:p>
-              <a:pPr algn="ctr" latinLnBrk="1"/>
-              <a:r>
-                <a:rPr lang="en-US" sz="1200">
-                  <a:solidFill>
-                    <a:srgbClr val="000000"/>
-                  </a:solidFill>
-                  <a:latin typeface="Microsoft YaHei"/>
-                  <a:ea typeface="Microsoft YaHei"/>
-                </a:rPr>
-                <a:t>在这里填写内容详情描述在这里填写内容详情描述</a:t>
-              </a:r>
-              <a:endParaRPr lang="en-US" sz="1100"/>
-            </a:p>
-          </p:txBody>
-        </p:sp>
-      </p:grpSp>
-      <p:grpSp>
-        <p:nvGrpSpPr>
-          <p:cNvPr id="301" name="Group 10"/>
-          <p:cNvGrpSpPr/>
-          <p:nvPr/>
-        </p:nvGrpSpPr>
-        <p:grpSpPr>
-          <a:xfrm>
-            <a:off x="1606931" y="3923411"/>
-            <a:ext cx="959422" cy="425450"/>
-            <a:chOff x="1606931" y="3923411"/>
-            <a:chExt cx="959422" cy="425450"/>
-          </a:xfrm>
-        </p:grpSpPr>
-        <p:sp>
-          <p:nvSpPr>
-            <p:cNvPr id="302" name="TextBox 301"/>
-            <p:cNvSpPr txBox="1"/>
-            <p:nvPr/>
-          </p:nvSpPr>
-          <p:spPr>
-            <a:xfrm>
-              <a:off x="1606931" y="3923411"/>
-              <a:ext cx="959422" cy="425450"/>
-            </a:xfrm>
-            <a:prstGeom prst="rect">
-              <a:avLst/>
-            </a:prstGeom>
-          </p:spPr>
-          <p:txBody>
-            <a:bodyPr lIns="0" tIns="0" rIns="0" bIns="0" rtlCol="0" anchor="t">
-              <a:spAutoFit/>
-            </a:bodyPr>
-            <a:lstStyle/>
-            <a:p>
-              <a:pPr algn="ctr" latinLnBrk="1"/>
-              <a:r>
-                <a:rPr lang="en-US" sz="1200">
-                  <a:solidFill>
-                    <a:srgbClr val="000000"/>
-                  </a:solidFill>
-                  <a:latin typeface="Microsoft YaHei"/>
-                  <a:ea typeface="Microsoft YaHei"/>
-                </a:rPr>
-                <a:t>在这里填写内容详情描述</a:t>
-              </a:r>
-              <a:endParaRPr lang="en-US" sz="1100"/>
-            </a:p>
-          </p:txBody>
-        </p:sp>
-      </p:grpSp>
-      <p:grpSp>
-        <p:nvGrpSpPr>
-          <p:cNvPr id="303" name="Group 11"/>
-          <p:cNvGrpSpPr/>
-          <p:nvPr/>
-        </p:nvGrpSpPr>
-        <p:grpSpPr>
-          <a:xfrm>
-            <a:off x="8795258" y="4168775"/>
-            <a:ext cx="1027303" cy="425450"/>
-            <a:chOff x="8795258" y="4168775"/>
-            <a:chExt cx="1027303" cy="425450"/>
-          </a:xfrm>
-        </p:grpSpPr>
-        <p:sp>
-          <p:nvSpPr>
-            <p:cNvPr id="304" name="TextBox 303"/>
-            <p:cNvSpPr txBox="1"/>
-            <p:nvPr/>
-          </p:nvSpPr>
-          <p:spPr>
-            <a:xfrm>
-              <a:off x="8795258" y="4168775"/>
-              <a:ext cx="1027303" cy="425450"/>
-            </a:xfrm>
-            <a:prstGeom prst="rect">
-              <a:avLst/>
-            </a:prstGeom>
-          </p:spPr>
-          <p:txBody>
-            <a:bodyPr lIns="0" tIns="0" rIns="0" bIns="0" rtlCol="0" anchor="t">
-              <a:spAutoFit/>
-            </a:bodyPr>
-            <a:lstStyle/>
-            <a:p>
-              <a:pPr algn="ctr" latinLnBrk="1"/>
-              <a:r>
-                <a:rPr lang="en-US" sz="1200">
-                  <a:solidFill>
-                    <a:srgbClr val="000000"/>
-                  </a:solidFill>
-                  <a:latin typeface="Microsoft YaHei"/>
-                  <a:ea typeface="Microsoft YaHei"/>
-                </a:rPr>
-                <a:t>在这里填写内容详情描述</a:t>
-              </a:r>
-              <a:endParaRPr lang="en-US" sz="1100"/>
-            </a:p>
-          </p:txBody>
-        </p:sp>
-      </p:grpSp>
-    </p:spTree>
-  </p:cSld>
-  <p:clrMapOvr>
-    <a:masterClrMapping/>
-  </p:clrMapOvr>
-  <p:transition spd="med">
-    <p:fade/>
-  </p:transition>
-  <p:timing>
-    <p:tnLst>
-      <p:par>
-        <p:cTn id="1" dur="indefinite" restart="never" nodeType="tmRoot">
-          <p:childTnLst>
-            <p:seq concurrent="1" nextAc="seek">
-              <p:cTn id="2" dur="indefinite" nodeType="mainSeq">
-                <p:childTnLst>
-                  <p:par>
-                    <p:cTn id="3" fill="hold">
-                      <p:stCondLst>
-                        <p:cond delay="indefinite"/>
-                        <p:cond evt="onBegin" delay="0">
-                          <p:tn val="2"/>
-                        </p:cond>
-                      </p:stCondLst>
-                      <p:childTnLst>
-                        <p:par>
-                          <p:cTn id="4" fill="hold">
-                            <p:stCondLst>
-                              <p:cond delay="0"/>
-                            </p:stCondLst>
-                            <p:childTnLst>
-                              <p:par>
-                                <p:cTn id="5" presetID="10" presetClass="entr" presetSubtype="0" fill="hold" grpId="0" nodeType="withEffect">
-                                  <p:stCondLst>
-                                    <p:cond delay="0"/>
-                                  </p:stCondLst>
-                                  <p:childTnLst>
-                                    <p:set>
-                                      <p:cBhvr>
-                                        <p:cTn id="6" dur="1" fill="hold">
-                                          <p:stCondLst>
-                                            <p:cond delay="0"/>
-                                          </p:stCondLst>
-                                        </p:cTn>
-                                        <p:tgtEl>
-                                          <p:spTgt spid="290"/>
-                                        </p:tgtEl>
-                                        <p:attrNameLst>
-                                          <p:attrName>style.visibility</p:attrName>
-                                        </p:attrNameLst>
-                                      </p:cBhvr>
-                                      <p:to>
-                                        <p:strVal val="visible"/>
-                                      </p:to>
-                                    </p:set>
-                                    <p:animEffect transition="in" filter="fade">
-                                      <p:cBhvr>
-                                        <p:cTn id="7" dur="1000"/>
-                                        <p:tgtEl>
-                                          <p:spTgt spid="290"/>
-                                        </p:tgtEl>
-                                      </p:cBhvr>
-                                    </p:animEffect>
-                                  </p:childTnLst>
-                                </p:cTn>
-                              </p:par>
-                              <p:par>
-                                <p:cTn id="8" presetID="10" presetClass="entr" presetSubtype="0" fill="hold" grpId="0" nodeType="withEffect">
-                                  <p:stCondLst>
-                                    <p:cond delay="0"/>
-                                  </p:stCondLst>
-                                  <p:childTnLst>
-                                    <p:set>
-                                      <p:cBhvr>
-                                        <p:cTn id="9" dur="1" fill="hold">
-                                          <p:stCondLst>
-                                            <p:cond delay="0"/>
-                                          </p:stCondLst>
-                                        </p:cTn>
-                                        <p:tgtEl>
-                                          <p:spTgt spid="291"/>
-                                        </p:tgtEl>
-                                        <p:attrNameLst>
-                                          <p:attrName>style.visibility</p:attrName>
-                                        </p:attrNameLst>
-                                      </p:cBhvr>
-                                      <p:to>
-                                        <p:strVal val="visible"/>
-                                      </p:to>
-                                    </p:set>
-                                    <p:animEffect transition="in" filter="fade">
-                                      <p:cBhvr>
-                                        <p:cTn id="10" dur="1000"/>
-                                        <p:tgtEl>
-                                          <p:spTgt spid="291"/>
-                                        </p:tgtEl>
-                                      </p:cBhvr>
-                                    </p:animEffect>
-                                  </p:childTnLst>
-                                </p:cTn>
-                              </p:par>
-                              <p:par>
-                                <p:cTn id="11" presetID="10" presetClass="entr" presetSubtype="0" fill="hold" grpId="0" nodeType="withEffect">
-                                  <p:stCondLst>
-                                    <p:cond delay="0"/>
-                                  </p:stCondLst>
-                                  <p:childTnLst>
-                                    <p:set>
-                                      <p:cBhvr>
-                                        <p:cTn id="12" dur="1" fill="hold">
-                                          <p:stCondLst>
-                                            <p:cond delay="0"/>
-                                          </p:stCondLst>
-                                        </p:cTn>
-                                        <p:tgtEl>
-                                          <p:spTgt spid="292"/>
-                                        </p:tgtEl>
-                                        <p:attrNameLst>
-                                          <p:attrName>style.visibility</p:attrName>
-                                        </p:attrNameLst>
-                                      </p:cBhvr>
-                                      <p:to>
-                                        <p:strVal val="visible"/>
-                                      </p:to>
-                                    </p:set>
-                                    <p:animEffect transition="in" filter="fade">
-                                      <p:cBhvr>
-                                        <p:cTn id="13" dur="1000"/>
-                                        <p:tgtEl>
-                                          <p:spTgt spid="292"/>
-                                        </p:tgtEl>
-                                      </p:cBhvr>
-                                    </p:animEffect>
-                                  </p:childTnLst>
-                                </p:cTn>
-                              </p:par>
-                              <p:par>
-                                <p:cTn id="14" presetID="10" presetClass="entr" presetSubtype="0" fill="hold" grpId="0" nodeType="withEffect">
-                                  <p:stCondLst>
-                                    <p:cond delay="0"/>
-                                  </p:stCondLst>
-                                  <p:childTnLst>
-                                    <p:set>
-                                      <p:cBhvr>
-                                        <p:cTn id="15" dur="1" fill="hold">
-                                          <p:stCondLst>
-                                            <p:cond delay="0"/>
-                                          </p:stCondLst>
-                                        </p:cTn>
-                                        <p:tgtEl>
-                                          <p:spTgt spid="293"/>
-                                        </p:tgtEl>
-                                        <p:attrNameLst>
-                                          <p:attrName>style.visibility</p:attrName>
-                                        </p:attrNameLst>
-                                      </p:cBhvr>
-                                      <p:to>
-                                        <p:strVal val="visible"/>
-                                      </p:to>
-                                    </p:set>
-                                    <p:animEffect transition="in" filter="fade">
-                                      <p:cBhvr>
-                                        <p:cTn id="16" dur="1000"/>
-                                        <p:tgtEl>
-                                          <p:spTgt spid="293"/>
-                                        </p:tgtEl>
-                                      </p:cBhvr>
-                                    </p:animEffect>
-                                  </p:childTnLst>
-                                </p:cTn>
-                              </p:par>
-                              <p:par>
-                                <p:cTn id="17" presetID="10" presetClass="entr" presetSubtype="0" fill="hold" grpId="0" nodeType="withEffect">
-                                  <p:stCondLst>
-                                    <p:cond delay="0"/>
-                                  </p:stCondLst>
-                                  <p:childTnLst>
-                                    <p:set>
-                                      <p:cBhvr>
-                                        <p:cTn id="18" dur="1" fill="hold">
-                                          <p:stCondLst>
-                                            <p:cond delay="0"/>
-                                          </p:stCondLst>
-                                        </p:cTn>
-                                        <p:tgtEl>
-                                          <p:spTgt spid="294"/>
-                                        </p:tgtEl>
-                                        <p:attrNameLst>
-                                          <p:attrName>style.visibility</p:attrName>
-                                        </p:attrNameLst>
-                                      </p:cBhvr>
-                                      <p:to>
-                                        <p:strVal val="visible"/>
-                                      </p:to>
-                                    </p:set>
-                                    <p:animEffect transition="in" filter="fade">
-                                      <p:cBhvr>
-                                        <p:cTn id="19" dur="1000"/>
-                                        <p:tgtEl>
-                                          <p:spTgt spid="294"/>
-                                        </p:tgtEl>
-                                      </p:cBhvr>
-                                    </p:animEffect>
-                                  </p:childTnLst>
-                                </p:cTn>
-                              </p:par>
-                              <p:par>
-                                <p:cTn id="20" presetID="10" presetClass="entr" presetSubtype="0" fill="hold" grpId="0" nodeType="withEffect">
-                                  <p:stCondLst>
-                                    <p:cond delay="0"/>
-                                  </p:stCondLst>
-                                  <p:childTnLst>
-                                    <p:set>
-                                      <p:cBhvr>
-                                        <p:cTn id="21" dur="1" fill="hold">
-                                          <p:stCondLst>
-                                            <p:cond delay="0"/>
-                                          </p:stCondLst>
-                                        </p:cTn>
-                                        <p:tgtEl>
-                                          <p:spTgt spid="295"/>
-                                        </p:tgtEl>
-                                        <p:attrNameLst>
-                                          <p:attrName>style.visibility</p:attrName>
-                                        </p:attrNameLst>
-                                      </p:cBhvr>
-                                      <p:to>
-                                        <p:strVal val="visible"/>
-                                      </p:to>
-                                    </p:set>
-                                    <p:animEffect transition="in" filter="fade">
-                                      <p:cBhvr>
-                                        <p:cTn id="22" dur="1000"/>
-                                        <p:tgtEl>
-                                          <p:spTgt spid="295"/>
-                                        </p:tgtEl>
-                                      </p:cBhvr>
-                                    </p:animEffect>
-                                  </p:childTnLst>
-                                </p:cTn>
-                              </p:par>
-                              <p:par>
-                                <p:cTn id="23" presetID="10" presetClass="entr" presetSubtype="0" fill="hold" grpId="0" nodeType="withEffect">
-                                  <p:stCondLst>
-                                    <p:cond delay="0"/>
-                                  </p:stCondLst>
-                                  <p:childTnLst>
-                                    <p:set>
-                                      <p:cBhvr>
-                                        <p:cTn id="24" dur="1" fill="hold">
-                                          <p:stCondLst>
-                                            <p:cond delay="0"/>
-                                          </p:stCondLst>
-                                        </p:cTn>
-                                        <p:tgtEl>
-                                          <p:spTgt spid="296"/>
-                                        </p:tgtEl>
-                                        <p:attrNameLst>
-                                          <p:attrName>style.visibility</p:attrName>
-                                        </p:attrNameLst>
-                                      </p:cBhvr>
-                                      <p:to>
-                                        <p:strVal val="visible"/>
-                                      </p:to>
-                                    </p:set>
-                                    <p:animEffect transition="in" filter="fade">
-                                      <p:cBhvr>
-                                        <p:cTn id="25" dur="1000"/>
-                                        <p:tgtEl>
-                                          <p:spTgt spid="296"/>
-                                        </p:tgtEl>
-                                      </p:cBhvr>
-                                    </p:animEffect>
-                                  </p:childTnLst>
-                                </p:cTn>
-                              </p:par>
-                              <p:par>
-                                <p:cTn id="26" presetID="10" presetClass="entr" presetSubtype="0" fill="hold" grpId="0" nodeType="withEffect">
-                                  <p:stCondLst>
-                                    <p:cond delay="0"/>
-                                  </p:stCondLst>
-                                  <p:childTnLst>
-                                    <p:set>
-                                      <p:cBhvr>
-                                        <p:cTn id="27" dur="1" fill="hold">
-                                          <p:stCondLst>
-                                            <p:cond delay="0"/>
-                                          </p:stCondLst>
-                                        </p:cTn>
-                                        <p:tgtEl>
-                                          <p:spTgt spid="297"/>
-                                        </p:tgtEl>
-                                        <p:attrNameLst>
-                                          <p:attrName>style.visibility</p:attrName>
-                                        </p:attrNameLst>
-                                      </p:cBhvr>
-                                      <p:to>
-                                        <p:strVal val="visible"/>
-                                      </p:to>
-                                    </p:set>
-                                    <p:animEffect transition="in" filter="fade">
-                                      <p:cBhvr>
-                                        <p:cTn id="28" dur="1000"/>
-                                        <p:tgtEl>
-                                          <p:spTgt spid="297"/>
-                                        </p:tgtEl>
-                                      </p:cBhvr>
-                                    </p:animEffect>
-                                  </p:childTnLst>
-                                </p:cTn>
-                              </p:par>
-                              <p:par>
-                                <p:cTn id="29" presetID="10" presetClass="entr" presetSubtype="0" fill="hold" grpId="0" nodeType="withEffect">
-                                  <p:stCondLst>
-                                    <p:cond delay="0"/>
-                                  </p:stCondLst>
-                                  <p:childTnLst>
-                                    <p:set>
-                                      <p:cBhvr>
-                                        <p:cTn id="30" dur="1" fill="hold">
-                                          <p:stCondLst>
-                                            <p:cond delay="0"/>
-                                          </p:stCondLst>
-                                        </p:cTn>
-                                        <p:tgtEl>
-                                          <p:spTgt spid="299"/>
-                                        </p:tgtEl>
-                                        <p:attrNameLst>
-                                          <p:attrName>style.visibility</p:attrName>
-                                        </p:attrNameLst>
-                                      </p:cBhvr>
-                                      <p:to>
-                                        <p:strVal val="visible"/>
-                                      </p:to>
-                                    </p:set>
-                                    <p:animEffect transition="in" filter="fade">
-                                      <p:cBhvr>
-                                        <p:cTn id="31" dur="1000"/>
-                                        <p:tgtEl>
-                                          <p:spTgt spid="299"/>
-                                        </p:tgtEl>
-                                      </p:cBhvr>
-                                    </p:animEffect>
-                                  </p:childTnLst>
-                                </p:cTn>
-                              </p:par>
-                              <p:par>
-                                <p:cTn id="32" presetID="10" presetClass="entr" presetSubtype="0" fill="hold" grpId="0" nodeType="withEffect">
-                                  <p:stCondLst>
-                                    <p:cond delay="0"/>
-                                  </p:stCondLst>
-                                  <p:childTnLst>
-                                    <p:set>
-                                      <p:cBhvr>
-                                        <p:cTn id="33" dur="1" fill="hold">
-                                          <p:stCondLst>
-                                            <p:cond delay="0"/>
-                                          </p:stCondLst>
-                                        </p:cTn>
-                                        <p:tgtEl>
-                                          <p:spTgt spid="301"/>
-                                        </p:tgtEl>
-                                        <p:attrNameLst>
-                                          <p:attrName>style.visibility</p:attrName>
-                                        </p:attrNameLst>
-                                      </p:cBhvr>
-                                      <p:to>
-                                        <p:strVal val="visible"/>
-                                      </p:to>
-                                    </p:set>
-                                    <p:animEffect transition="in" filter="fade">
-                                      <p:cBhvr>
-                                        <p:cTn id="34" dur="1000"/>
-                                        <p:tgtEl>
-                                          <p:spTgt spid="301"/>
-                                        </p:tgtEl>
-                                      </p:cBhvr>
-                                    </p:animEffect>
-                                  </p:childTnLst>
-                                </p:cTn>
-                              </p:par>
-                              <p:par>
-                                <p:cTn id="35" presetID="10" presetClass="entr" presetSubtype="0" fill="hold" grpId="0" nodeType="withEffect">
-                                  <p:stCondLst>
-                                    <p:cond delay="0"/>
-                                  </p:stCondLst>
-                                  <p:childTnLst>
-                                    <p:set>
-                                      <p:cBhvr>
-                                        <p:cTn id="36" dur="1" fill="hold">
-                                          <p:stCondLst>
-                                            <p:cond delay="0"/>
-                                          </p:stCondLst>
-                                        </p:cTn>
-                                        <p:tgtEl>
-                                          <p:spTgt spid="303"/>
-                                        </p:tgtEl>
-                                        <p:attrNameLst>
-                                          <p:attrName>style.visibility</p:attrName>
-                                        </p:attrNameLst>
-                                      </p:cBhvr>
-                                      <p:to>
-                                        <p:strVal val="visible"/>
-                                      </p:to>
-                                    </p:set>
-                                    <p:animEffect transition="in" filter="fade">
-                                      <p:cBhvr>
-                                        <p:cTn id="37" dur="1000"/>
-                                        <p:tgtEl>
-                                          <p:spTgt spid="303"/>
-                                        </p:tgtEl>
-                                      </p:cBhvr>
-                                    </p:animEffect>
-                                  </p:childTnLst>
-                                </p:cTn>
-                              </p:par>
-                            </p:childTnLst>
-                          </p:cTn>
-                        </p:par>
-                      </p:childTnLst>
-                    </p:cTn>
-                  </p:par>
-                </p:childTnLst>
-              </p:cTn>
-              <p:prevCondLst>
-                <p:cond evt="onPrev" delay="0">
-                  <p:tgtEl>
-                    <p:sldTgt/>
-                  </p:tgtEl>
-                </p:cond>
-              </p:prevCondLst>
-              <p:nextCondLst>
-                <p:cond evt="onNext" delay="0">
-                  <p:tgtEl>
-                    <p:sldTgt/>
-                  </p:tgtEl>
-                </p:cond>
-              </p:nextCondLst>
-            </p:seq>
-          </p:childTnLst>
-        </p:cTn>
-      </p:par>
-    </p:tnLst>
-    <p:bldLst>
-      <p:bldP spid="290" grpId="0" animBg="1"/>
-      <p:bldP spid="291" grpId="0" animBg="1"/>
-      <p:bldP spid="292" grpId="0" animBg="1"/>
-      <p:bldP spid="293" grpId="0" animBg="1"/>
-      <p:bldP spid="294" grpId="0" animBg="1"/>
-      <p:bldP spid="295" grpId="0" animBg="1"/>
-      <p:bldP spid="296" grpId="0" animBg="1"/>
-      <p:bldP spid="297" grpId="0" animBg="1"/>
-      <p:bldP spid="299" grpId="0" animBg="1"/>
-      <p:bldP spid="301" grpId="0" animBg="1"/>
-      <p:bldP spid="303" grpId="0" animBg="1"/>
-    </p:bldLst>
-  </p:timing>
-</p:sld>
-</file>
-
-<file path=ppt/slides/slide25.xml><?xml version="1.0" encoding="utf-8"?>
-<p:sld xmlns:a="http://schemas.openxmlformats.org/drawingml/2006/main" xmlns:r="http://schemas.openxmlformats.org/officeDocument/2006/relationships" xmlns:p="http://schemas.openxmlformats.org/presentationml/2006/main">
-  <p:cSld>
-    <p:bg>
-      <p:bgPr>
-        <a:solidFill>
-          <a:srgbClr val="FFFFFF"/>
-        </a:solidFill>
-        <a:effectLst/>
-      </p:bgPr>
-    </p:bg>
-    <p:spTree>
-      <p:nvGrpSpPr>
-        <p:cNvPr id="1" name=""/>
-        <p:cNvGrpSpPr/>
-        <p:nvPr/>
-      </p:nvGrpSpPr>
-      <p:grpSpPr>
-        <a:xfrm>
-          <a:off x="0" y="0"/>
-          <a:ext cx="0" cy="0"/>
-          <a:chOff x="0" y="0"/>
-          <a:chExt cx="0" cy="0"/>
-        </a:xfrm>
-      </p:grpSpPr>
-      <p:pic>
-        <p:nvPicPr>
-          <p:cNvPr id="305" name="Picture 1"/>
-          <p:cNvPicPr>
-            <a:picLocks noChangeAspect="1"/>
-          </p:cNvPicPr>
-          <p:nvPr/>
-        </p:nvPicPr>
-        <p:blipFill>
-          <a:blip r:embed="rId2"/>
-          <a:stretch>
-            <a:fillRect/>
-          </a:stretch>
-        </p:blipFill>
-        <p:spPr>
-          <a:xfrm>
-            <a:off x="4038600" y="482600"/>
-            <a:ext cx="3472786" cy="820414"/>
-          </a:xfrm>
-          <a:prstGeom prst="rect">
-            <a:avLst/>
-          </a:prstGeom>
-        </p:spPr>
-      </p:pic>
-      <p:sp>
-        <p:nvSpPr>
-          <p:cNvPr id="306" name="TextBox 2"/>
-          <p:cNvSpPr txBox="1"/>
-          <p:nvPr/>
-        </p:nvSpPr>
-        <p:spPr>
-          <a:xfrm>
-            <a:off x="4254500" y="774700"/>
-            <a:ext cx="2800668" cy="406400"/>
-          </a:xfrm>
-          <a:prstGeom prst="rect">
-            <a:avLst/>
-          </a:prstGeom>
-        </p:spPr>
-        <p:txBody>
-          <a:bodyPr lIns="0" tIns="0" rIns="0" bIns="0" rtlCol="0" anchor="t">
-            <a:spAutoFit/>
-          </a:bodyPr>
-          <a:lstStyle/>
-          <a:p>
-            <a:pPr algn="ctr" latinLnBrk="1"/>
-            <a:r>
-              <a:rPr lang="en-US" sz="2300">
-                <a:solidFill>
-                  <a:srgbClr val="000000"/>
-                </a:solidFill>
-                <a:latin typeface="Microsoft YaHei"/>
-                <a:ea typeface="Microsoft YaHei"/>
-              </a:rPr>
-              <a:t>在这里填写标题</a:t>
-            </a:r>
-            <a:endParaRPr lang="en-US" sz="1100"/>
-          </a:p>
-        </p:txBody>
-      </p:sp>
-      <p:pic>
-        <p:nvPicPr>
-          <p:cNvPr id="307" name="Picture 3"/>
-          <p:cNvPicPr>
-            <a:picLocks noChangeAspect="1"/>
-          </p:cNvPicPr>
-          <p:nvPr/>
-        </p:nvPicPr>
-        <p:blipFill>
-          <a:blip r:embed="rId3"/>
-          <a:stretch>
-            <a:fillRect/>
-          </a:stretch>
-        </p:blipFill>
-        <p:spPr>
-          <a:xfrm>
-            <a:off x="1625600" y="2184400"/>
-            <a:ext cx="1033681" cy="1250034"/>
-          </a:xfrm>
-          <a:prstGeom prst="rect">
-            <a:avLst/>
-          </a:prstGeom>
-        </p:spPr>
-      </p:pic>
-      <p:pic>
-        <p:nvPicPr>
-          <p:cNvPr id="308" name="Picture 4"/>
-          <p:cNvPicPr>
-            <a:picLocks noChangeAspect="1"/>
-          </p:cNvPicPr>
-          <p:nvPr/>
-        </p:nvPicPr>
-        <p:blipFill>
-          <a:blip r:embed="rId4"/>
-          <a:stretch>
-            <a:fillRect/>
-          </a:stretch>
-        </p:blipFill>
-        <p:spPr>
-          <a:xfrm>
-            <a:off x="1892300" y="2374900"/>
-            <a:ext cx="502154" cy="442114"/>
-          </a:xfrm>
-          <a:prstGeom prst="rect">
-            <a:avLst/>
-          </a:prstGeom>
-        </p:spPr>
-      </p:pic>
-      <p:grpSp>
-        <p:nvGrpSpPr>
-          <p:cNvPr id="309" name="Group 5"/>
-          <p:cNvGrpSpPr/>
-          <p:nvPr/>
-        </p:nvGrpSpPr>
-        <p:grpSpPr>
-          <a:xfrm>
-            <a:off x="1360424" y="2822448"/>
-            <a:ext cx="1535938" cy="571500"/>
-            <a:chOff x="1360424" y="2822448"/>
-            <a:chExt cx="1535938" cy="571500"/>
-          </a:xfrm>
-        </p:grpSpPr>
-        <p:sp>
-          <p:nvSpPr>
-            <p:cNvPr id="310" name="TextBox 309"/>
-            <p:cNvSpPr txBox="1"/>
-            <p:nvPr/>
-          </p:nvSpPr>
-          <p:spPr>
-            <a:xfrm>
-              <a:off x="1360424" y="2822448"/>
-              <a:ext cx="1535938" cy="571500"/>
-            </a:xfrm>
-            <a:prstGeom prst="rect">
-              <a:avLst/>
-            </a:prstGeom>
-          </p:spPr>
-          <p:txBody>
-            <a:bodyPr lIns="0" tIns="0" rIns="0" bIns="0" rtlCol="0" anchor="t">
-              <a:spAutoFit/>
-            </a:bodyPr>
-            <a:lstStyle/>
-            <a:p>
-              <a:pPr algn="ctr" latinLnBrk="1"/>
-              <a:r>
-                <a:rPr lang="en-US" sz="3200" b="1">
-                  <a:solidFill>
-                    <a:srgbClr val="000000"/>
-                  </a:solidFill>
-                  <a:latin typeface="Microsoft YaHei"/>
-                  <a:ea typeface="Microsoft YaHei"/>
-                </a:rPr>
-                <a:t>01</a:t>
-              </a:r>
-              <a:endParaRPr lang="en-US" sz="1100"/>
-            </a:p>
-          </p:txBody>
-        </p:sp>
-      </p:grpSp>
-      <p:grpSp>
-        <p:nvGrpSpPr>
-          <p:cNvPr id="311" name="Group 6"/>
-          <p:cNvGrpSpPr/>
-          <p:nvPr/>
-        </p:nvGrpSpPr>
-        <p:grpSpPr>
-          <a:xfrm>
-            <a:off x="2857500" y="2186813"/>
-            <a:ext cx="2394839" cy="1114679"/>
-            <a:chOff x="2857500" y="2186813"/>
-            <a:chExt cx="2394839" cy="1114679"/>
-          </a:xfrm>
-        </p:grpSpPr>
-        <p:sp>
-          <p:nvSpPr>
-            <p:cNvPr id="312" name="TextBox 311"/>
-            <p:cNvSpPr txBox="1"/>
-            <p:nvPr/>
-          </p:nvSpPr>
-          <p:spPr>
-            <a:xfrm>
-              <a:off x="2873375" y="2186813"/>
-              <a:ext cx="2200529" cy="355600"/>
-            </a:xfrm>
-            <a:prstGeom prst="rect">
-              <a:avLst/>
-            </a:prstGeom>
-          </p:spPr>
-          <p:txBody>
-            <a:bodyPr lIns="0" tIns="0" rIns="0" bIns="0" rtlCol="0" anchor="t">
-              <a:spAutoFit/>
-            </a:bodyPr>
-            <a:lstStyle/>
-            <a:p>
-              <a:pPr algn="l" latinLnBrk="1"/>
-              <a:r>
-                <a:rPr lang="en-US" sz="2000">
-                  <a:solidFill>
-                    <a:srgbClr val="000000"/>
-                  </a:solidFill>
-                  <a:latin typeface="Microsoft YaHei"/>
-                  <a:ea typeface="Microsoft YaHei"/>
-                </a:rPr>
-                <a:t>在这里添加标题</a:t>
-              </a:r>
-              <a:endParaRPr lang="en-US" sz="1100"/>
-            </a:p>
-          </p:txBody>
-        </p:sp>
-        <p:sp>
-          <p:nvSpPr>
-            <p:cNvPr id="313" name="TextBox 312"/>
-            <p:cNvSpPr txBox="1"/>
-            <p:nvPr/>
-          </p:nvSpPr>
-          <p:spPr>
-            <a:xfrm>
-              <a:off x="2863596" y="2660142"/>
-              <a:ext cx="2388743" cy="641350"/>
-            </a:xfrm>
-            <a:prstGeom prst="rect">
-              <a:avLst/>
-            </a:prstGeom>
-          </p:spPr>
-          <p:txBody>
-            <a:bodyPr lIns="0" tIns="0" rIns="0" bIns="0" rtlCol="0" anchor="t">
-              <a:spAutoFit/>
-            </a:bodyPr>
-            <a:lstStyle/>
-            <a:p>
-              <a:pPr algn="l" latinLnBrk="1"/>
-              <a:r>
-                <a:rPr lang="en-US" sz="1200">
-                  <a:solidFill>
-                    <a:srgbClr val="000000"/>
-                  </a:solidFill>
-                  <a:latin typeface="Microsoft YaHei"/>
-                  <a:ea typeface="Microsoft YaHei"/>
-                </a:rPr>
-                <a:t>在这里填写内容详情描述在这里填写内容详情描述在这里填写内容详情描述</a:t>
-              </a:r>
-              <a:endParaRPr lang="en-US" sz="1100"/>
-            </a:p>
-          </p:txBody>
-        </p:sp>
-        <p:pic>
-          <p:nvPicPr>
-            <p:cNvPr id="314" name="Picture 313"/>
-            <p:cNvPicPr>
-              <a:picLocks noChangeAspect="1"/>
-            </p:cNvPicPr>
-            <p:nvPr/>
-          </p:nvPicPr>
-          <p:blipFill>
-            <a:blip r:embed="rId5"/>
-            <a:stretch>
-              <a:fillRect/>
-            </a:stretch>
-          </p:blipFill>
-          <p:spPr>
-            <a:xfrm>
-              <a:off x="2857500" y="2565400"/>
-              <a:ext cx="2278672" cy="19330"/>
-            </a:xfrm>
-            <a:prstGeom prst="rect">
-              <a:avLst/>
-            </a:prstGeom>
-          </p:spPr>
-        </p:pic>
-      </p:grpSp>
-      <p:grpSp>
-        <p:nvGrpSpPr>
-          <p:cNvPr id="315" name="Group 7"/>
-          <p:cNvGrpSpPr/>
-          <p:nvPr/>
-        </p:nvGrpSpPr>
-        <p:grpSpPr>
-          <a:xfrm>
-            <a:off x="6407785" y="2135886"/>
-            <a:ext cx="3914775" cy="1260448"/>
-            <a:chOff x="6407785" y="2135886"/>
-            <a:chExt cx="3914775" cy="1260448"/>
-          </a:xfrm>
-        </p:grpSpPr>
-        <p:pic>
-          <p:nvPicPr>
-            <p:cNvPr id="316" name="Picture 315"/>
-            <p:cNvPicPr>
-              <a:picLocks noChangeAspect="1"/>
-            </p:cNvPicPr>
-            <p:nvPr/>
-          </p:nvPicPr>
-          <p:blipFill>
-            <a:blip r:embed="rId3"/>
-            <a:stretch>
-              <a:fillRect/>
-            </a:stretch>
-          </p:blipFill>
-          <p:spPr>
-            <a:xfrm>
-              <a:off x="6667500" y="2146300"/>
-              <a:ext cx="1033681" cy="1250034"/>
-            </a:xfrm>
-            <a:prstGeom prst="rect">
-              <a:avLst/>
-            </a:prstGeom>
-          </p:spPr>
-        </p:pic>
-        <p:sp>
-          <p:nvSpPr>
-            <p:cNvPr id="317" name="TextBox 316"/>
-            <p:cNvSpPr txBox="1"/>
-            <p:nvPr/>
-          </p:nvSpPr>
-          <p:spPr>
-            <a:xfrm>
-              <a:off x="6407785" y="2771648"/>
-              <a:ext cx="1611757" cy="571500"/>
-            </a:xfrm>
-            <a:prstGeom prst="rect">
-              <a:avLst/>
-            </a:prstGeom>
-          </p:spPr>
-          <p:txBody>
-            <a:bodyPr lIns="0" tIns="0" rIns="0" bIns="0" rtlCol="0" anchor="t">
-              <a:spAutoFit/>
-            </a:bodyPr>
-            <a:lstStyle/>
-            <a:p>
-              <a:pPr algn="ctr" latinLnBrk="1"/>
-              <a:r>
-                <a:rPr lang="en-US" sz="3200" b="1">
-                  <a:solidFill>
-                    <a:srgbClr val="000000"/>
-                  </a:solidFill>
-                  <a:latin typeface="Microsoft YaHei"/>
-                  <a:ea typeface="Microsoft YaHei"/>
-                </a:rPr>
-                <a:t>02</a:t>
-              </a:r>
-              <a:endParaRPr lang="en-US" sz="1100"/>
-            </a:p>
-          </p:txBody>
-        </p:sp>
-        <p:sp>
-          <p:nvSpPr>
-            <p:cNvPr id="318" name="TextBox 317"/>
-            <p:cNvSpPr txBox="1"/>
-            <p:nvPr/>
-          </p:nvSpPr>
-          <p:spPr>
-            <a:xfrm>
-              <a:off x="7920609" y="2135886"/>
-              <a:ext cx="1971929" cy="355600"/>
-            </a:xfrm>
-            <a:prstGeom prst="rect">
-              <a:avLst/>
-            </a:prstGeom>
-          </p:spPr>
-          <p:txBody>
-            <a:bodyPr lIns="0" tIns="0" rIns="0" bIns="0" rtlCol="0" anchor="t">
-              <a:spAutoFit/>
-            </a:bodyPr>
-            <a:lstStyle/>
-            <a:p>
-              <a:pPr algn="l" latinLnBrk="1"/>
-              <a:r>
-                <a:rPr lang="en-US" sz="2000">
-                  <a:solidFill>
-                    <a:srgbClr val="000000"/>
-                  </a:solidFill>
-                  <a:latin typeface="Microsoft YaHei"/>
-                  <a:ea typeface="Microsoft YaHei"/>
-                </a:rPr>
-                <a:t>在这里添加标题</a:t>
-              </a:r>
-              <a:endParaRPr lang="en-US" sz="1100"/>
-            </a:p>
-          </p:txBody>
-        </p:sp>
-        <p:sp>
-          <p:nvSpPr>
-            <p:cNvPr id="319" name="TextBox 318"/>
-            <p:cNvSpPr txBox="1"/>
-            <p:nvPr/>
-          </p:nvSpPr>
-          <p:spPr>
-            <a:xfrm>
-              <a:off x="7907909" y="2606294"/>
-              <a:ext cx="2414651" cy="641350"/>
-            </a:xfrm>
-            <a:prstGeom prst="rect">
-              <a:avLst/>
-            </a:prstGeom>
-          </p:spPr>
-          <p:txBody>
-            <a:bodyPr lIns="0" tIns="0" rIns="0" bIns="0" rtlCol="0" anchor="t">
-              <a:spAutoFit/>
-            </a:bodyPr>
-            <a:lstStyle/>
-            <a:p>
-              <a:pPr algn="l" latinLnBrk="1"/>
-              <a:r>
-                <a:rPr lang="en-US" sz="1200">
-                  <a:solidFill>
-                    <a:srgbClr val="000000"/>
-                  </a:solidFill>
-                  <a:latin typeface="Microsoft YaHei"/>
-                  <a:ea typeface="Microsoft YaHei"/>
-                </a:rPr>
-                <a:t>在这里填写内容详情描述在这里填写内容详情描述在这里填写内容详情描述</a:t>
-              </a:r>
-              <a:endParaRPr lang="en-US" sz="1100"/>
-            </a:p>
-          </p:txBody>
-        </p:sp>
-        <p:pic>
-          <p:nvPicPr>
-            <p:cNvPr id="320" name="Picture 319"/>
-            <p:cNvPicPr>
-              <a:picLocks noChangeAspect="1"/>
-            </p:cNvPicPr>
-            <p:nvPr/>
-          </p:nvPicPr>
-          <p:blipFill>
-            <a:blip r:embed="rId5"/>
-            <a:stretch>
-              <a:fillRect/>
-            </a:stretch>
-          </p:blipFill>
-          <p:spPr>
-            <a:xfrm>
-              <a:off x="7899400" y="2527300"/>
-              <a:ext cx="2278672" cy="19330"/>
-            </a:xfrm>
-            <a:prstGeom prst="rect">
-              <a:avLst/>
-            </a:prstGeom>
-          </p:spPr>
-        </p:pic>
-        <p:pic>
-          <p:nvPicPr>
-            <p:cNvPr id="321" name="Picture 320"/>
-            <p:cNvPicPr>
-              <a:picLocks noChangeAspect="1"/>
-            </p:cNvPicPr>
-            <p:nvPr/>
-          </p:nvPicPr>
-          <p:blipFill>
-            <a:blip r:embed="rId6"/>
-            <a:stretch>
-              <a:fillRect/>
-            </a:stretch>
-          </p:blipFill>
-          <p:spPr>
-            <a:xfrm>
-              <a:off x="6972300" y="2273300"/>
-              <a:ext cx="444431" cy="540703"/>
-            </a:xfrm>
-            <a:prstGeom prst="rect">
-              <a:avLst/>
-            </a:prstGeom>
-          </p:spPr>
-        </p:pic>
-      </p:grpSp>
-      <p:grpSp>
-        <p:nvGrpSpPr>
-          <p:cNvPr id="322" name="Group 8"/>
-          <p:cNvGrpSpPr/>
-          <p:nvPr/>
-        </p:nvGrpSpPr>
-        <p:grpSpPr>
-          <a:xfrm>
-            <a:off x="1360424" y="4089400"/>
-            <a:ext cx="3831336" cy="1250034"/>
-            <a:chOff x="1360424" y="4089400"/>
-            <a:chExt cx="3831336" cy="1250034"/>
-          </a:xfrm>
-        </p:grpSpPr>
-        <p:pic>
-          <p:nvPicPr>
-            <p:cNvPr id="323" name="Picture 322"/>
-            <p:cNvPicPr>
-              <a:picLocks noChangeAspect="1"/>
-            </p:cNvPicPr>
-            <p:nvPr/>
-          </p:nvPicPr>
-          <p:blipFill>
-            <a:blip r:embed="rId3"/>
-            <a:stretch>
-              <a:fillRect/>
-            </a:stretch>
-          </p:blipFill>
-          <p:spPr>
-            <a:xfrm>
-              <a:off x="1625600" y="4089400"/>
-              <a:ext cx="1033681" cy="1250034"/>
-            </a:xfrm>
-            <a:prstGeom prst="rect">
-              <a:avLst/>
-            </a:prstGeom>
-          </p:spPr>
-        </p:pic>
-        <p:sp>
-          <p:nvSpPr>
-            <p:cNvPr id="324" name="TextBox 323"/>
-            <p:cNvSpPr txBox="1"/>
-            <p:nvPr/>
-          </p:nvSpPr>
-          <p:spPr>
-            <a:xfrm>
-              <a:off x="1360424" y="4729480"/>
-              <a:ext cx="1550924" cy="571500"/>
-            </a:xfrm>
-            <a:prstGeom prst="rect">
-              <a:avLst/>
-            </a:prstGeom>
-          </p:spPr>
-          <p:txBody>
-            <a:bodyPr lIns="0" tIns="0" rIns="0" bIns="0" rtlCol="0" anchor="t">
-              <a:spAutoFit/>
-            </a:bodyPr>
-            <a:lstStyle/>
-            <a:p>
-              <a:pPr algn="ctr" latinLnBrk="1"/>
-              <a:r>
-                <a:rPr lang="en-US" sz="3200" b="1">
-                  <a:solidFill>
-                    <a:srgbClr val="000000"/>
-                  </a:solidFill>
-                  <a:latin typeface="Microsoft YaHei"/>
-                  <a:ea typeface="Microsoft YaHei"/>
-                </a:rPr>
-                <a:t>03</a:t>
-              </a:r>
-              <a:endParaRPr lang="en-US" sz="1100"/>
-            </a:p>
-          </p:txBody>
-        </p:sp>
-        <p:sp>
-          <p:nvSpPr>
-            <p:cNvPr id="325" name="TextBox 324"/>
-            <p:cNvSpPr txBox="1"/>
-            <p:nvPr/>
-          </p:nvSpPr>
-          <p:spPr>
-            <a:xfrm>
-              <a:off x="2873375" y="4093845"/>
-              <a:ext cx="2134298" cy="355600"/>
-            </a:xfrm>
-            <a:prstGeom prst="rect">
-              <a:avLst/>
-            </a:prstGeom>
-          </p:spPr>
-          <p:txBody>
-            <a:bodyPr lIns="0" tIns="0" rIns="0" bIns="0" rtlCol="0" anchor="t">
-              <a:spAutoFit/>
-            </a:bodyPr>
-            <a:lstStyle/>
-            <a:p>
-              <a:pPr algn="l" latinLnBrk="1"/>
-              <a:r>
-                <a:rPr lang="en-US" sz="2000">
-                  <a:solidFill>
-                    <a:srgbClr val="000000"/>
-                  </a:solidFill>
-                  <a:latin typeface="Microsoft YaHei"/>
-                  <a:ea typeface="Microsoft YaHei"/>
-                </a:rPr>
-                <a:t>在这里添加标题</a:t>
-              </a:r>
-              <a:endParaRPr lang="en-US" sz="1100"/>
-            </a:p>
-          </p:txBody>
-        </p:sp>
-        <p:sp>
-          <p:nvSpPr>
-            <p:cNvPr id="326" name="TextBox 325"/>
-            <p:cNvSpPr txBox="1"/>
-            <p:nvPr/>
-          </p:nvSpPr>
-          <p:spPr>
-            <a:xfrm>
-              <a:off x="2860548" y="4564253"/>
-              <a:ext cx="2331212" cy="641350"/>
-            </a:xfrm>
-            <a:prstGeom prst="rect">
-              <a:avLst/>
-            </a:prstGeom>
-          </p:spPr>
-          <p:txBody>
-            <a:bodyPr lIns="0" tIns="0" rIns="0" bIns="0" rtlCol="0" anchor="t">
-              <a:spAutoFit/>
-            </a:bodyPr>
-            <a:lstStyle/>
-            <a:p>
-              <a:pPr algn="l" latinLnBrk="1"/>
-              <a:r>
-                <a:rPr lang="en-US" sz="1200">
-                  <a:solidFill>
-                    <a:srgbClr val="000000"/>
-                  </a:solidFill>
-                  <a:latin typeface="Microsoft YaHei"/>
-                  <a:ea typeface="Microsoft YaHei"/>
-                </a:rPr>
-                <a:t>在这里填写内容详情描述在这里填写内容详情描述在这里填写内容详情描述</a:t>
-              </a:r>
-              <a:endParaRPr lang="en-US" sz="1100"/>
-            </a:p>
-          </p:txBody>
-        </p:sp>
-        <p:pic>
-          <p:nvPicPr>
-            <p:cNvPr id="327" name="Picture 326"/>
-            <p:cNvPicPr>
-              <a:picLocks noChangeAspect="1"/>
-            </p:cNvPicPr>
-            <p:nvPr/>
-          </p:nvPicPr>
-          <p:blipFill>
-            <a:blip r:embed="rId5"/>
-            <a:stretch>
-              <a:fillRect/>
-            </a:stretch>
-          </p:blipFill>
-          <p:spPr>
-            <a:xfrm>
-              <a:off x="2870200" y="4483100"/>
-              <a:ext cx="2278672" cy="19330"/>
-            </a:xfrm>
-            <a:prstGeom prst="rect">
-              <a:avLst/>
-            </a:prstGeom>
-          </p:spPr>
-        </p:pic>
-        <p:pic>
-          <p:nvPicPr>
-            <p:cNvPr id="328" name="Picture 327"/>
-            <p:cNvPicPr>
-              <a:picLocks noChangeAspect="1"/>
-            </p:cNvPicPr>
-            <p:nvPr/>
-          </p:nvPicPr>
-          <p:blipFill>
-            <a:blip r:embed="rId7"/>
-            <a:stretch>
-              <a:fillRect/>
-            </a:stretch>
-          </p:blipFill>
-          <p:spPr>
-            <a:xfrm>
-              <a:off x="1943100" y="4216400"/>
-              <a:ext cx="421894" cy="532234"/>
-            </a:xfrm>
-            <a:prstGeom prst="rect">
-              <a:avLst/>
-            </a:prstGeom>
-          </p:spPr>
-        </p:pic>
-      </p:grpSp>
-      <p:grpSp>
-        <p:nvGrpSpPr>
-          <p:cNvPr id="329" name="Group 9"/>
-          <p:cNvGrpSpPr/>
-          <p:nvPr/>
-        </p:nvGrpSpPr>
-        <p:grpSpPr>
-          <a:xfrm>
-            <a:off x="6407785" y="4043045"/>
-            <a:ext cx="3832542" cy="1258289"/>
-            <a:chOff x="6407785" y="4043045"/>
-            <a:chExt cx="3832542" cy="1258289"/>
-          </a:xfrm>
-        </p:grpSpPr>
-        <p:pic>
-          <p:nvPicPr>
-            <p:cNvPr id="330" name="Picture 329"/>
-            <p:cNvPicPr>
-              <a:picLocks noChangeAspect="1"/>
-            </p:cNvPicPr>
-            <p:nvPr/>
-          </p:nvPicPr>
-          <p:blipFill>
-            <a:blip r:embed="rId3"/>
-            <a:stretch>
-              <a:fillRect/>
-            </a:stretch>
-          </p:blipFill>
-          <p:spPr>
-            <a:xfrm>
-              <a:off x="6667500" y="4051300"/>
-              <a:ext cx="1033681" cy="1250034"/>
-            </a:xfrm>
-            <a:prstGeom prst="rect">
-              <a:avLst/>
-            </a:prstGeom>
-          </p:spPr>
-        </p:pic>
-        <p:sp>
-          <p:nvSpPr>
-            <p:cNvPr id="331" name="TextBox 330"/>
-            <p:cNvSpPr txBox="1"/>
-            <p:nvPr/>
-          </p:nvSpPr>
-          <p:spPr>
-            <a:xfrm>
-              <a:off x="6407785" y="4678680"/>
-              <a:ext cx="1549972" cy="571500"/>
-            </a:xfrm>
-            <a:prstGeom prst="rect">
-              <a:avLst/>
-            </a:prstGeom>
-          </p:spPr>
-          <p:txBody>
-            <a:bodyPr lIns="0" tIns="0" rIns="0" bIns="0" rtlCol="0" anchor="t">
-              <a:spAutoFit/>
-            </a:bodyPr>
-            <a:lstStyle/>
-            <a:p>
-              <a:pPr algn="ctr" latinLnBrk="1"/>
-              <a:r>
-                <a:rPr lang="en-US" sz="3200" b="1">
-                  <a:solidFill>
-                    <a:srgbClr val="000000"/>
-                  </a:solidFill>
-                  <a:latin typeface="Microsoft YaHei"/>
-                  <a:ea typeface="Microsoft YaHei"/>
-                </a:rPr>
-                <a:t>04</a:t>
-              </a:r>
-              <a:endParaRPr lang="en-US" sz="1100"/>
-            </a:p>
-          </p:txBody>
-        </p:sp>
-        <p:sp>
-          <p:nvSpPr>
-            <p:cNvPr id="332" name="TextBox 331"/>
-            <p:cNvSpPr txBox="1"/>
-            <p:nvPr/>
-          </p:nvSpPr>
-          <p:spPr>
-            <a:xfrm>
-              <a:off x="7920609" y="4043045"/>
-              <a:ext cx="1934210" cy="355600"/>
-            </a:xfrm>
-            <a:prstGeom prst="rect">
-              <a:avLst/>
-            </a:prstGeom>
-          </p:spPr>
-          <p:txBody>
-            <a:bodyPr lIns="0" tIns="0" rIns="0" bIns="0" rtlCol="0" anchor="t">
-              <a:spAutoFit/>
-            </a:bodyPr>
-            <a:lstStyle/>
-            <a:p>
-              <a:pPr algn="l" latinLnBrk="1"/>
-              <a:r>
-                <a:rPr lang="en-US" sz="2000">
-                  <a:solidFill>
-                    <a:srgbClr val="000000"/>
-                  </a:solidFill>
-                  <a:latin typeface="Microsoft YaHei"/>
-                  <a:ea typeface="Microsoft YaHei"/>
-                </a:rPr>
-                <a:t>在这里添加标题</a:t>
-              </a:r>
-              <a:endParaRPr lang="en-US" sz="1100"/>
-            </a:p>
-          </p:txBody>
-        </p:sp>
-        <p:sp>
-          <p:nvSpPr>
-            <p:cNvPr id="333" name="TextBox 332"/>
-            <p:cNvSpPr txBox="1"/>
-            <p:nvPr/>
-          </p:nvSpPr>
-          <p:spPr>
-            <a:xfrm>
-              <a:off x="7907909" y="4513326"/>
-              <a:ext cx="2332418" cy="641350"/>
-            </a:xfrm>
-            <a:prstGeom prst="rect">
-              <a:avLst/>
-            </a:prstGeom>
-          </p:spPr>
-          <p:txBody>
-            <a:bodyPr lIns="0" tIns="0" rIns="0" bIns="0" rtlCol="0" anchor="t">
-              <a:spAutoFit/>
-            </a:bodyPr>
-            <a:lstStyle/>
-            <a:p>
-              <a:pPr algn="l" latinLnBrk="1"/>
-              <a:r>
-                <a:rPr lang="en-US" sz="1200">
-                  <a:solidFill>
-                    <a:srgbClr val="000000"/>
-                  </a:solidFill>
-                  <a:latin typeface="Microsoft YaHei"/>
-                  <a:ea typeface="Microsoft YaHei"/>
-                </a:rPr>
-                <a:t>在这里填写内容详情描述在这里填写内容详情描述在这里填写内容详情描述</a:t>
-              </a:r>
-              <a:endParaRPr lang="en-US" sz="1100"/>
-            </a:p>
-          </p:txBody>
-        </p:sp>
-        <p:pic>
-          <p:nvPicPr>
-            <p:cNvPr id="334" name="Picture 333"/>
-            <p:cNvPicPr>
-              <a:picLocks noChangeAspect="1"/>
-            </p:cNvPicPr>
-            <p:nvPr/>
-          </p:nvPicPr>
-          <p:blipFill>
-            <a:blip r:embed="rId5"/>
-            <a:stretch>
-              <a:fillRect/>
-            </a:stretch>
-          </p:blipFill>
-          <p:spPr>
-            <a:xfrm>
-              <a:off x="7912100" y="4432300"/>
-              <a:ext cx="2278672" cy="19330"/>
-            </a:xfrm>
-            <a:prstGeom prst="rect">
-              <a:avLst/>
-            </a:prstGeom>
-          </p:spPr>
-        </p:pic>
-        <p:pic>
-          <p:nvPicPr>
-            <p:cNvPr id="335" name="Picture 334"/>
-            <p:cNvPicPr>
-              <a:picLocks noChangeAspect="1"/>
-            </p:cNvPicPr>
-            <p:nvPr/>
-          </p:nvPicPr>
-          <p:blipFill>
-            <a:blip r:embed="rId8"/>
-            <a:stretch>
-              <a:fillRect/>
-            </a:stretch>
-          </p:blipFill>
-          <p:spPr>
-            <a:xfrm>
-              <a:off x="6972300" y="4178300"/>
-              <a:ext cx="469388" cy="491220"/>
-            </a:xfrm>
-            <a:prstGeom prst="rect">
-              <a:avLst/>
-            </a:prstGeom>
-          </p:spPr>
-        </p:pic>
-      </p:grpSp>
-    </p:spTree>
-  </p:cSld>
-  <p:clrMapOvr>
-    <a:masterClrMapping/>
-  </p:clrMapOvr>
-  <p:transition spd="med">
-    <p:fade/>
-  </p:transition>
-  <p:timing>
-    <p:tnLst>
-      <p:par>
-        <p:cTn id="1" dur="indefinite" restart="never" nodeType="tmRoot">
-          <p:childTnLst>
-            <p:seq concurrent="1" nextAc="seek">
-              <p:cTn id="2" dur="indefinite" nodeType="mainSeq">
-                <p:childTnLst>
-                  <p:par>
-                    <p:cTn id="3" fill="hold">
-                      <p:stCondLst>
-                        <p:cond delay="indefinite"/>
-                        <p:cond evt="onBegin" delay="0">
-                          <p:tn val="2"/>
-                        </p:cond>
-                      </p:stCondLst>
-                      <p:childTnLst>
-                        <p:par>
-                          <p:cTn id="4" fill="hold">
-                            <p:stCondLst>
-                              <p:cond delay="0"/>
-                            </p:stCondLst>
-                            <p:childTnLst>
-                              <p:par>
-                                <p:cTn id="5" presetID="10" presetClass="entr" presetSubtype="0" fill="hold" grpId="0" nodeType="withEffect">
-                                  <p:stCondLst>
-                                    <p:cond delay="0"/>
-                                  </p:stCondLst>
-                                  <p:childTnLst>
-                                    <p:set>
-                                      <p:cBhvr>
-                                        <p:cTn id="6" dur="1" fill="hold">
-                                          <p:stCondLst>
-                                            <p:cond delay="0"/>
-                                          </p:stCondLst>
-                                        </p:cTn>
-                                        <p:tgtEl>
-                                          <p:spTgt spid="305"/>
-                                        </p:tgtEl>
-                                        <p:attrNameLst>
-                                          <p:attrName>style.visibility</p:attrName>
-                                        </p:attrNameLst>
-                                      </p:cBhvr>
-                                      <p:to>
-                                        <p:strVal val="visible"/>
-                                      </p:to>
-                                    </p:set>
-                                    <p:animEffect transition="in" filter="fade">
-                                      <p:cBhvr>
-                                        <p:cTn id="7" dur="1000"/>
-                                        <p:tgtEl>
-                                          <p:spTgt spid="305"/>
-                                        </p:tgtEl>
-                                      </p:cBhvr>
-                                    </p:animEffect>
-                                  </p:childTnLst>
-                                </p:cTn>
-                              </p:par>
-                              <p:par>
-                                <p:cTn id="8" presetID="10" presetClass="entr" presetSubtype="0" fill="hold" grpId="0" nodeType="withEffect">
-                                  <p:stCondLst>
-                                    <p:cond delay="0"/>
-                                  </p:stCondLst>
-                                  <p:childTnLst>
-                                    <p:set>
-                                      <p:cBhvr>
-                                        <p:cTn id="9" dur="1" fill="hold">
-                                          <p:stCondLst>
-                                            <p:cond delay="0"/>
-                                          </p:stCondLst>
-                                        </p:cTn>
-                                        <p:tgtEl>
-                                          <p:spTgt spid="306"/>
-                                        </p:tgtEl>
-                                        <p:attrNameLst>
-                                          <p:attrName>style.visibility</p:attrName>
-                                        </p:attrNameLst>
-                                      </p:cBhvr>
-                                      <p:to>
-                                        <p:strVal val="visible"/>
-                                      </p:to>
-                                    </p:set>
-                                    <p:animEffect transition="in" filter="fade">
-                                      <p:cBhvr>
-                                        <p:cTn id="10" dur="1000"/>
-                                        <p:tgtEl>
-                                          <p:spTgt spid="306"/>
-                                        </p:tgtEl>
-                                      </p:cBhvr>
-                                    </p:animEffect>
-                                  </p:childTnLst>
-                                </p:cTn>
-                              </p:par>
-                              <p:par>
-                                <p:cTn id="11" presetID="10" presetClass="entr" presetSubtype="0" fill="hold" grpId="0" nodeType="withEffect">
-                                  <p:stCondLst>
-                                    <p:cond delay="0"/>
-                                  </p:stCondLst>
-                                  <p:childTnLst>
-                                    <p:set>
-                                      <p:cBhvr>
-                                        <p:cTn id="12" dur="1" fill="hold">
-                                          <p:stCondLst>
-                                            <p:cond delay="0"/>
-                                          </p:stCondLst>
-                                        </p:cTn>
-                                        <p:tgtEl>
-                                          <p:spTgt spid="307"/>
-                                        </p:tgtEl>
-                                        <p:attrNameLst>
-                                          <p:attrName>style.visibility</p:attrName>
-                                        </p:attrNameLst>
-                                      </p:cBhvr>
-                                      <p:to>
-                                        <p:strVal val="visible"/>
-                                      </p:to>
-                                    </p:set>
-                                    <p:animEffect transition="in" filter="fade">
-                                      <p:cBhvr>
-                                        <p:cTn id="13" dur="1000"/>
-                                        <p:tgtEl>
-                                          <p:spTgt spid="307"/>
-                                        </p:tgtEl>
-                                      </p:cBhvr>
-                                    </p:animEffect>
-                                  </p:childTnLst>
-                                </p:cTn>
-                              </p:par>
-                              <p:par>
-                                <p:cTn id="14" presetID="10" presetClass="entr" presetSubtype="0" fill="hold" grpId="0" nodeType="withEffect">
-                                  <p:stCondLst>
-                                    <p:cond delay="0"/>
-                                  </p:stCondLst>
-                                  <p:childTnLst>
-                                    <p:set>
-                                      <p:cBhvr>
-                                        <p:cTn id="15" dur="1" fill="hold">
-                                          <p:stCondLst>
-                                            <p:cond delay="0"/>
-                                          </p:stCondLst>
-                                        </p:cTn>
-                                        <p:tgtEl>
-                                          <p:spTgt spid="308"/>
-                                        </p:tgtEl>
-                                        <p:attrNameLst>
-                                          <p:attrName>style.visibility</p:attrName>
-                                        </p:attrNameLst>
-                                      </p:cBhvr>
-                                      <p:to>
-                                        <p:strVal val="visible"/>
-                                      </p:to>
-                                    </p:set>
-                                    <p:animEffect transition="in" filter="fade">
-                                      <p:cBhvr>
-                                        <p:cTn id="16" dur="1000"/>
-                                        <p:tgtEl>
-                                          <p:spTgt spid="308"/>
-                                        </p:tgtEl>
-                                      </p:cBhvr>
-                                    </p:animEffect>
-                                  </p:childTnLst>
-                                </p:cTn>
-                              </p:par>
-                              <p:par>
-                                <p:cTn id="17" presetID="10" presetClass="entr" presetSubtype="0" fill="hold" grpId="0" nodeType="withEffect">
-                                  <p:stCondLst>
-                                    <p:cond delay="0"/>
-                                  </p:stCondLst>
-                                  <p:childTnLst>
-                                    <p:set>
-                                      <p:cBhvr>
-                                        <p:cTn id="18" dur="1" fill="hold">
-                                          <p:stCondLst>
-                                            <p:cond delay="0"/>
-                                          </p:stCondLst>
-                                        </p:cTn>
-                                        <p:tgtEl>
-                                          <p:spTgt spid="309"/>
-                                        </p:tgtEl>
-                                        <p:attrNameLst>
-                                          <p:attrName>style.visibility</p:attrName>
-                                        </p:attrNameLst>
-                                      </p:cBhvr>
-                                      <p:to>
-                                        <p:strVal val="visible"/>
-                                      </p:to>
-                                    </p:set>
-                                    <p:animEffect transition="in" filter="fade">
-                                      <p:cBhvr>
-                                        <p:cTn id="19" dur="1000"/>
-                                        <p:tgtEl>
-                                          <p:spTgt spid="309"/>
-                                        </p:tgtEl>
-                                      </p:cBhvr>
-                                    </p:animEffect>
-                                  </p:childTnLst>
-                                </p:cTn>
-                              </p:par>
-                              <p:par>
-                                <p:cTn id="20" presetID="10" presetClass="entr" presetSubtype="0" fill="hold" grpId="0" nodeType="withEffect">
-                                  <p:stCondLst>
-                                    <p:cond delay="0"/>
-                                  </p:stCondLst>
-                                  <p:childTnLst>
-                                    <p:set>
-                                      <p:cBhvr>
-                                        <p:cTn id="21" dur="1" fill="hold">
-                                          <p:stCondLst>
-                                            <p:cond delay="0"/>
-                                          </p:stCondLst>
-                                        </p:cTn>
-                                        <p:tgtEl>
-                                          <p:spTgt spid="311"/>
-                                        </p:tgtEl>
-                                        <p:attrNameLst>
-                                          <p:attrName>style.visibility</p:attrName>
-                                        </p:attrNameLst>
-                                      </p:cBhvr>
-                                      <p:to>
-                                        <p:strVal val="visible"/>
-                                      </p:to>
-                                    </p:set>
-                                    <p:animEffect transition="in" filter="fade">
-                                      <p:cBhvr>
-                                        <p:cTn id="22" dur="1000"/>
-                                        <p:tgtEl>
-                                          <p:spTgt spid="311"/>
-                                        </p:tgtEl>
-                                      </p:cBhvr>
-                                    </p:animEffect>
-                                  </p:childTnLst>
-                                </p:cTn>
-                              </p:par>
-                              <p:par>
-                                <p:cTn id="23" presetID="10" presetClass="entr" presetSubtype="0" fill="hold" grpId="0" nodeType="withEffect">
-                                  <p:stCondLst>
-                                    <p:cond delay="0"/>
-                                  </p:stCondLst>
-                                  <p:childTnLst>
-                                    <p:set>
-                                      <p:cBhvr>
-                                        <p:cTn id="24" dur="1" fill="hold">
-                                          <p:stCondLst>
-                                            <p:cond delay="0"/>
-                                          </p:stCondLst>
-                                        </p:cTn>
-                                        <p:tgtEl>
-                                          <p:spTgt spid="315"/>
-                                        </p:tgtEl>
-                                        <p:attrNameLst>
-                                          <p:attrName>style.visibility</p:attrName>
-                                        </p:attrNameLst>
-                                      </p:cBhvr>
-                                      <p:to>
-                                        <p:strVal val="visible"/>
-                                      </p:to>
-                                    </p:set>
-                                    <p:animEffect transition="in" filter="fade">
-                                      <p:cBhvr>
-                                        <p:cTn id="25" dur="1000"/>
-                                        <p:tgtEl>
-                                          <p:spTgt spid="315"/>
-                                        </p:tgtEl>
-                                      </p:cBhvr>
-                                    </p:animEffect>
-                                  </p:childTnLst>
-                                </p:cTn>
-                              </p:par>
-                              <p:par>
-                                <p:cTn id="26" presetID="10" presetClass="entr" presetSubtype="0" fill="hold" grpId="0" nodeType="withEffect">
-                                  <p:stCondLst>
-                                    <p:cond delay="0"/>
-                                  </p:stCondLst>
-                                  <p:childTnLst>
-                                    <p:set>
-                                      <p:cBhvr>
-                                        <p:cTn id="27" dur="1" fill="hold">
-                                          <p:stCondLst>
-                                            <p:cond delay="0"/>
-                                          </p:stCondLst>
-                                        </p:cTn>
-                                        <p:tgtEl>
-                                          <p:spTgt spid="322"/>
-                                        </p:tgtEl>
-                                        <p:attrNameLst>
-                                          <p:attrName>style.visibility</p:attrName>
-                                        </p:attrNameLst>
-                                      </p:cBhvr>
-                                      <p:to>
-                                        <p:strVal val="visible"/>
-                                      </p:to>
-                                    </p:set>
-                                    <p:animEffect transition="in" filter="fade">
-                                      <p:cBhvr>
-                                        <p:cTn id="28" dur="1000"/>
-                                        <p:tgtEl>
-                                          <p:spTgt spid="322"/>
-                                        </p:tgtEl>
-                                      </p:cBhvr>
-                                    </p:animEffect>
-                                  </p:childTnLst>
-                                </p:cTn>
-                              </p:par>
-                              <p:par>
-                                <p:cTn id="29" presetID="10" presetClass="entr" presetSubtype="0" fill="hold" grpId="0" nodeType="withEffect">
-                                  <p:stCondLst>
-                                    <p:cond delay="0"/>
-                                  </p:stCondLst>
-                                  <p:childTnLst>
-                                    <p:set>
-                                      <p:cBhvr>
-                                        <p:cTn id="30" dur="1" fill="hold">
-                                          <p:stCondLst>
-                                            <p:cond delay="0"/>
-                                          </p:stCondLst>
-                                        </p:cTn>
-                                        <p:tgtEl>
-                                          <p:spTgt spid="329"/>
-                                        </p:tgtEl>
-                                        <p:attrNameLst>
-                                          <p:attrName>style.visibility</p:attrName>
-                                        </p:attrNameLst>
-                                      </p:cBhvr>
-                                      <p:to>
-                                        <p:strVal val="visible"/>
-                                      </p:to>
-                                    </p:set>
-                                    <p:animEffect transition="in" filter="fade">
-                                      <p:cBhvr>
-                                        <p:cTn id="31" dur="1000"/>
-                                        <p:tgtEl>
-                                          <p:spTgt spid="329"/>
-                                        </p:tgtEl>
-                                      </p:cBhvr>
-                                    </p:animEffect>
-                                  </p:childTnLst>
-                                </p:cTn>
-                              </p:par>
-                            </p:childTnLst>
-                          </p:cTn>
-                        </p:par>
-                      </p:childTnLst>
-                    </p:cTn>
-                  </p:par>
-                </p:childTnLst>
-              </p:cTn>
-              <p:prevCondLst>
-                <p:cond evt="onPrev" delay="0">
-                  <p:tgtEl>
-                    <p:sldTgt/>
-                  </p:tgtEl>
-                </p:cond>
-              </p:prevCondLst>
-              <p:nextCondLst>
-                <p:cond evt="onNext" delay="0">
-                  <p:tgtEl>
-                    <p:sldTgt/>
-                  </p:tgtEl>
-                </p:cond>
-              </p:nextCondLst>
-            </p:seq>
-          </p:childTnLst>
-        </p:cTn>
-      </p:par>
-    </p:tnLst>
-    <p:bldLst>
-      <p:bldP spid="305" grpId="0" animBg="1"/>
-      <p:bldP spid="306" grpId="0" animBg="1"/>
-      <p:bldP spid="307" grpId="0" animBg="1"/>
-      <p:bldP spid="308" grpId="0" animBg="1"/>
-      <p:bldP spid="309" grpId="0" animBg="1"/>
-      <p:bldP spid="311" grpId="0" animBg="1"/>
-      <p:bldP spid="315" grpId="0" animBg="1"/>
-      <p:bldP spid="322" grpId="0" animBg="1"/>
-      <p:bldP spid="329" grpId="0" animBg="1"/>
-    </p:bldLst>
-  </p:timing>
-</p:sld>
-</file>
-
-<file path=ppt/slides/slide26.xml><?xml version="1.0" encoding="utf-8"?>
-<p:sld xmlns:a="http://schemas.openxmlformats.org/drawingml/2006/main" xmlns:r="http://schemas.openxmlformats.org/officeDocument/2006/relationships" xmlns:p="http://schemas.openxmlformats.org/presentationml/2006/main">
-  <p:cSld>
-    <p:bg>
-      <p:bgPr>
-        <a:solidFill>
-          <a:srgbClr val="FFFFFF"/>
-        </a:solidFill>
-        <a:effectLst/>
-      </p:bgPr>
-    </p:bg>
-    <p:spTree>
-      <p:nvGrpSpPr>
-        <p:cNvPr id="1" name=""/>
-        <p:cNvGrpSpPr/>
-        <p:nvPr/>
-      </p:nvGrpSpPr>
-      <p:grpSpPr>
-        <a:xfrm>
-          <a:off x="0" y="0"/>
-          <a:ext cx="0" cy="0"/>
-          <a:chOff x="0" y="0"/>
-          <a:chExt cx="0" cy="0"/>
-        </a:xfrm>
-      </p:grpSpPr>
-      <p:pic>
-        <p:nvPicPr>
-          <p:cNvPr id="336" name="Picture 1"/>
-          <p:cNvPicPr>
-            <a:picLocks noChangeAspect="1"/>
-          </p:cNvPicPr>
-          <p:nvPr/>
-        </p:nvPicPr>
-        <p:blipFill>
-          <a:blip r:embed="rId2"/>
-          <a:stretch>
-            <a:fillRect/>
-          </a:stretch>
-        </p:blipFill>
-        <p:spPr>
-          <a:xfrm>
-            <a:off x="4041902" y="486156"/>
-            <a:ext cx="3472786" cy="820414"/>
-          </a:xfrm>
-          <a:prstGeom prst="rect">
-            <a:avLst/>
-          </a:prstGeom>
-        </p:spPr>
-      </p:pic>
-      <p:sp>
-        <p:nvSpPr>
-          <p:cNvPr id="337" name="TextBox 2"/>
-          <p:cNvSpPr txBox="1"/>
-          <p:nvPr/>
-        </p:nvSpPr>
-        <p:spPr>
-          <a:xfrm>
-            <a:off x="4266438" y="776224"/>
-            <a:ext cx="2785046" cy="406400"/>
-          </a:xfrm>
-          <a:prstGeom prst="rect">
-            <a:avLst/>
-          </a:prstGeom>
-        </p:spPr>
-        <p:txBody>
-          <a:bodyPr lIns="0" tIns="0" rIns="0" bIns="0" rtlCol="0" anchor="t">
-            <a:spAutoFit/>
-          </a:bodyPr>
-          <a:lstStyle/>
-          <a:p>
-            <a:pPr algn="ctr" latinLnBrk="1"/>
-            <a:r>
-              <a:rPr lang="en-US" sz="2300">
-                <a:solidFill>
-                  <a:srgbClr val="000000"/>
-                </a:solidFill>
-                <a:latin typeface="Microsoft YaHei"/>
-                <a:ea typeface="Microsoft YaHei"/>
-              </a:rPr>
-              <a:t>在这里填写标题</a:t>
-            </a:r>
-            <a:endParaRPr lang="en-US" sz="1100"/>
-          </a:p>
-        </p:txBody>
-      </p:sp>
-      <p:pic>
-        <p:nvPicPr>
-          <p:cNvPr id="338" name="Picture 3"/>
-          <p:cNvPicPr>
-            <a:picLocks noChangeAspect="1"/>
-          </p:cNvPicPr>
-          <p:nvPr/>
-        </p:nvPicPr>
-        <p:blipFill>
-          <a:blip r:embed="rId3"/>
-          <a:stretch>
-            <a:fillRect/>
-          </a:stretch>
-        </p:blipFill>
-        <p:spPr>
-          <a:xfrm>
-            <a:off x="3204210" y="3017647"/>
-            <a:ext cx="810769" cy="1159456"/>
-          </a:xfrm>
-          <a:prstGeom prst="rect">
-            <a:avLst/>
-          </a:prstGeom>
-        </p:spPr>
-      </p:pic>
-      <p:pic>
-        <p:nvPicPr>
-          <p:cNvPr id="339" name="Picture 4"/>
-          <p:cNvPicPr>
-            <a:picLocks noChangeAspect="1"/>
-          </p:cNvPicPr>
-          <p:nvPr/>
-        </p:nvPicPr>
-        <p:blipFill>
-          <a:blip r:embed="rId4"/>
-          <a:stretch>
-            <a:fillRect/>
-          </a:stretch>
-        </p:blipFill>
-        <p:spPr>
-          <a:xfrm>
-            <a:off x="4207637" y="3515741"/>
-            <a:ext cx="326048" cy="311716"/>
-          </a:xfrm>
-          <a:prstGeom prst="rect">
-            <a:avLst/>
-          </a:prstGeom>
-        </p:spPr>
-      </p:pic>
-      <p:pic>
-        <p:nvPicPr>
-          <p:cNvPr id="340" name="Picture 5"/>
-          <p:cNvPicPr>
-            <a:picLocks noChangeAspect="1"/>
-          </p:cNvPicPr>
-          <p:nvPr/>
-        </p:nvPicPr>
-        <p:blipFill>
-          <a:blip r:embed="rId5"/>
-          <a:stretch>
-            <a:fillRect/>
-          </a:stretch>
-        </p:blipFill>
-        <p:spPr>
-          <a:xfrm>
-            <a:off x="7861046" y="1794510"/>
-            <a:ext cx="1073633" cy="2466934"/>
-          </a:xfrm>
-          <a:prstGeom prst="rect">
-            <a:avLst/>
-          </a:prstGeom>
-        </p:spPr>
-      </p:pic>
-      <p:pic>
-        <p:nvPicPr>
-          <p:cNvPr id="341" name="Picture 6"/>
-          <p:cNvPicPr>
-            <a:picLocks noChangeAspect="1"/>
-          </p:cNvPicPr>
-          <p:nvPr/>
-        </p:nvPicPr>
-        <p:blipFill>
-          <a:blip r:embed="rId3"/>
-          <a:stretch>
-            <a:fillRect/>
-          </a:stretch>
-        </p:blipFill>
-        <p:spPr>
-          <a:xfrm>
-            <a:off x="4799711" y="3030855"/>
-            <a:ext cx="810769" cy="1159456"/>
-          </a:xfrm>
-          <a:prstGeom prst="rect">
-            <a:avLst/>
-          </a:prstGeom>
-        </p:spPr>
-      </p:pic>
-      <p:pic>
-        <p:nvPicPr>
-          <p:cNvPr id="342" name="Picture 7"/>
-          <p:cNvPicPr>
-            <a:picLocks noChangeAspect="1"/>
-          </p:cNvPicPr>
-          <p:nvPr/>
-        </p:nvPicPr>
-        <p:blipFill>
-          <a:blip r:embed="rId4"/>
-          <a:stretch>
-            <a:fillRect/>
-          </a:stretch>
-        </p:blipFill>
-        <p:spPr>
-          <a:xfrm>
-            <a:off x="5803138" y="3528949"/>
-            <a:ext cx="326048" cy="311716"/>
-          </a:xfrm>
-          <a:prstGeom prst="rect">
-            <a:avLst/>
-          </a:prstGeom>
-        </p:spPr>
-      </p:pic>
-      <p:pic>
-        <p:nvPicPr>
-          <p:cNvPr id="343" name="Picture 8"/>
-          <p:cNvPicPr>
-            <a:picLocks noChangeAspect="1"/>
-          </p:cNvPicPr>
-          <p:nvPr/>
-        </p:nvPicPr>
-        <p:blipFill>
-          <a:blip r:embed="rId3"/>
-          <a:stretch>
-            <a:fillRect/>
-          </a:stretch>
-        </p:blipFill>
-        <p:spPr>
-          <a:xfrm>
-            <a:off x="6383782" y="3034665"/>
-            <a:ext cx="810769" cy="1159456"/>
-          </a:xfrm>
-          <a:prstGeom prst="rect">
-            <a:avLst/>
-          </a:prstGeom>
-        </p:spPr>
-      </p:pic>
-      <p:pic>
-        <p:nvPicPr>
-          <p:cNvPr id="344" name="Picture 9"/>
-          <p:cNvPicPr>
-            <a:picLocks noChangeAspect="1"/>
-          </p:cNvPicPr>
-          <p:nvPr/>
-        </p:nvPicPr>
-        <p:blipFill>
-          <a:blip r:embed="rId4"/>
-          <a:stretch>
-            <a:fillRect/>
-          </a:stretch>
-        </p:blipFill>
-        <p:spPr>
-          <a:xfrm>
-            <a:off x="7387209" y="3538855"/>
-            <a:ext cx="326048" cy="311716"/>
-          </a:xfrm>
-          <a:prstGeom prst="rect">
-            <a:avLst/>
-          </a:prstGeom>
-        </p:spPr>
-      </p:pic>
-      <p:grpSp>
-        <p:nvGrpSpPr>
-          <p:cNvPr id="345" name="Group 10"/>
-          <p:cNvGrpSpPr/>
-          <p:nvPr/>
-        </p:nvGrpSpPr>
-        <p:grpSpPr>
-          <a:xfrm>
-            <a:off x="3044190" y="4579366"/>
-            <a:ext cx="5568252" cy="641350"/>
-            <a:chOff x="3044190" y="4579366"/>
-            <a:chExt cx="5568252" cy="641350"/>
-          </a:xfrm>
-        </p:grpSpPr>
-        <p:sp>
-          <p:nvSpPr>
-            <p:cNvPr id="346" name="TextBox 345"/>
-            <p:cNvSpPr txBox="1"/>
-            <p:nvPr/>
-          </p:nvSpPr>
-          <p:spPr>
-            <a:xfrm>
-              <a:off x="3044190" y="4579366"/>
-              <a:ext cx="5568252" cy="641350"/>
-            </a:xfrm>
-            <a:prstGeom prst="rect">
-              <a:avLst/>
-            </a:prstGeom>
-          </p:spPr>
-          <p:txBody>
-            <a:bodyPr lIns="0" tIns="0" rIns="0" bIns="0" rtlCol="0" anchor="t">
-              <a:spAutoFit/>
-            </a:bodyPr>
-            <a:lstStyle/>
-            <a:p>
-              <a:pPr algn="l" latinLnBrk="1"/>
-              <a:r>
-                <a:rPr lang="en-US" sz="1200">
-                  <a:solidFill>
-                    <a:srgbClr val="000000"/>
-                  </a:solidFill>
-                  <a:latin typeface="Microsoft YaHei"/>
-                  <a:ea typeface="Microsoft YaHei"/>
-                </a:rPr>
-                <a:t>在这里填写内容详情描述在这里填写内容详情描述在这里填写内容详情描述在这里填写内容详情描述在这里填写内容详情描述在这里填写内容详情描述在这里填写内容详情描述在这里填写内容详情描述在这里填写内容详情描述</a:t>
-              </a:r>
-              <a:endParaRPr lang="en-US" sz="1100"/>
-            </a:p>
-          </p:txBody>
-        </p:sp>
-      </p:grpSp>
-    </p:spTree>
-  </p:cSld>
-  <p:clrMapOvr>
-    <a:masterClrMapping/>
-  </p:clrMapOvr>
-  <p:transition spd="med">
-    <p:fade/>
-  </p:transition>
-  <p:timing>
-    <p:tnLst>
-      <p:par>
-        <p:cTn id="1" dur="indefinite" restart="never" nodeType="tmRoot">
-          <p:childTnLst>
-            <p:seq concurrent="1" nextAc="seek">
-              <p:cTn id="2" dur="indefinite" nodeType="mainSeq">
-                <p:childTnLst>
-                  <p:par>
-                    <p:cTn id="3" fill="hold">
-                      <p:stCondLst>
-                        <p:cond delay="indefinite"/>
-                        <p:cond evt="onBegin" delay="0">
-                          <p:tn val="2"/>
-                        </p:cond>
-                      </p:stCondLst>
-                      <p:childTnLst>
-                        <p:par>
-                          <p:cTn id="4" fill="hold">
-                            <p:stCondLst>
-                              <p:cond delay="0"/>
-                            </p:stCondLst>
-                            <p:childTnLst>
-                              <p:par>
-                                <p:cTn id="5" presetID="10" presetClass="entr" presetSubtype="0" fill="hold" grpId="0" nodeType="withEffect">
-                                  <p:stCondLst>
-                                    <p:cond delay="0"/>
-                                  </p:stCondLst>
-                                  <p:childTnLst>
-                                    <p:set>
-                                      <p:cBhvr>
-                                        <p:cTn id="6" dur="1" fill="hold">
-                                          <p:stCondLst>
-                                            <p:cond delay="0"/>
-                                          </p:stCondLst>
-                                        </p:cTn>
-                                        <p:tgtEl>
-                                          <p:spTgt spid="336"/>
-                                        </p:tgtEl>
-                                        <p:attrNameLst>
-                                          <p:attrName>style.visibility</p:attrName>
-                                        </p:attrNameLst>
-                                      </p:cBhvr>
-                                      <p:to>
-                                        <p:strVal val="visible"/>
-                                      </p:to>
-                                    </p:set>
-                                    <p:animEffect transition="in" filter="fade">
-                                      <p:cBhvr>
-                                        <p:cTn id="7" dur="1000"/>
-                                        <p:tgtEl>
-                                          <p:spTgt spid="336"/>
-                                        </p:tgtEl>
-                                      </p:cBhvr>
-                                    </p:animEffect>
-                                  </p:childTnLst>
-                                </p:cTn>
-                              </p:par>
-                              <p:par>
-                                <p:cTn id="8" presetID="10" presetClass="entr" presetSubtype="0" fill="hold" grpId="0" nodeType="withEffect">
-                                  <p:stCondLst>
-                                    <p:cond delay="0"/>
-                                  </p:stCondLst>
-                                  <p:childTnLst>
-                                    <p:set>
-                                      <p:cBhvr>
-                                        <p:cTn id="9" dur="1" fill="hold">
-                                          <p:stCondLst>
-                                            <p:cond delay="0"/>
-                                          </p:stCondLst>
-                                        </p:cTn>
-                                        <p:tgtEl>
-                                          <p:spTgt spid="337"/>
-                                        </p:tgtEl>
-                                        <p:attrNameLst>
-                                          <p:attrName>style.visibility</p:attrName>
-                                        </p:attrNameLst>
-                                      </p:cBhvr>
-                                      <p:to>
-                                        <p:strVal val="visible"/>
-                                      </p:to>
-                                    </p:set>
-                                    <p:animEffect transition="in" filter="fade">
-                                      <p:cBhvr>
-                                        <p:cTn id="10" dur="1000"/>
-                                        <p:tgtEl>
-                                          <p:spTgt spid="337"/>
-                                        </p:tgtEl>
-                                      </p:cBhvr>
-                                    </p:animEffect>
-                                  </p:childTnLst>
-                                </p:cTn>
-                              </p:par>
-                              <p:par>
-                                <p:cTn id="11" presetID="10" presetClass="entr" presetSubtype="0" fill="hold" grpId="0" nodeType="withEffect">
-                                  <p:stCondLst>
-                                    <p:cond delay="0"/>
-                                  </p:stCondLst>
-                                  <p:childTnLst>
-                                    <p:set>
-                                      <p:cBhvr>
-                                        <p:cTn id="12" dur="1" fill="hold">
-                                          <p:stCondLst>
-                                            <p:cond delay="0"/>
-                                          </p:stCondLst>
-                                        </p:cTn>
-                                        <p:tgtEl>
-                                          <p:spTgt spid="338"/>
-                                        </p:tgtEl>
-                                        <p:attrNameLst>
-                                          <p:attrName>style.visibility</p:attrName>
-                                        </p:attrNameLst>
-                                      </p:cBhvr>
-                                      <p:to>
-                                        <p:strVal val="visible"/>
-                                      </p:to>
-                                    </p:set>
-                                    <p:animEffect transition="in" filter="fade">
-                                      <p:cBhvr>
-                                        <p:cTn id="13" dur="1000"/>
-                                        <p:tgtEl>
-                                          <p:spTgt spid="338"/>
-                                        </p:tgtEl>
-                                      </p:cBhvr>
-                                    </p:animEffect>
-                                  </p:childTnLst>
-                                </p:cTn>
-                              </p:par>
-                              <p:par>
-                                <p:cTn id="14" presetID="10" presetClass="entr" presetSubtype="0" fill="hold" grpId="0" nodeType="withEffect">
-                                  <p:stCondLst>
-                                    <p:cond delay="0"/>
-                                  </p:stCondLst>
-                                  <p:childTnLst>
-                                    <p:set>
-                                      <p:cBhvr>
-                                        <p:cTn id="15" dur="1" fill="hold">
-                                          <p:stCondLst>
-                                            <p:cond delay="0"/>
-                                          </p:stCondLst>
-                                        </p:cTn>
-                                        <p:tgtEl>
-                                          <p:spTgt spid="339"/>
-                                        </p:tgtEl>
-                                        <p:attrNameLst>
-                                          <p:attrName>style.visibility</p:attrName>
-                                        </p:attrNameLst>
-                                      </p:cBhvr>
-                                      <p:to>
-                                        <p:strVal val="visible"/>
-                                      </p:to>
-                                    </p:set>
-                                    <p:animEffect transition="in" filter="fade">
-                                      <p:cBhvr>
-                                        <p:cTn id="16" dur="1000"/>
-                                        <p:tgtEl>
-                                          <p:spTgt spid="339"/>
-                                        </p:tgtEl>
-                                      </p:cBhvr>
-                                    </p:animEffect>
-                                  </p:childTnLst>
-                                </p:cTn>
-                              </p:par>
-                              <p:par>
-                                <p:cTn id="17" presetID="10" presetClass="entr" presetSubtype="0" fill="hold" grpId="0" nodeType="withEffect">
-                                  <p:stCondLst>
-                                    <p:cond delay="0"/>
-                                  </p:stCondLst>
-                                  <p:childTnLst>
-                                    <p:set>
-                                      <p:cBhvr>
-                                        <p:cTn id="18" dur="1" fill="hold">
-                                          <p:stCondLst>
-                                            <p:cond delay="0"/>
-                                          </p:stCondLst>
-                                        </p:cTn>
-                                        <p:tgtEl>
-                                          <p:spTgt spid="340"/>
-                                        </p:tgtEl>
-                                        <p:attrNameLst>
-                                          <p:attrName>style.visibility</p:attrName>
-                                        </p:attrNameLst>
-                                      </p:cBhvr>
-                                      <p:to>
-                                        <p:strVal val="visible"/>
-                                      </p:to>
-                                    </p:set>
-                                    <p:animEffect transition="in" filter="fade">
-                                      <p:cBhvr>
-                                        <p:cTn id="19" dur="1000"/>
-                                        <p:tgtEl>
-                                          <p:spTgt spid="340"/>
-                                        </p:tgtEl>
-                                      </p:cBhvr>
-                                    </p:animEffect>
-                                  </p:childTnLst>
-                                </p:cTn>
-                              </p:par>
-                              <p:par>
-                                <p:cTn id="20" presetID="10" presetClass="entr" presetSubtype="0" fill="hold" grpId="0" nodeType="withEffect">
-                                  <p:stCondLst>
-                                    <p:cond delay="0"/>
-                                  </p:stCondLst>
-                                  <p:childTnLst>
-                                    <p:set>
-                                      <p:cBhvr>
-                                        <p:cTn id="21" dur="1" fill="hold">
-                                          <p:stCondLst>
-                                            <p:cond delay="0"/>
-                                          </p:stCondLst>
-                                        </p:cTn>
-                                        <p:tgtEl>
-                                          <p:spTgt spid="341"/>
-                                        </p:tgtEl>
-                                        <p:attrNameLst>
-                                          <p:attrName>style.visibility</p:attrName>
-                                        </p:attrNameLst>
-                                      </p:cBhvr>
-                                      <p:to>
-                                        <p:strVal val="visible"/>
-                                      </p:to>
-                                    </p:set>
-                                    <p:animEffect transition="in" filter="fade">
-                                      <p:cBhvr>
-                                        <p:cTn id="22" dur="1000"/>
-                                        <p:tgtEl>
-                                          <p:spTgt spid="341"/>
-                                        </p:tgtEl>
-                                      </p:cBhvr>
-                                    </p:animEffect>
-                                  </p:childTnLst>
-                                </p:cTn>
-                              </p:par>
-                              <p:par>
-                                <p:cTn id="23" presetID="10" presetClass="entr" presetSubtype="0" fill="hold" grpId="0" nodeType="withEffect">
-                                  <p:stCondLst>
-                                    <p:cond delay="0"/>
-                                  </p:stCondLst>
-                                  <p:childTnLst>
-                                    <p:set>
-                                      <p:cBhvr>
-                                        <p:cTn id="24" dur="1" fill="hold">
-                                          <p:stCondLst>
-                                            <p:cond delay="0"/>
-                                          </p:stCondLst>
-                                        </p:cTn>
-                                        <p:tgtEl>
-                                          <p:spTgt spid="342"/>
-                                        </p:tgtEl>
-                                        <p:attrNameLst>
-                                          <p:attrName>style.visibility</p:attrName>
-                                        </p:attrNameLst>
-                                      </p:cBhvr>
-                                      <p:to>
-                                        <p:strVal val="visible"/>
-                                      </p:to>
-                                    </p:set>
-                                    <p:animEffect transition="in" filter="fade">
-                                      <p:cBhvr>
-                                        <p:cTn id="25" dur="1000"/>
-                                        <p:tgtEl>
-                                          <p:spTgt spid="342"/>
-                                        </p:tgtEl>
-                                      </p:cBhvr>
-                                    </p:animEffect>
-                                  </p:childTnLst>
-                                </p:cTn>
-                              </p:par>
-                              <p:par>
-                                <p:cTn id="26" presetID="10" presetClass="entr" presetSubtype="0" fill="hold" grpId="0" nodeType="withEffect">
-                                  <p:stCondLst>
-                                    <p:cond delay="0"/>
-                                  </p:stCondLst>
-                                  <p:childTnLst>
-                                    <p:set>
-                                      <p:cBhvr>
-                                        <p:cTn id="27" dur="1" fill="hold">
-                                          <p:stCondLst>
-                                            <p:cond delay="0"/>
-                                          </p:stCondLst>
-                                        </p:cTn>
-                                        <p:tgtEl>
-                                          <p:spTgt spid="343"/>
-                                        </p:tgtEl>
-                                        <p:attrNameLst>
-                                          <p:attrName>style.visibility</p:attrName>
-                                        </p:attrNameLst>
-                                      </p:cBhvr>
-                                      <p:to>
-                                        <p:strVal val="visible"/>
-                                      </p:to>
-                                    </p:set>
-                                    <p:animEffect transition="in" filter="fade">
-                                      <p:cBhvr>
-                                        <p:cTn id="28" dur="1000"/>
-                                        <p:tgtEl>
-                                          <p:spTgt spid="343"/>
-                                        </p:tgtEl>
-                                      </p:cBhvr>
-                                    </p:animEffect>
-                                  </p:childTnLst>
-                                </p:cTn>
-                              </p:par>
-                              <p:par>
-                                <p:cTn id="29" presetID="10" presetClass="entr" presetSubtype="0" fill="hold" grpId="0" nodeType="withEffect">
-                                  <p:stCondLst>
-                                    <p:cond delay="0"/>
-                                  </p:stCondLst>
-                                  <p:childTnLst>
-                                    <p:set>
-                                      <p:cBhvr>
-                                        <p:cTn id="30" dur="1" fill="hold">
-                                          <p:stCondLst>
-                                            <p:cond delay="0"/>
-                                          </p:stCondLst>
-                                        </p:cTn>
-                                        <p:tgtEl>
                                           <p:spTgt spid="344"/>
-                                        </p:tgtEl>
-                                        <p:attrNameLst>
-                                          <p:attrName>style.visibility</p:attrName>
-                                        </p:attrNameLst>
-                                      </p:cBhvr>
-                                      <p:to>
-                                        <p:strVal val="visible"/>
-                                      </p:to>
-                                    </p:set>
-                                    <p:animEffect transition="in" filter="fade">
-                                      <p:cBhvr>
-                                        <p:cTn id="31" dur="1000"/>
-                                        <p:tgtEl>
-                                          <p:spTgt spid="344"/>
-                                        </p:tgtEl>
-                                      </p:cBhvr>
-                                    </p:animEffect>
-                                  </p:childTnLst>
-                                </p:cTn>
-                              </p:par>
-                              <p:par>
-                                <p:cTn id="32" presetID="10" presetClass="entr" presetSubtype="0" fill="hold" grpId="0" nodeType="withEffect">
-                                  <p:stCondLst>
-                                    <p:cond delay="0"/>
-                                  </p:stCondLst>
-                                  <p:childTnLst>
-                                    <p:set>
-                                      <p:cBhvr>
-                                        <p:cTn id="33" dur="1" fill="hold">
-                                          <p:stCondLst>
-                                            <p:cond delay="0"/>
-                                          </p:stCondLst>
-                                        </p:cTn>
-                                        <p:tgtEl>
-                                          <p:spTgt spid="345"/>
-                                        </p:tgtEl>
-                                        <p:attrNameLst>
-                                          <p:attrName>style.visibility</p:attrName>
-                                        </p:attrNameLst>
-                                      </p:cBhvr>
-                                      <p:to>
-                                        <p:strVal val="visible"/>
-                                      </p:to>
-                                    </p:set>
-                                    <p:animEffect transition="in" filter="fade">
-                                      <p:cBhvr>
-                                        <p:cTn id="34" dur="1000"/>
-                                        <p:tgtEl>
-                                          <p:spTgt spid="345"/>
                                         </p:tgtEl>
                                       </p:cBhvr>
                                     </p:animEffect>
@@ -16311,13 +10288,12 @@
       <p:bldP spid="342" grpId="0" animBg="1"/>
       <p:bldP spid="343" grpId="0" animBg="1"/>
       <p:bldP spid="344" grpId="0" animBg="1"/>
-      <p:bldP spid="345" grpId="0" animBg="1"/>
     </p:bldLst>
   </p:timing>
 </p:sld>
 </file>
 
-<file path=ppt/slides/slide27.xml><?xml version="1.0" encoding="utf-8"?>
+<file path=ppt/slides/slide21.xml><?xml version="1.0" encoding="utf-8"?>
 <p:sld xmlns:a="http://schemas.openxmlformats.org/drawingml/2006/main" xmlns:r="http://schemas.openxmlformats.org/officeDocument/2006/relationships" xmlns:p="http://schemas.openxmlformats.org/presentationml/2006/main">
   <p:cSld>
     <p:bg>
@@ -16426,57 +10402,6 @@
           </a:prstGeom>
         </p:spPr>
       </p:pic>
-      <p:grpSp>
-        <p:nvGrpSpPr>
-          <p:cNvPr id="350" name="Group 4"/>
-          <p:cNvGrpSpPr/>
-          <p:nvPr/>
-        </p:nvGrpSpPr>
-        <p:grpSpPr>
-          <a:xfrm>
-            <a:off x="2999232" y="3837432"/>
-            <a:ext cx="5680329" cy="1066800"/>
-            <a:chOff x="2999232" y="3837432"/>
-            <a:chExt cx="5680329" cy="1066800"/>
-          </a:xfrm>
-        </p:grpSpPr>
-        <p:sp>
-          <p:nvSpPr>
-            <p:cNvPr id="351" name="TextBox 350"/>
-            <p:cNvSpPr txBox="1"/>
-            <p:nvPr/>
-          </p:nvSpPr>
-          <p:spPr>
-            <a:xfrm>
-              <a:off x="2999232" y="3837432"/>
-              <a:ext cx="5680329" cy="1066800"/>
-            </a:xfrm>
-            <a:prstGeom prst="rect">
-              <a:avLst/>
-            </a:prstGeom>
-          </p:spPr>
-          <p:txBody>
-            <a:bodyPr lIns="0" tIns="0" rIns="0" bIns="0" rtlCol="0" anchor="t">
-              <a:spAutoFit/>
-            </a:bodyPr>
-            <a:lstStyle/>
-            <a:p>
-              <a:pPr algn="ctr" latinLnBrk="1"/>
-              <a:r>
-                <a:rPr lang="en-US" sz="2000">
-                  <a:solidFill>
-                    <a:srgbClr val="000000"/>
-                  </a:solidFill>
-                  <a:latin typeface="Microsoft YaHei"/>
-                  <a:ea typeface="Microsoft YaHei"/>
-                </a:rPr>
-                <a:t>感谢母校提供的学习与实践的机会 感谢导师团队，特别感谢吴老师给与的耐心指导 感谢同学以及舍友的帮助 感谢答辩评审！</a:t>
-              </a:r>
-              <a:endParaRPr lang="en-US" sz="1100"/>
-            </a:p>
-          </p:txBody>
-        </p:sp>
-      </p:grpSp>
     </p:spTree>
   </p:cSld>
   <p:clrMapOvr>
@@ -16613,41 +10538,6 @@
                                   </p:childTnLst>
                                 </p:cTn>
                               </p:par>
-                              <p:par>
-                                <p:cTn id="14" presetID="10" presetClass="entr" presetSubtype="0" fill="hold" grpId="0" nodeType="withEffect">
-                                  <p:stCondLst>
-                                    <p:cond delay="0"/>
-                                  </p:stCondLst>
-                                  <p:childTnLst>
-                                    <p:set>
-                                      <p:cBhvr>
-                                        <p:cTn id="15" dur="1" fill="hold">
-                                          <p:stCondLst>
-                                            <p:cond delay="0"/>
-                                          </p:stCondLst>
-                                        </p:cTn>
-                                        <p:tgtEl>
-                                          <p:spTgt spid="350"/>
-                                        </p:tgtEl>
-                                        <p:attrNameLst>
-                                          <p:attrName>style.visibility</p:attrName>
-                                        </p:attrNameLst>
-                                      </p:cBhvr>
-                                      <p:to>
-                                        <p:strVal val="visible"/>
-                                      </p:to>
-                                    </p:set>
-                                    <p:animEffect transition="in" filter="fade">
-                                      <p:cBhvr>
-                                        <p:cTn id="16" dur="1000"/>
-                                        <p:tgtEl>
-                                          <p:spTgt spid="350"/>
-                                        </p:tgtEl>
-                                      </p:cBhvr>
-                                    </p:animEffect>
-                                  </p:childTnLst>
-                                </p:cTn>
-                              </p:par>
                             </p:childTnLst>
                           </p:cTn>
                         </p:par>
@@ -16679,7 +10569,6 @@
       <p:bldP spid="347" grpId="0" animBg="1"/>
       <p:bldP spid="348" grpId="0" animBg="1"/>
       <p:bldP spid="349" grpId="0" animBg="1"/>
-      <p:bldP spid="350" grpId="0" animBg="1"/>
     </p:bldLst>
   </p:timing>
 </p:sld>
